--- a/Impacts to TennCare.pptx
+++ b/Impacts to TennCare.pptx
@@ -5,10 +5,10 @@
     <p:sldMasterId id="2147483906" r:id="rId1"/>
   </p:sldMasterIdLst>
   <p:notesMasterIdLst>
-    <p:notesMasterId r:id="rId17"/>
+    <p:notesMasterId r:id="rId14"/>
   </p:notesMasterIdLst>
   <p:handoutMasterIdLst>
-    <p:handoutMasterId r:id="rId18"/>
+    <p:handoutMasterId r:id="rId15"/>
   </p:handoutMasterIdLst>
   <p:sldIdLst>
     <p:sldId id="257" r:id="rId2"/>
@@ -21,11 +21,8 @@
     <p:sldId id="264" r:id="rId9"/>
     <p:sldId id="271" r:id="rId10"/>
     <p:sldId id="265" r:id="rId11"/>
-    <p:sldId id="266" r:id="rId12"/>
-    <p:sldId id="267" r:id="rId13"/>
-    <p:sldId id="268" r:id="rId14"/>
-    <p:sldId id="269" r:id="rId15"/>
-    <p:sldId id="270" r:id="rId16"/>
+    <p:sldId id="272" r:id="rId12"/>
+    <p:sldId id="266" r:id="rId13"/>
   </p:sldIdLst>
   <p:sldSz cx="12192000" cy="6858000"/>
   <p:notesSz cx="6858000" cy="9144000"/>
@@ -2405,62 +2402,7 @@
     </mc:Fallback>
   </mc:AlternateContent>
   <c:chart>
-    <c:title>
-      <c:tx>
-        <c:rich>
-          <a:bodyPr rot="0" spcFirstLastPara="1" vertOverflow="ellipsis" vert="horz" wrap="square" anchor="ctr" anchorCtr="1"/>
-          <a:lstStyle/>
-          <a:p>
-            <a:pPr>
-              <a:defRPr sz="1400" b="1" i="0" u="none" strike="noStrike" kern="1200" spc="0" baseline="0">
-                <a:solidFill>
-                  <a:schemeClr val="tx1">
-                    <a:lumMod val="65000"/>
-                    <a:lumOff val="35000"/>
-                  </a:schemeClr>
-                </a:solidFill>
-                <a:latin typeface="Arial" panose="020B0604020202020204" pitchFamily="34" charset="0"/>
-                <a:ea typeface="+mn-ea"/>
-                <a:cs typeface="Arial" panose="020B0604020202020204" pitchFamily="34" charset="0"/>
-              </a:defRPr>
-            </a:pPr>
-            <a:r>
-              <a:rPr lang="en-US"/>
-              <a:t>Top 10 Counties by Poverty 2018</a:t>
-            </a:r>
-          </a:p>
-        </c:rich>
-      </c:tx>
-      <c:overlay val="0"/>
-      <c:spPr>
-        <a:noFill/>
-        <a:ln>
-          <a:noFill/>
-        </a:ln>
-        <a:effectLst/>
-      </c:spPr>
-      <c:txPr>
-        <a:bodyPr rot="0" spcFirstLastPara="1" vertOverflow="ellipsis" vert="horz" wrap="square" anchor="ctr" anchorCtr="1"/>
-        <a:lstStyle/>
-        <a:p>
-          <a:pPr>
-            <a:defRPr sz="1400" b="1" i="0" u="none" strike="noStrike" kern="1200" spc="0" baseline="0">
-              <a:solidFill>
-                <a:schemeClr val="tx1">
-                  <a:lumMod val="65000"/>
-                  <a:lumOff val="35000"/>
-                </a:schemeClr>
-              </a:solidFill>
-              <a:latin typeface="Arial" panose="020B0604020202020204" pitchFamily="34" charset="0"/>
-              <a:ea typeface="+mn-ea"/>
-              <a:cs typeface="Arial" panose="020B0604020202020204" pitchFamily="34" charset="0"/>
-            </a:defRPr>
-          </a:pPr>
-          <a:endParaRPr lang="en-US"/>
-        </a:p>
-      </c:txPr>
-    </c:title>
-    <c:autoTitleDeleted val="0"/>
+    <c:autoTitleDeleted val="1"/>
     <c:plotArea>
       <c:layout/>
       <c:barChart>
@@ -2988,70 +2930,7 @@
     </mc:Fallback>
   </mc:AlternateContent>
   <c:chart>
-    <c:title>
-      <c:tx>
-        <c:rich>
-          <a:bodyPr rot="0" spcFirstLastPara="1" vertOverflow="ellipsis" vert="horz" wrap="square" anchor="ctr" anchorCtr="1"/>
-          <a:lstStyle/>
-          <a:p>
-            <a:pPr>
-              <a:defRPr sz="1400" b="1" i="0" u="none" strike="noStrike" kern="1200" spc="0" baseline="0">
-                <a:solidFill>
-                  <a:schemeClr val="tx1">
-                    <a:lumMod val="65000"/>
-                    <a:lumOff val="35000"/>
-                  </a:schemeClr>
-                </a:solidFill>
-                <a:latin typeface="Arial" panose="020B0604020202020204" pitchFamily="34" charset="0"/>
-                <a:ea typeface="+mn-ea"/>
-                <a:cs typeface="Arial" panose="020B0604020202020204" pitchFamily="34" charset="0"/>
-              </a:defRPr>
-            </a:pPr>
-            <a:r>
-              <a:rPr lang="en-US"/>
-              <a:t>Top 10 Counties</a:t>
-            </a:r>
-            <a:r>
-              <a:rPr lang="en-US" baseline="0"/>
-              <a:t> by Enrollment</a:t>
-            </a:r>
-            <a:r>
-              <a:rPr lang="en-US"/>
-              <a:t> 2018</a:t>
-            </a:r>
-          </a:p>
-        </c:rich>
-      </c:tx>
-      <c:overlay val="0"/>
-      <c:spPr>
-        <a:noFill/>
-        <a:ln>
-          <a:noFill/>
-        </a:ln>
-        <a:effectLst/>
-      </c:spPr>
-      <c:txPr>
-        <a:bodyPr rot="0" spcFirstLastPara="1" vertOverflow="ellipsis" vert="horz" wrap="square" anchor="ctr" anchorCtr="1"/>
-        <a:lstStyle/>
-        <a:p>
-          <a:pPr>
-            <a:defRPr sz="1400" b="1" i="0" u="none" strike="noStrike" kern="1200" spc="0" baseline="0">
-              <a:solidFill>
-                <a:schemeClr val="tx1">
-                  <a:lumMod val="65000"/>
-                  <a:lumOff val="35000"/>
-                </a:schemeClr>
-              </a:solidFill>
-              <a:latin typeface="Arial" panose="020B0604020202020204" pitchFamily="34" charset="0"/>
-              <a:ea typeface="+mn-ea"/>
-              <a:cs typeface="Arial" panose="020B0604020202020204" pitchFamily="34" charset="0"/>
-            </a:defRPr>
-          </a:pPr>
-          <a:endParaRPr lang="en-US"/>
-        </a:p>
-      </c:txPr>
-    </c:title>
-    <c:autoTitleDeleted val="0"/>
+    <c:autoTitleDeleted val="1"/>
     <c:plotArea>
       <c:layout/>
       <c:barChart>
@@ -7485,7 +7364,7 @@
           <a:p>
             <a:fld id="{68796EA6-6F25-4F19-87BA-7ADCC16DAEFF}" type="datetimeFigureOut">
               <a:rPr lang="en-US" smtClean="0"/>
-              <a:t>12/21/2019</a:t>
+              <a:t>12/30/2019</a:t>
             </a:fld>
             <a:endParaRPr lang="en-US" dirty="0"/>
           </a:p>
@@ -7650,7 +7529,7 @@
           <a:p>
             <a:fld id="{C39C172E-A8B5-46F6-B05C-DFA3E2E0F207}" type="datetimeFigureOut">
               <a:rPr lang="en-US" smtClean="0"/>
-              <a:t>12/21/2019</a:t>
+              <a:t>12/30/2019</a:t>
             </a:fld>
             <a:endParaRPr lang="en-US" dirty="0"/>
           </a:p>
@@ -8409,6 +8288,209 @@
 </p:notes>
 </file>
 
+<file path=ppt/notesSlides/notesSlide6.xml><?xml version="1.0" encoding="utf-8"?>
+<p:notes xmlns:a="http://schemas.openxmlformats.org/drawingml/2006/main" xmlns:r="http://schemas.openxmlformats.org/officeDocument/2006/relationships" xmlns:p="http://schemas.openxmlformats.org/presentationml/2006/main">
+  <p:cSld>
+    <p:spTree>
+      <p:nvGrpSpPr>
+        <p:cNvPr id="1" name=""/>
+        <p:cNvGrpSpPr/>
+        <p:nvPr/>
+      </p:nvGrpSpPr>
+      <p:grpSpPr>
+        <a:xfrm>
+          <a:off x="0" y="0"/>
+          <a:ext cx="0" cy="0"/>
+          <a:chOff x="0" y="0"/>
+          <a:chExt cx="0" cy="0"/>
+        </a:xfrm>
+      </p:grpSpPr>
+      <p:sp>
+        <p:nvSpPr>
+          <p:cNvPr id="2" name="Slide Image Placeholder 1"/>
+          <p:cNvSpPr>
+            <a:spLocks noGrp="1" noRot="1" noChangeAspect="1"/>
+          </p:cNvSpPr>
+          <p:nvPr>
+            <p:ph type="sldImg"/>
+          </p:nvPr>
+        </p:nvSpPr>
+        <p:spPr/>
+      </p:sp>
+      <p:sp>
+        <p:nvSpPr>
+          <p:cNvPr id="3" name="Notes Placeholder 2"/>
+          <p:cNvSpPr>
+            <a:spLocks noGrp="1"/>
+          </p:cNvSpPr>
+          <p:nvPr>
+            <p:ph type="body" idx="1"/>
+          </p:nvPr>
+        </p:nvSpPr>
+        <p:spPr/>
+        <p:txBody>
+          <a:bodyPr/>
+          <a:lstStyle/>
+          <a:p>
+            <a:r>
+              <a:rPr lang="en-US" dirty="0"/>
+              <a:t>Hancock County ranks 95</a:t>
+            </a:r>
+            <a:r>
+              <a:rPr lang="en-US" baseline="30000" dirty="0"/>
+              <a:t>th</a:t>
+            </a:r>
+            <a:r>
+              <a:rPr lang="en-US" dirty="0"/>
+              <a:t> out of 95 Tennessee counties when it comes to social and economic factors.  Children in poverty is doubled the Tennessee percentage.</a:t>
+            </a:r>
+          </a:p>
+        </p:txBody>
+      </p:sp>
+      <p:sp>
+        <p:nvSpPr>
+          <p:cNvPr id="4" name="Slide Number Placeholder 3"/>
+          <p:cNvSpPr>
+            <a:spLocks noGrp="1"/>
+          </p:cNvSpPr>
+          <p:nvPr>
+            <p:ph type="sldNum" sz="quarter" idx="5"/>
+          </p:nvPr>
+        </p:nvSpPr>
+        <p:spPr/>
+        <p:txBody>
+          <a:bodyPr/>
+          <a:lstStyle/>
+          <a:p>
+            <a:fld id="{32674CE4-FBD8-4481-AEFB-CA53E599A745}" type="slidenum">
+              <a:rPr lang="en-US" smtClean="0"/>
+              <a:t>10</a:t>
+            </a:fld>
+            <a:endParaRPr lang="en-US" dirty="0"/>
+          </a:p>
+        </p:txBody>
+      </p:sp>
+    </p:spTree>
+    <p:extLst>
+      <p:ext uri="{BB962C8B-B14F-4D97-AF65-F5344CB8AC3E}">
+        <p14:creationId xmlns:p14="http://schemas.microsoft.com/office/powerpoint/2010/main" val="2958048595"/>
+      </p:ext>
+    </p:extLst>
+  </p:cSld>
+  <p:clrMapOvr>
+    <a:masterClrMapping/>
+  </p:clrMapOvr>
+</p:notes>
+</file>
+
+<file path=ppt/notesSlides/notesSlide7.xml><?xml version="1.0" encoding="utf-8"?>
+<p:notes xmlns:a="http://schemas.openxmlformats.org/drawingml/2006/main" xmlns:r="http://schemas.openxmlformats.org/officeDocument/2006/relationships" xmlns:p="http://schemas.openxmlformats.org/presentationml/2006/main">
+  <p:cSld>
+    <p:spTree>
+      <p:nvGrpSpPr>
+        <p:cNvPr id="1" name=""/>
+        <p:cNvGrpSpPr/>
+        <p:nvPr/>
+      </p:nvGrpSpPr>
+      <p:grpSpPr>
+        <a:xfrm>
+          <a:off x="0" y="0"/>
+          <a:ext cx="0" cy="0"/>
+          <a:chOff x="0" y="0"/>
+          <a:chExt cx="0" cy="0"/>
+        </a:xfrm>
+      </p:grpSpPr>
+      <p:sp>
+        <p:nvSpPr>
+          <p:cNvPr id="2" name="Slide Image Placeholder 1"/>
+          <p:cNvSpPr>
+            <a:spLocks noGrp="1" noRot="1" noChangeAspect="1"/>
+          </p:cNvSpPr>
+          <p:nvPr>
+            <p:ph type="sldImg"/>
+          </p:nvPr>
+        </p:nvSpPr>
+        <p:spPr/>
+      </p:sp>
+      <p:sp>
+        <p:nvSpPr>
+          <p:cNvPr id="3" name="Notes Placeholder 2"/>
+          <p:cNvSpPr>
+            <a:spLocks noGrp="1"/>
+          </p:cNvSpPr>
+          <p:nvPr>
+            <p:ph type="body" idx="1"/>
+          </p:nvPr>
+        </p:nvSpPr>
+        <p:spPr/>
+        <p:txBody>
+          <a:bodyPr/>
+          <a:lstStyle/>
+          <a:p>
+            <a:r>
+              <a:rPr lang="en-US" dirty="0"/>
+              <a:t>Grundy County ranks 85</a:t>
+            </a:r>
+            <a:r>
+              <a:rPr lang="en-US" baseline="30000" dirty="0"/>
+              <a:t>th</a:t>
+            </a:r>
+            <a:r>
+              <a:rPr lang="en-US" dirty="0"/>
+              <a:t> out of 95 Tennessee counties when it comes to social and economic factors and was named by 24/7 Wall Street as the worst place in TN to live. </a:t>
+            </a:r>
+            <a:r>
+              <a:rPr lang="en-US" sz="1200" b="0" i="0" kern="1200" dirty="0">
+                <a:solidFill>
+                  <a:schemeClr val="tx1"/>
+                </a:solidFill>
+                <a:effectLst/>
+                <a:latin typeface="+mn-lt"/>
+                <a:ea typeface="+mn-ea"/>
+                <a:cs typeface="+mn-cs"/>
+              </a:rPr>
+              <a:t>Grundy has no hospital, no college, no major retailers and no dentist.</a:t>
+            </a:r>
+            <a:endParaRPr lang="en-US" dirty="0"/>
+          </a:p>
+        </p:txBody>
+      </p:sp>
+      <p:sp>
+        <p:nvSpPr>
+          <p:cNvPr id="4" name="Slide Number Placeholder 3"/>
+          <p:cNvSpPr>
+            <a:spLocks noGrp="1"/>
+          </p:cNvSpPr>
+          <p:nvPr>
+            <p:ph type="sldNum" sz="quarter" idx="5"/>
+          </p:nvPr>
+        </p:nvSpPr>
+        <p:spPr/>
+        <p:txBody>
+          <a:bodyPr/>
+          <a:lstStyle/>
+          <a:p>
+            <a:fld id="{32674CE4-FBD8-4481-AEFB-CA53E599A745}" type="slidenum">
+              <a:rPr lang="en-US" smtClean="0"/>
+              <a:t>11</a:t>
+            </a:fld>
+            <a:endParaRPr lang="en-US" dirty="0"/>
+          </a:p>
+        </p:txBody>
+      </p:sp>
+    </p:spTree>
+    <p:extLst>
+      <p:ext uri="{BB962C8B-B14F-4D97-AF65-F5344CB8AC3E}">
+        <p14:creationId xmlns:p14="http://schemas.microsoft.com/office/powerpoint/2010/main" val="4172326258"/>
+      </p:ext>
+    </p:extLst>
+  </p:cSld>
+  <p:clrMapOvr>
+    <a:masterClrMapping/>
+  </p:clrMapOvr>
+</p:notes>
+</file>
+
 <file path=ppt/slideLayouts/slideLayout1.xml><?xml version="1.0" encoding="utf-8"?>
 <p:sldLayout xmlns:a="http://schemas.openxmlformats.org/drawingml/2006/main" xmlns:r="http://schemas.openxmlformats.org/officeDocument/2006/relationships" xmlns:p="http://schemas.openxmlformats.org/presentationml/2006/main" showMasterSp="0" type="title" preserve="1">
   <p:cSld name="Title Slide">
@@ -8636,7 +8718,7 @@
             <a:fld id="{4E708F12-96AD-4ED4-8132-A78F5E42C1F5}" type="datetime1">
               <a:rPr lang="en-US" smtClean="0"/>
               <a:pPr/>
-              <a:t>12/21/2019</a:t>
+              <a:t>12/30/2019</a:t>
             </a:fld>
             <a:endParaRPr lang="en-US" dirty="0"/>
           </a:p>
@@ -8866,7 +8948,7 @@
             <a:fld id="{C20F09E4-6EA4-4BF3-9FC8-FF40373B88E6}" type="datetime1">
               <a:rPr lang="en-US" smtClean="0"/>
               <a:pPr/>
-              <a:t>12/21/2019</a:t>
+              <a:t>12/30/2019</a:t>
             </a:fld>
             <a:endParaRPr lang="en-US" dirty="0"/>
           </a:p>
@@ -9128,7 +9210,7 @@
             <a:fld id="{C20F09E4-6EA4-4BF3-9FC8-FF40373B88E6}" type="datetime1">
               <a:rPr lang="en-US" smtClean="0"/>
               <a:pPr/>
-              <a:t>12/21/2019</a:t>
+              <a:t>12/30/2019</a:t>
             </a:fld>
             <a:endParaRPr lang="en-US" dirty="0"/>
           </a:p>
@@ -9308,7 +9390,7 @@
             <a:fld id="{C20F09E4-6EA4-4BF3-9FC8-FF40373B88E6}" type="datetime1">
               <a:rPr lang="en-US" smtClean="0"/>
               <a:pPr/>
-              <a:t>12/21/2019</a:t>
+              <a:t>12/30/2019</a:t>
             </a:fld>
             <a:endParaRPr lang="en-US" dirty="0"/>
           </a:p>
@@ -9656,7 +9738,7 @@
           <a:p>
             <a:fld id="{0AAE819F-B7FD-4B29-8F66-9E318144BC2A}" type="datetime1">
               <a:rPr lang="en-US" smtClean="0"/>
-              <a:t>12/21/2019</a:t>
+              <a:t>12/30/2019</a:t>
             </a:fld>
             <a:endParaRPr lang="en-US" dirty="0"/>
           </a:p>
@@ -9948,7 +10030,7 @@
             <a:fld id="{C20F09E4-6EA4-4BF3-9FC8-FF40373B88E6}" type="datetime1">
               <a:rPr lang="en-US" smtClean="0"/>
               <a:pPr/>
-              <a:t>12/21/2019</a:t>
+              <a:t>12/30/2019</a:t>
             </a:fld>
             <a:endParaRPr lang="en-US" dirty="0"/>
           </a:p>
@@ -10333,7 +10415,7 @@
             <a:fld id="{C20F09E4-6EA4-4BF3-9FC8-FF40373B88E6}" type="datetime1">
               <a:rPr lang="en-US" smtClean="0"/>
               <a:pPr/>
-              <a:t>12/21/2019</a:t>
+              <a:t>12/30/2019</a:t>
             </a:fld>
             <a:endParaRPr lang="en-US" dirty="0"/>
           </a:p>
@@ -10456,7 +10538,7 @@
           <a:p>
             <a:fld id="{9FA4CAD8-0EA7-4615-B69B-B2F199EF3A93}" type="datetime1">
               <a:rPr lang="en-US" smtClean="0"/>
-              <a:t>12/21/2019</a:t>
+              <a:t>12/30/2019</a:t>
             </a:fld>
             <a:endParaRPr lang="en-US" dirty="0"/>
           </a:p>
@@ -10643,7 +10725,7 @@
           <a:p>
             <a:fld id="{B9234BD7-6953-492C-921B-E68B2D7F14C8}" type="datetime1">
               <a:rPr lang="en-US" smtClean="0"/>
-              <a:t>12/21/2019</a:t>
+              <a:t>12/30/2019</a:t>
             </a:fld>
             <a:endParaRPr lang="en-US" dirty="0"/>
           </a:p>
@@ -11019,7 +11101,7 @@
             <a:fld id="{C20F09E4-6EA4-4BF3-9FC8-FF40373B88E6}" type="datetime1">
               <a:rPr lang="en-US" smtClean="0"/>
               <a:pPr/>
-              <a:t>12/21/2019</a:t>
+              <a:t>12/30/2019</a:t>
             </a:fld>
             <a:endParaRPr lang="en-US" dirty="0"/>
           </a:p>
@@ -11406,7 +11488,7 @@
           <a:p>
             <a:fld id="{541F67C5-D04E-4576-B61C-12ABA14BBD6C}" type="datetime1">
               <a:rPr lang="en-US" smtClean="0"/>
-              <a:t>12/21/2019</a:t>
+              <a:t>12/30/2019</a:t>
             </a:fld>
             <a:endParaRPr lang="en-US" dirty="0"/>
           </a:p>
@@ -11710,7 +11792,7 @@
             <a:fld id="{C20F09E4-6EA4-4BF3-9FC8-FF40373B88E6}" type="datetime1">
               <a:rPr lang="en-US" smtClean="0"/>
               <a:pPr/>
-              <a:t>12/21/2019</a:t>
+              <a:t>12/30/2019</a:t>
             </a:fld>
             <a:endParaRPr lang="en-US" dirty="0"/>
           </a:p>
@@ -12382,46 +12464,632 @@
             <p:ph type="title"/>
           </p:nvPr>
         </p:nvSpPr>
-        <p:spPr/>
+        <p:spPr>
+          <a:xfrm>
+            <a:off x="1097280" y="263527"/>
+            <a:ext cx="10058400" cy="1450757"/>
+          </a:xfrm>
+        </p:spPr>
         <p:txBody>
           <a:bodyPr/>
           <a:lstStyle/>
           <a:p>
             <a:r>
               <a:rPr lang="en-US" dirty="0"/>
-              <a:t>Lesson 2: Wrap-up</a:t>
+              <a:t>Social &amp; Economic Factors</a:t>
             </a:r>
           </a:p>
         </p:txBody>
       </p:sp>
-      <p:sp>
-        <p:nvSpPr>
-          <p:cNvPr id="3" name="Text Placeholder 2"/>
-          <p:cNvSpPr>
-            <a:spLocks noGrp="1"/>
-          </p:cNvSpPr>
+      <p:graphicFrame>
+        <p:nvGraphicFramePr>
+          <p:cNvPr id="8" name="Content Placeholder 7">
+            <a:extLst>
+              <a:ext uri="{FF2B5EF4-FFF2-40B4-BE49-F238E27FC236}">
+                <a16:creationId xmlns:a16="http://schemas.microsoft.com/office/drawing/2014/main" id="{E0DDCE76-3A05-4817-9AB7-7FBB04D4D652}"/>
+              </a:ext>
+            </a:extLst>
+          </p:cNvPr>
+          <p:cNvGraphicFramePr>
+            <a:graphicFrameLocks noGrp="1"/>
+          </p:cNvGraphicFramePr>
           <p:nvPr>
             <p:ph idx="1"/>
+            <p:extLst>
+              <p:ext uri="{D42A27DB-BD31-4B8C-83A1-F6EECF244321}">
+                <p14:modId xmlns:p14="http://schemas.microsoft.com/office/powerpoint/2010/main" val="2229044614"/>
+              </p:ext>
+            </p:extLst>
           </p:nvPr>
-        </p:nvSpPr>
-        <p:spPr/>
-        <p:txBody>
-          <a:bodyPr/>
-          <a:lstStyle/>
-          <a:p>
-            <a:r>
-              <a:rPr lang="en-US" dirty="0"/>
-              <a:t>Summarize important points.</a:t>
-            </a:r>
-          </a:p>
-          <a:p>
-            <a:r>
-              <a:rPr lang="en-US" dirty="0"/>
-              <a:t>Allow time for questions.</a:t>
-            </a:r>
-          </a:p>
-        </p:txBody>
-      </p:sp>
+        </p:nvGraphicFramePr>
+        <p:xfrm>
+          <a:off x="1222130" y="1425677"/>
+          <a:ext cx="9933549" cy="4210192"/>
+        </p:xfrm>
+        <a:graphic>
+          <a:graphicData uri="http://schemas.openxmlformats.org/drawingml/2006/table">
+            <a:tbl>
+              <a:tblPr>
+                <a:tableStyleId>{3B4B98B0-60AC-42C2-AFA5-B58CD77FA1E5}</a:tableStyleId>
+              </a:tblPr>
+              <a:tblGrid>
+                <a:gridCol w="3852855">
+                  <a:extLst>
+                    <a:ext uri="{9D8B030D-6E8A-4147-A177-3AD203B41FA5}">
+                      <a16:colId xmlns:a16="http://schemas.microsoft.com/office/drawing/2014/main" val="30246200"/>
+                    </a:ext>
+                  </a:extLst>
+                </a:gridCol>
+                <a:gridCol w="2987927">
+                  <a:extLst>
+                    <a:ext uri="{9D8B030D-6E8A-4147-A177-3AD203B41FA5}">
+                      <a16:colId xmlns:a16="http://schemas.microsoft.com/office/drawing/2014/main" val="971549057"/>
+                    </a:ext>
+                  </a:extLst>
+                </a:gridCol>
+                <a:gridCol w="3092767">
+                  <a:extLst>
+                    <a:ext uri="{9D8B030D-6E8A-4147-A177-3AD203B41FA5}">
+                      <a16:colId xmlns:a16="http://schemas.microsoft.com/office/drawing/2014/main" val="4084974834"/>
+                    </a:ext>
+                  </a:extLst>
+                </a:gridCol>
+              </a:tblGrid>
+              <a:tr h="1052548">
+                <a:tc>
+                  <a:txBody>
+                    <a:bodyPr/>
+                    <a:lstStyle/>
+                    <a:p>
+                      <a:pPr algn="ctr" fontAlgn="b"/>
+                      <a:endParaRPr lang="en-US" sz="2800" b="0" i="0" u="none" strike="noStrike" dirty="0">
+                        <a:solidFill>
+                          <a:srgbClr val="000000"/>
+                        </a:solidFill>
+                        <a:effectLst/>
+                        <a:latin typeface="Arial" panose="020B0604020202020204" pitchFamily="34" charset="0"/>
+                      </a:endParaRPr>
+                    </a:p>
+                  </a:txBody>
+                  <a:tcPr marL="7620" marR="7620" marT="7620" marB="0" anchor="b">
+                    <a:lnL>
+                      <a:noFill/>
+                    </a:lnL>
+                    <a:lnR>
+                      <a:noFill/>
+                    </a:lnR>
+                    <a:lnT w="12700" cmpd="sng">
+                      <a:noFill/>
+                    </a:lnT>
+                    <a:lnB>
+                      <a:noFill/>
+                    </a:lnB>
+                    <a:lnTlToBr w="12700" cmpd="sng">
+                      <a:noFill/>
+                      <a:prstDash val="solid"/>
+                    </a:lnTlToBr>
+                    <a:lnBlToTr w="12700" cmpd="sng">
+                      <a:noFill/>
+                      <a:prstDash val="solid"/>
+                    </a:lnBlToTr>
+                    <a:noFill/>
+                  </a:tcPr>
+                </a:tc>
+                <a:tc>
+                  <a:txBody>
+                    <a:bodyPr/>
+                    <a:lstStyle/>
+                    <a:p>
+                      <a:pPr algn="ctr" fontAlgn="b"/>
+                      <a:r>
+                        <a:rPr lang="en-US" sz="2800" u="none" strike="noStrike" dirty="0">
+                          <a:effectLst/>
+                        </a:rPr>
+                        <a:t>Hancock County</a:t>
+                      </a:r>
+                      <a:endParaRPr lang="en-US" sz="2800" b="0" i="0" u="none" strike="noStrike" dirty="0">
+                        <a:solidFill>
+                          <a:srgbClr val="000000"/>
+                        </a:solidFill>
+                        <a:effectLst/>
+                        <a:latin typeface="Arial" panose="020B0604020202020204" pitchFamily="34" charset="0"/>
+                      </a:endParaRPr>
+                    </a:p>
+                  </a:txBody>
+                  <a:tcPr marL="7620" marR="7620" marT="7620" marB="0" anchor="b">
+                    <a:lnL>
+                      <a:noFill/>
+                    </a:lnL>
+                    <a:lnR>
+                      <a:noFill/>
+                    </a:lnR>
+                    <a:lnT w="12700" cmpd="sng">
+                      <a:noFill/>
+                    </a:lnT>
+                    <a:lnB>
+                      <a:noFill/>
+                    </a:lnB>
+                    <a:lnTlToBr w="12700" cmpd="sng">
+                      <a:noFill/>
+                      <a:prstDash val="solid"/>
+                    </a:lnTlToBr>
+                    <a:lnBlToTr w="12700" cmpd="sng">
+                      <a:noFill/>
+                      <a:prstDash val="solid"/>
+                    </a:lnBlToTr>
+                  </a:tcPr>
+                </a:tc>
+                <a:tc>
+                  <a:txBody>
+                    <a:bodyPr/>
+                    <a:lstStyle/>
+                    <a:p>
+                      <a:pPr algn="ctr" fontAlgn="b"/>
+                      <a:r>
+                        <a:rPr lang="en-US" sz="2800" u="none" strike="noStrike">
+                          <a:effectLst/>
+                        </a:rPr>
+                        <a:t>Tennessee</a:t>
+                      </a:r>
+                      <a:endParaRPr lang="en-US" sz="2800" b="0" i="0" u="none" strike="noStrike">
+                        <a:solidFill>
+                          <a:srgbClr val="000000"/>
+                        </a:solidFill>
+                        <a:effectLst/>
+                        <a:latin typeface="Arial" panose="020B0604020202020204" pitchFamily="34" charset="0"/>
+                      </a:endParaRPr>
+                    </a:p>
+                  </a:txBody>
+                  <a:tcPr marL="7620" marR="7620" marT="7620" marB="0" anchor="b">
+                    <a:lnL>
+                      <a:noFill/>
+                    </a:lnL>
+                    <a:lnR>
+                      <a:noFill/>
+                    </a:lnR>
+                    <a:lnT w="12700" cmpd="sng">
+                      <a:noFill/>
+                    </a:lnT>
+                    <a:lnB>
+                      <a:noFill/>
+                    </a:lnB>
+                    <a:lnTlToBr w="12700" cmpd="sng">
+                      <a:noFill/>
+                      <a:prstDash val="solid"/>
+                    </a:lnTlToBr>
+                    <a:lnBlToTr w="12700" cmpd="sng">
+                      <a:noFill/>
+                      <a:prstDash val="solid"/>
+                    </a:lnBlToTr>
+                  </a:tcPr>
+                </a:tc>
+                <a:extLst>
+                  <a:ext uri="{0D108BD9-81ED-4DB2-BD59-A6C34878D82A}">
+                    <a16:rowId xmlns:a16="http://schemas.microsoft.com/office/drawing/2014/main" val="1926198376"/>
+                  </a:ext>
+                </a:extLst>
+              </a:tr>
+              <a:tr h="1052548">
+                <a:tc>
+                  <a:txBody>
+                    <a:bodyPr/>
+                    <a:lstStyle/>
+                    <a:p>
+                      <a:pPr algn="ctr" fontAlgn="b"/>
+                      <a:r>
+                        <a:rPr lang="en-US" sz="2800" u="none" strike="noStrike" dirty="0">
+                          <a:effectLst/>
+                        </a:rPr>
+                        <a:t>Unemployment</a:t>
+                      </a:r>
+                      <a:endParaRPr lang="en-US" sz="2800" b="0" i="0" u="none" strike="noStrike" dirty="0">
+                        <a:solidFill>
+                          <a:srgbClr val="000000"/>
+                        </a:solidFill>
+                        <a:effectLst/>
+                        <a:latin typeface="Arial" panose="020B0604020202020204" pitchFamily="34" charset="0"/>
+                      </a:endParaRPr>
+                    </a:p>
+                  </a:txBody>
+                  <a:tcPr marL="7620" marR="7620" marT="7620" marB="0" anchor="b">
+                    <a:lnL>
+                      <a:noFill/>
+                    </a:lnL>
+                    <a:lnR>
+                      <a:noFill/>
+                    </a:lnR>
+                    <a:lnT>
+                      <a:noFill/>
+                    </a:lnT>
+                    <a:lnB>
+                      <a:noFill/>
+                    </a:lnB>
+                    <a:lnTlToBr w="12700" cmpd="sng">
+                      <a:noFill/>
+                      <a:prstDash val="solid"/>
+                    </a:lnTlToBr>
+                    <a:lnBlToTr w="12700" cmpd="sng">
+                      <a:noFill/>
+                      <a:prstDash val="solid"/>
+                    </a:lnBlToTr>
+                  </a:tcPr>
+                </a:tc>
+                <a:tc>
+                  <a:txBody>
+                    <a:bodyPr/>
+                    <a:lstStyle/>
+                    <a:p>
+                      <a:pPr algn="ctr" fontAlgn="b"/>
+                      <a:r>
+                        <a:rPr lang="en-US" sz="2800" u="none" strike="noStrike" dirty="0">
+                          <a:effectLst/>
+                        </a:rPr>
+                        <a:t>5.8%</a:t>
+                      </a:r>
+                      <a:endParaRPr lang="en-US" sz="2800" b="0" i="0" u="none" strike="noStrike" dirty="0">
+                        <a:solidFill>
+                          <a:srgbClr val="000000"/>
+                        </a:solidFill>
+                        <a:effectLst/>
+                        <a:latin typeface="Arial" panose="020B0604020202020204" pitchFamily="34" charset="0"/>
+                      </a:endParaRPr>
+                    </a:p>
+                  </a:txBody>
+                  <a:tcPr marL="7620" marR="7620" marT="7620" marB="0" anchor="b">
+                    <a:lnL>
+                      <a:noFill/>
+                    </a:lnL>
+                    <a:lnR>
+                      <a:noFill/>
+                    </a:lnR>
+                    <a:lnT>
+                      <a:noFill/>
+                    </a:lnT>
+                    <a:lnB>
+                      <a:noFill/>
+                    </a:lnB>
+                    <a:lnTlToBr w="12700" cmpd="sng">
+                      <a:noFill/>
+                      <a:prstDash val="solid"/>
+                    </a:lnTlToBr>
+                    <a:lnBlToTr w="12700" cmpd="sng">
+                      <a:noFill/>
+                      <a:prstDash val="solid"/>
+                    </a:lnBlToTr>
+                  </a:tcPr>
+                </a:tc>
+                <a:tc>
+                  <a:txBody>
+                    <a:bodyPr/>
+                    <a:lstStyle/>
+                    <a:p>
+                      <a:pPr algn="ctr" fontAlgn="b"/>
+                      <a:r>
+                        <a:rPr lang="en-US" sz="2800" u="none" strike="noStrike">
+                          <a:effectLst/>
+                        </a:rPr>
+                        <a:t>3.7%</a:t>
+                      </a:r>
+                      <a:endParaRPr lang="en-US" sz="2800" b="0" i="0" u="none" strike="noStrike">
+                        <a:solidFill>
+                          <a:srgbClr val="000000"/>
+                        </a:solidFill>
+                        <a:effectLst/>
+                        <a:latin typeface="Arial" panose="020B0604020202020204" pitchFamily="34" charset="0"/>
+                      </a:endParaRPr>
+                    </a:p>
+                  </a:txBody>
+                  <a:tcPr marL="7620" marR="7620" marT="7620" marB="0" anchor="b">
+                    <a:lnL>
+                      <a:noFill/>
+                    </a:lnL>
+                    <a:lnR>
+                      <a:noFill/>
+                    </a:lnR>
+                    <a:lnT>
+                      <a:noFill/>
+                    </a:lnT>
+                    <a:lnB>
+                      <a:noFill/>
+                    </a:lnB>
+                    <a:lnTlToBr w="12700" cmpd="sng">
+                      <a:noFill/>
+                      <a:prstDash val="solid"/>
+                    </a:lnTlToBr>
+                    <a:lnBlToTr w="12700" cmpd="sng">
+                      <a:noFill/>
+                      <a:prstDash val="solid"/>
+                    </a:lnBlToTr>
+                  </a:tcPr>
+                </a:tc>
+                <a:extLst>
+                  <a:ext uri="{0D108BD9-81ED-4DB2-BD59-A6C34878D82A}">
+                    <a16:rowId xmlns:a16="http://schemas.microsoft.com/office/drawing/2014/main" val="573196320"/>
+                  </a:ext>
+                </a:extLst>
+              </a:tr>
+              <a:tr h="1052548">
+                <a:tc>
+                  <a:txBody>
+                    <a:bodyPr/>
+                    <a:lstStyle/>
+                    <a:p>
+                      <a:pPr algn="ctr" fontAlgn="b"/>
+                      <a:r>
+                        <a:rPr lang="en-US" sz="2800" u="none" strike="noStrike" dirty="0">
+                          <a:effectLst/>
+                        </a:rPr>
+                        <a:t>Children In Poverty</a:t>
+                      </a:r>
+                      <a:endParaRPr lang="en-US" sz="2800" b="0" i="0" u="none" strike="noStrike" dirty="0">
+                        <a:solidFill>
+                          <a:srgbClr val="000000"/>
+                        </a:solidFill>
+                        <a:effectLst/>
+                        <a:latin typeface="Arial" panose="020B0604020202020204" pitchFamily="34" charset="0"/>
+                      </a:endParaRPr>
+                    </a:p>
+                  </a:txBody>
+                  <a:tcPr marL="7620" marR="7620" marT="7620" marB="0" anchor="b">
+                    <a:lnL>
+                      <a:noFill/>
+                    </a:lnL>
+                    <a:lnR>
+                      <a:noFill/>
+                    </a:lnR>
+                    <a:lnT>
+                      <a:noFill/>
+                    </a:lnT>
+                    <a:lnB>
+                      <a:noFill/>
+                    </a:lnB>
+                    <a:lnTlToBr w="12700" cmpd="sng">
+                      <a:noFill/>
+                      <a:prstDash val="solid"/>
+                    </a:lnTlToBr>
+                    <a:lnBlToTr w="12700" cmpd="sng">
+                      <a:noFill/>
+                      <a:prstDash val="solid"/>
+                    </a:lnBlToTr>
+                  </a:tcPr>
+                </a:tc>
+                <a:tc>
+                  <a:txBody>
+                    <a:bodyPr/>
+                    <a:lstStyle/>
+                    <a:p>
+                      <a:pPr algn="ctr" fontAlgn="b"/>
+                      <a:r>
+                        <a:rPr lang="en-US" sz="2800" u="none" strike="noStrike" dirty="0">
+                          <a:effectLst/>
+                        </a:rPr>
+                        <a:t>42%</a:t>
+                      </a:r>
+                      <a:endParaRPr lang="en-US" sz="2800" b="0" i="0" u="none" strike="noStrike" dirty="0">
+                        <a:solidFill>
+                          <a:srgbClr val="000000"/>
+                        </a:solidFill>
+                        <a:effectLst/>
+                        <a:latin typeface="Arial" panose="020B0604020202020204" pitchFamily="34" charset="0"/>
+                      </a:endParaRPr>
+                    </a:p>
+                  </a:txBody>
+                  <a:tcPr marL="7620" marR="7620" marT="7620" marB="0" anchor="b">
+                    <a:lnL>
+                      <a:noFill/>
+                    </a:lnL>
+                    <a:lnR>
+                      <a:noFill/>
+                    </a:lnR>
+                    <a:lnT>
+                      <a:noFill/>
+                    </a:lnT>
+                    <a:lnB>
+                      <a:noFill/>
+                    </a:lnB>
+                    <a:lnTlToBr w="12700" cmpd="sng">
+                      <a:noFill/>
+                      <a:prstDash val="solid"/>
+                    </a:lnTlToBr>
+                    <a:lnBlToTr w="12700" cmpd="sng">
+                      <a:noFill/>
+                      <a:prstDash val="solid"/>
+                    </a:lnBlToTr>
+                  </a:tcPr>
+                </a:tc>
+                <a:tc>
+                  <a:txBody>
+                    <a:bodyPr/>
+                    <a:lstStyle/>
+                    <a:p>
+                      <a:pPr algn="ctr" fontAlgn="b"/>
+                      <a:r>
+                        <a:rPr lang="en-US" sz="2800" u="none" strike="noStrike" dirty="0">
+                          <a:effectLst/>
+                        </a:rPr>
+                        <a:t>21%</a:t>
+                      </a:r>
+                      <a:endParaRPr lang="en-US" sz="2800" b="0" i="0" u="none" strike="noStrike" dirty="0">
+                        <a:solidFill>
+                          <a:srgbClr val="000000"/>
+                        </a:solidFill>
+                        <a:effectLst/>
+                        <a:latin typeface="Arial" panose="020B0604020202020204" pitchFamily="34" charset="0"/>
+                      </a:endParaRPr>
+                    </a:p>
+                  </a:txBody>
+                  <a:tcPr marL="7620" marR="7620" marT="7620" marB="0" anchor="b">
+                    <a:lnL>
+                      <a:noFill/>
+                    </a:lnL>
+                    <a:lnR>
+                      <a:noFill/>
+                    </a:lnR>
+                    <a:lnT>
+                      <a:noFill/>
+                    </a:lnT>
+                    <a:lnB>
+                      <a:noFill/>
+                    </a:lnB>
+                    <a:lnTlToBr w="12700" cmpd="sng">
+                      <a:noFill/>
+                      <a:prstDash val="solid"/>
+                    </a:lnTlToBr>
+                    <a:lnBlToTr w="12700" cmpd="sng">
+                      <a:noFill/>
+                      <a:prstDash val="solid"/>
+                    </a:lnBlToTr>
+                  </a:tcPr>
+                </a:tc>
+                <a:extLst>
+                  <a:ext uri="{0D108BD9-81ED-4DB2-BD59-A6C34878D82A}">
+                    <a16:rowId xmlns:a16="http://schemas.microsoft.com/office/drawing/2014/main" val="3554608704"/>
+                  </a:ext>
+                </a:extLst>
+              </a:tr>
+              <a:tr h="1052548">
+                <a:tc>
+                  <a:txBody>
+                    <a:bodyPr/>
+                    <a:lstStyle/>
+                    <a:p>
+                      <a:pPr algn="ctr" fontAlgn="b"/>
+                      <a:r>
+                        <a:rPr lang="en-US" sz="2800" u="none" strike="noStrike" dirty="0">
+                          <a:effectLst/>
+                        </a:rPr>
+                        <a:t>Some College</a:t>
+                      </a:r>
+                      <a:endParaRPr lang="en-US" sz="2800" b="0" i="0" u="none" strike="noStrike" dirty="0">
+                        <a:solidFill>
+                          <a:srgbClr val="000000"/>
+                        </a:solidFill>
+                        <a:effectLst/>
+                        <a:latin typeface="Arial" panose="020B0604020202020204" pitchFamily="34" charset="0"/>
+                      </a:endParaRPr>
+                    </a:p>
+                  </a:txBody>
+                  <a:tcPr marL="7620" marR="7620" marT="7620" marB="0" anchor="b">
+                    <a:lnL>
+                      <a:noFill/>
+                    </a:lnL>
+                    <a:lnR>
+                      <a:noFill/>
+                    </a:lnR>
+                    <a:lnT>
+                      <a:noFill/>
+                    </a:lnT>
+                    <a:lnB w="12700" cmpd="sng">
+                      <a:noFill/>
+                    </a:lnB>
+                    <a:lnTlToBr w="12700" cmpd="sng">
+                      <a:noFill/>
+                      <a:prstDash val="solid"/>
+                    </a:lnTlToBr>
+                    <a:lnBlToTr w="12700" cmpd="sng">
+                      <a:noFill/>
+                      <a:prstDash val="solid"/>
+                    </a:lnBlToTr>
+                  </a:tcPr>
+                </a:tc>
+                <a:tc>
+                  <a:txBody>
+                    <a:bodyPr/>
+                    <a:lstStyle/>
+                    <a:p>
+                      <a:pPr algn="ctr" fontAlgn="b"/>
+                      <a:r>
+                        <a:rPr lang="en-US" sz="2800" u="none" strike="noStrike" dirty="0">
+                          <a:effectLst/>
+                        </a:rPr>
+                        <a:t>39%</a:t>
+                      </a:r>
+                      <a:endParaRPr lang="en-US" sz="2800" b="0" i="0" u="none" strike="noStrike" dirty="0">
+                        <a:solidFill>
+                          <a:srgbClr val="000000"/>
+                        </a:solidFill>
+                        <a:effectLst/>
+                        <a:latin typeface="Arial" panose="020B0604020202020204" pitchFamily="34" charset="0"/>
+                      </a:endParaRPr>
+                    </a:p>
+                  </a:txBody>
+                  <a:tcPr marL="7620" marR="7620" marT="7620" marB="0" anchor="b">
+                    <a:lnL>
+                      <a:noFill/>
+                    </a:lnL>
+                    <a:lnR>
+                      <a:noFill/>
+                    </a:lnR>
+                    <a:lnT>
+                      <a:noFill/>
+                    </a:lnT>
+                    <a:lnB w="12700" cmpd="sng">
+                      <a:noFill/>
+                    </a:lnB>
+                    <a:lnTlToBr w="12700" cmpd="sng">
+                      <a:noFill/>
+                      <a:prstDash val="solid"/>
+                    </a:lnTlToBr>
+                    <a:lnBlToTr w="12700" cmpd="sng">
+                      <a:noFill/>
+                      <a:prstDash val="solid"/>
+                    </a:lnBlToTr>
+                  </a:tcPr>
+                </a:tc>
+                <a:tc>
+                  <a:txBody>
+                    <a:bodyPr/>
+                    <a:lstStyle/>
+                    <a:p>
+                      <a:pPr algn="ctr" fontAlgn="b"/>
+                      <a:r>
+                        <a:rPr lang="en-US" sz="2800" u="none" strike="noStrike" dirty="0">
+                          <a:effectLst/>
+                        </a:rPr>
+                        <a:t>60%</a:t>
+                      </a:r>
+                      <a:endParaRPr lang="en-US" sz="2800" b="0" i="0" u="none" strike="noStrike" dirty="0">
+                        <a:solidFill>
+                          <a:srgbClr val="000000"/>
+                        </a:solidFill>
+                        <a:effectLst/>
+                        <a:latin typeface="Arial" panose="020B0604020202020204" pitchFamily="34" charset="0"/>
+                      </a:endParaRPr>
+                    </a:p>
+                  </a:txBody>
+                  <a:tcPr marL="7620" marR="7620" marT="7620" marB="0" anchor="b">
+                    <a:lnL>
+                      <a:noFill/>
+                    </a:lnL>
+                    <a:lnR>
+                      <a:noFill/>
+                    </a:lnR>
+                    <a:lnT>
+                      <a:noFill/>
+                    </a:lnT>
+                    <a:lnB w="12700" cmpd="sng">
+                      <a:noFill/>
+                    </a:lnB>
+                    <a:lnTlToBr w="12700" cmpd="sng">
+                      <a:noFill/>
+                      <a:prstDash val="solid"/>
+                    </a:lnTlToBr>
+                    <a:lnBlToTr w="12700" cmpd="sng">
+                      <a:noFill/>
+                      <a:prstDash val="solid"/>
+                    </a:lnBlToTr>
+                  </a:tcPr>
+                </a:tc>
+                <a:extLst>
+                  <a:ext uri="{0D108BD9-81ED-4DB2-BD59-A6C34878D82A}">
+                    <a16:rowId xmlns:a16="http://schemas.microsoft.com/office/drawing/2014/main" val="348055474"/>
+                  </a:ext>
+                </a:extLst>
+              </a:tr>
+            </a:tbl>
+          </a:graphicData>
+        </a:graphic>
+      </p:graphicFrame>
     </p:spTree>
     <p:extLst>
       <p:ext uri="{BB962C8B-B14F-4D97-AF65-F5344CB8AC3E}">
@@ -12474,50 +13142,636 @@
             <p:ph type="title"/>
           </p:nvPr>
         </p:nvSpPr>
-        <p:spPr/>
+        <p:spPr>
+          <a:xfrm>
+            <a:off x="1097280" y="263527"/>
+            <a:ext cx="10058400" cy="1450757"/>
+          </a:xfrm>
+        </p:spPr>
         <p:txBody>
           <a:bodyPr/>
           <a:lstStyle/>
           <a:p>
             <a:r>
               <a:rPr lang="en-US" dirty="0"/>
-              <a:t>Lesson 3: Objectives</a:t>
+              <a:t>Social &amp; Economic Factors</a:t>
             </a:r>
           </a:p>
         </p:txBody>
       </p:sp>
-      <p:sp>
-        <p:nvSpPr>
-          <p:cNvPr id="3" name="Content Placeholder 2"/>
-          <p:cNvSpPr>
-            <a:spLocks noGrp="1"/>
-          </p:cNvSpPr>
+      <p:graphicFrame>
+        <p:nvGraphicFramePr>
+          <p:cNvPr id="8" name="Content Placeholder 7">
+            <a:extLst>
+              <a:ext uri="{FF2B5EF4-FFF2-40B4-BE49-F238E27FC236}">
+                <a16:creationId xmlns:a16="http://schemas.microsoft.com/office/drawing/2014/main" id="{E0DDCE76-3A05-4817-9AB7-7FBB04D4D652}"/>
+              </a:ext>
+            </a:extLst>
+          </p:cNvPr>
+          <p:cNvGraphicFramePr>
+            <a:graphicFrameLocks noGrp="1"/>
+          </p:cNvGraphicFramePr>
           <p:nvPr>
             <p:ph idx="1"/>
+            <p:extLst>
+              <p:ext uri="{D42A27DB-BD31-4B8C-83A1-F6EECF244321}">
+                <p14:modId xmlns:p14="http://schemas.microsoft.com/office/powerpoint/2010/main" val="356696199"/>
+              </p:ext>
+            </p:extLst>
           </p:nvPr>
-        </p:nvSpPr>
-        <p:spPr/>
-        <p:txBody>
-          <a:bodyPr/>
-          <a:lstStyle/>
-          <a:p>
-            <a:r>
-              <a:rPr lang="en-US" dirty="0"/>
-              <a:t>List the intended outcomes for this training session.</a:t>
-            </a:r>
-          </a:p>
-          <a:p>
-            <a:r>
-              <a:rPr lang="en-US" dirty="0"/>
-              <a:t>Each objective should be concise, should contain a verb, and should have a measurable result.</a:t>
-            </a:r>
-          </a:p>
-        </p:txBody>
-      </p:sp>
+        </p:nvGraphicFramePr>
+        <p:xfrm>
+          <a:off x="1222130" y="1425677"/>
+          <a:ext cx="9933549" cy="4210192"/>
+        </p:xfrm>
+        <a:graphic>
+          <a:graphicData uri="http://schemas.openxmlformats.org/drawingml/2006/table">
+            <a:tbl>
+              <a:tblPr>
+                <a:tableStyleId>{3B4B98B0-60AC-42C2-AFA5-B58CD77FA1E5}</a:tableStyleId>
+              </a:tblPr>
+              <a:tblGrid>
+                <a:gridCol w="3852855">
+                  <a:extLst>
+                    <a:ext uri="{9D8B030D-6E8A-4147-A177-3AD203B41FA5}">
+                      <a16:colId xmlns:a16="http://schemas.microsoft.com/office/drawing/2014/main" val="30246200"/>
+                    </a:ext>
+                  </a:extLst>
+                </a:gridCol>
+                <a:gridCol w="2987927">
+                  <a:extLst>
+                    <a:ext uri="{9D8B030D-6E8A-4147-A177-3AD203B41FA5}">
+                      <a16:colId xmlns:a16="http://schemas.microsoft.com/office/drawing/2014/main" val="971549057"/>
+                    </a:ext>
+                  </a:extLst>
+                </a:gridCol>
+                <a:gridCol w="3092767">
+                  <a:extLst>
+                    <a:ext uri="{9D8B030D-6E8A-4147-A177-3AD203B41FA5}">
+                      <a16:colId xmlns:a16="http://schemas.microsoft.com/office/drawing/2014/main" val="4084974834"/>
+                    </a:ext>
+                  </a:extLst>
+                </a:gridCol>
+              </a:tblGrid>
+              <a:tr h="1052548">
+                <a:tc>
+                  <a:txBody>
+                    <a:bodyPr/>
+                    <a:lstStyle/>
+                    <a:p>
+                      <a:pPr algn="ctr" fontAlgn="b"/>
+                      <a:endParaRPr lang="en-US" sz="2800" b="0" i="0" u="none" strike="noStrike" dirty="0">
+                        <a:solidFill>
+                          <a:srgbClr val="000000"/>
+                        </a:solidFill>
+                        <a:effectLst/>
+                        <a:latin typeface="Arial" panose="020B0604020202020204" pitchFamily="34" charset="0"/>
+                      </a:endParaRPr>
+                    </a:p>
+                  </a:txBody>
+                  <a:tcPr marL="7620" marR="7620" marT="7620" marB="0" anchor="b">
+                    <a:lnL>
+                      <a:noFill/>
+                    </a:lnL>
+                    <a:lnR>
+                      <a:noFill/>
+                    </a:lnR>
+                    <a:lnT w="12700" cmpd="sng">
+                      <a:noFill/>
+                    </a:lnT>
+                    <a:lnB>
+                      <a:noFill/>
+                    </a:lnB>
+                    <a:lnTlToBr w="12700" cmpd="sng">
+                      <a:noFill/>
+                      <a:prstDash val="solid"/>
+                    </a:lnTlToBr>
+                    <a:lnBlToTr w="12700" cmpd="sng">
+                      <a:noFill/>
+                      <a:prstDash val="solid"/>
+                    </a:lnBlToTr>
+                    <a:noFill/>
+                  </a:tcPr>
+                </a:tc>
+                <a:tc>
+                  <a:txBody>
+                    <a:bodyPr/>
+                    <a:lstStyle/>
+                    <a:p>
+                      <a:pPr algn="ctr" fontAlgn="b"/>
+                      <a:r>
+                        <a:rPr lang="en-US" sz="2800" u="none" strike="noStrike" dirty="0">
+                          <a:effectLst/>
+                        </a:rPr>
+                        <a:t>Grundy County</a:t>
+                      </a:r>
+                      <a:endParaRPr lang="en-US" sz="2800" b="0" i="0" u="none" strike="noStrike" dirty="0">
+                        <a:solidFill>
+                          <a:srgbClr val="000000"/>
+                        </a:solidFill>
+                        <a:effectLst/>
+                        <a:latin typeface="Arial" panose="020B0604020202020204" pitchFamily="34" charset="0"/>
+                      </a:endParaRPr>
+                    </a:p>
+                  </a:txBody>
+                  <a:tcPr marL="7620" marR="7620" marT="7620" marB="0" anchor="b">
+                    <a:lnL>
+                      <a:noFill/>
+                    </a:lnL>
+                    <a:lnR>
+                      <a:noFill/>
+                    </a:lnR>
+                    <a:lnT w="12700" cmpd="sng">
+                      <a:noFill/>
+                    </a:lnT>
+                    <a:lnB>
+                      <a:noFill/>
+                    </a:lnB>
+                    <a:lnTlToBr w="12700" cmpd="sng">
+                      <a:noFill/>
+                      <a:prstDash val="solid"/>
+                    </a:lnTlToBr>
+                    <a:lnBlToTr w="12700" cmpd="sng">
+                      <a:noFill/>
+                      <a:prstDash val="solid"/>
+                    </a:lnBlToTr>
+                  </a:tcPr>
+                </a:tc>
+                <a:tc>
+                  <a:txBody>
+                    <a:bodyPr/>
+                    <a:lstStyle/>
+                    <a:p>
+                      <a:pPr algn="ctr" fontAlgn="b"/>
+                      <a:r>
+                        <a:rPr lang="en-US" sz="2800" u="none" strike="noStrike">
+                          <a:effectLst/>
+                        </a:rPr>
+                        <a:t>Tennessee</a:t>
+                      </a:r>
+                      <a:endParaRPr lang="en-US" sz="2800" b="0" i="0" u="none" strike="noStrike">
+                        <a:solidFill>
+                          <a:srgbClr val="000000"/>
+                        </a:solidFill>
+                        <a:effectLst/>
+                        <a:latin typeface="Arial" panose="020B0604020202020204" pitchFamily="34" charset="0"/>
+                      </a:endParaRPr>
+                    </a:p>
+                  </a:txBody>
+                  <a:tcPr marL="7620" marR="7620" marT="7620" marB="0" anchor="b">
+                    <a:lnL>
+                      <a:noFill/>
+                    </a:lnL>
+                    <a:lnR>
+                      <a:noFill/>
+                    </a:lnR>
+                    <a:lnT w="12700" cmpd="sng">
+                      <a:noFill/>
+                    </a:lnT>
+                    <a:lnB>
+                      <a:noFill/>
+                    </a:lnB>
+                    <a:lnTlToBr w="12700" cmpd="sng">
+                      <a:noFill/>
+                      <a:prstDash val="solid"/>
+                    </a:lnTlToBr>
+                    <a:lnBlToTr w="12700" cmpd="sng">
+                      <a:noFill/>
+                      <a:prstDash val="solid"/>
+                    </a:lnBlToTr>
+                  </a:tcPr>
+                </a:tc>
+                <a:extLst>
+                  <a:ext uri="{0D108BD9-81ED-4DB2-BD59-A6C34878D82A}">
+                    <a16:rowId xmlns:a16="http://schemas.microsoft.com/office/drawing/2014/main" val="1926198376"/>
+                  </a:ext>
+                </a:extLst>
+              </a:tr>
+              <a:tr h="1052548">
+                <a:tc>
+                  <a:txBody>
+                    <a:bodyPr/>
+                    <a:lstStyle/>
+                    <a:p>
+                      <a:pPr algn="ctr" fontAlgn="b"/>
+                      <a:r>
+                        <a:rPr lang="en-US" sz="2800" u="none" strike="noStrike" dirty="0">
+                          <a:effectLst/>
+                        </a:rPr>
+                        <a:t>Unemployment</a:t>
+                      </a:r>
+                      <a:endParaRPr lang="en-US" sz="2800" b="0" i="0" u="none" strike="noStrike" dirty="0">
+                        <a:solidFill>
+                          <a:srgbClr val="000000"/>
+                        </a:solidFill>
+                        <a:effectLst/>
+                        <a:latin typeface="Arial" panose="020B0604020202020204" pitchFamily="34" charset="0"/>
+                      </a:endParaRPr>
+                    </a:p>
+                  </a:txBody>
+                  <a:tcPr marL="7620" marR="7620" marT="7620" marB="0" anchor="b">
+                    <a:lnL>
+                      <a:noFill/>
+                    </a:lnL>
+                    <a:lnR>
+                      <a:noFill/>
+                    </a:lnR>
+                    <a:lnT>
+                      <a:noFill/>
+                    </a:lnT>
+                    <a:lnB>
+                      <a:noFill/>
+                    </a:lnB>
+                    <a:lnTlToBr w="12700" cmpd="sng">
+                      <a:noFill/>
+                      <a:prstDash val="solid"/>
+                    </a:lnTlToBr>
+                    <a:lnBlToTr w="12700" cmpd="sng">
+                      <a:noFill/>
+                      <a:prstDash val="solid"/>
+                    </a:lnBlToTr>
+                  </a:tcPr>
+                </a:tc>
+                <a:tc>
+                  <a:txBody>
+                    <a:bodyPr/>
+                    <a:lstStyle/>
+                    <a:p>
+                      <a:pPr algn="ctr" fontAlgn="b"/>
+                      <a:r>
+                        <a:rPr lang="en-US" sz="2800" u="none" strike="noStrike" dirty="0">
+                          <a:effectLst/>
+                        </a:rPr>
+                        <a:t>5.0%</a:t>
+                      </a:r>
+                      <a:endParaRPr lang="en-US" sz="2800" b="0" i="0" u="none" strike="noStrike" dirty="0">
+                        <a:solidFill>
+                          <a:srgbClr val="000000"/>
+                        </a:solidFill>
+                        <a:effectLst/>
+                        <a:latin typeface="Arial" panose="020B0604020202020204" pitchFamily="34" charset="0"/>
+                      </a:endParaRPr>
+                    </a:p>
+                  </a:txBody>
+                  <a:tcPr marL="7620" marR="7620" marT="7620" marB="0" anchor="b">
+                    <a:lnL>
+                      <a:noFill/>
+                    </a:lnL>
+                    <a:lnR>
+                      <a:noFill/>
+                    </a:lnR>
+                    <a:lnT>
+                      <a:noFill/>
+                    </a:lnT>
+                    <a:lnB>
+                      <a:noFill/>
+                    </a:lnB>
+                    <a:lnTlToBr w="12700" cmpd="sng">
+                      <a:noFill/>
+                      <a:prstDash val="solid"/>
+                    </a:lnTlToBr>
+                    <a:lnBlToTr w="12700" cmpd="sng">
+                      <a:noFill/>
+                      <a:prstDash val="solid"/>
+                    </a:lnBlToTr>
+                  </a:tcPr>
+                </a:tc>
+                <a:tc>
+                  <a:txBody>
+                    <a:bodyPr/>
+                    <a:lstStyle/>
+                    <a:p>
+                      <a:pPr algn="ctr" fontAlgn="b"/>
+                      <a:r>
+                        <a:rPr lang="en-US" sz="2800" u="none" strike="noStrike">
+                          <a:effectLst/>
+                        </a:rPr>
+                        <a:t>3.7%</a:t>
+                      </a:r>
+                      <a:endParaRPr lang="en-US" sz="2800" b="0" i="0" u="none" strike="noStrike">
+                        <a:solidFill>
+                          <a:srgbClr val="000000"/>
+                        </a:solidFill>
+                        <a:effectLst/>
+                        <a:latin typeface="Arial" panose="020B0604020202020204" pitchFamily="34" charset="0"/>
+                      </a:endParaRPr>
+                    </a:p>
+                  </a:txBody>
+                  <a:tcPr marL="7620" marR="7620" marT="7620" marB="0" anchor="b">
+                    <a:lnL>
+                      <a:noFill/>
+                    </a:lnL>
+                    <a:lnR>
+                      <a:noFill/>
+                    </a:lnR>
+                    <a:lnT>
+                      <a:noFill/>
+                    </a:lnT>
+                    <a:lnB>
+                      <a:noFill/>
+                    </a:lnB>
+                    <a:lnTlToBr w="12700" cmpd="sng">
+                      <a:noFill/>
+                      <a:prstDash val="solid"/>
+                    </a:lnTlToBr>
+                    <a:lnBlToTr w="12700" cmpd="sng">
+                      <a:noFill/>
+                      <a:prstDash val="solid"/>
+                    </a:lnBlToTr>
+                  </a:tcPr>
+                </a:tc>
+                <a:extLst>
+                  <a:ext uri="{0D108BD9-81ED-4DB2-BD59-A6C34878D82A}">
+                    <a16:rowId xmlns:a16="http://schemas.microsoft.com/office/drawing/2014/main" val="573196320"/>
+                  </a:ext>
+                </a:extLst>
+              </a:tr>
+              <a:tr h="1052548">
+                <a:tc>
+                  <a:txBody>
+                    <a:bodyPr/>
+                    <a:lstStyle/>
+                    <a:p>
+                      <a:pPr algn="ctr" fontAlgn="b"/>
+                      <a:r>
+                        <a:rPr lang="en-US" sz="2800" u="none" strike="noStrike" dirty="0">
+                          <a:effectLst/>
+                        </a:rPr>
+                        <a:t>Children In Poverty</a:t>
+                      </a:r>
+                      <a:endParaRPr lang="en-US" sz="2800" b="0" i="0" u="none" strike="noStrike" dirty="0">
+                        <a:solidFill>
+                          <a:srgbClr val="000000"/>
+                        </a:solidFill>
+                        <a:effectLst/>
+                        <a:latin typeface="Arial" panose="020B0604020202020204" pitchFamily="34" charset="0"/>
+                      </a:endParaRPr>
+                    </a:p>
+                  </a:txBody>
+                  <a:tcPr marL="7620" marR="7620" marT="7620" marB="0" anchor="b">
+                    <a:lnL>
+                      <a:noFill/>
+                    </a:lnL>
+                    <a:lnR>
+                      <a:noFill/>
+                    </a:lnR>
+                    <a:lnT>
+                      <a:noFill/>
+                    </a:lnT>
+                    <a:lnB>
+                      <a:noFill/>
+                    </a:lnB>
+                    <a:lnTlToBr w="12700" cmpd="sng">
+                      <a:noFill/>
+                      <a:prstDash val="solid"/>
+                    </a:lnTlToBr>
+                    <a:lnBlToTr w="12700" cmpd="sng">
+                      <a:noFill/>
+                      <a:prstDash val="solid"/>
+                    </a:lnBlToTr>
+                  </a:tcPr>
+                </a:tc>
+                <a:tc>
+                  <a:txBody>
+                    <a:bodyPr/>
+                    <a:lstStyle/>
+                    <a:p>
+                      <a:pPr algn="ctr" fontAlgn="b"/>
+                      <a:r>
+                        <a:rPr lang="en-US" sz="2800" u="none" strike="noStrike" dirty="0">
+                          <a:effectLst/>
+                        </a:rPr>
+                        <a:t>31%</a:t>
+                      </a:r>
+                      <a:endParaRPr lang="en-US" sz="2800" b="0" i="0" u="none" strike="noStrike" dirty="0">
+                        <a:solidFill>
+                          <a:srgbClr val="000000"/>
+                        </a:solidFill>
+                        <a:effectLst/>
+                        <a:latin typeface="Arial" panose="020B0604020202020204" pitchFamily="34" charset="0"/>
+                      </a:endParaRPr>
+                    </a:p>
+                  </a:txBody>
+                  <a:tcPr marL="7620" marR="7620" marT="7620" marB="0" anchor="b">
+                    <a:lnL>
+                      <a:noFill/>
+                    </a:lnL>
+                    <a:lnR>
+                      <a:noFill/>
+                    </a:lnR>
+                    <a:lnT>
+                      <a:noFill/>
+                    </a:lnT>
+                    <a:lnB>
+                      <a:noFill/>
+                    </a:lnB>
+                    <a:lnTlToBr w="12700" cmpd="sng">
+                      <a:noFill/>
+                      <a:prstDash val="solid"/>
+                    </a:lnTlToBr>
+                    <a:lnBlToTr w="12700" cmpd="sng">
+                      <a:noFill/>
+                      <a:prstDash val="solid"/>
+                    </a:lnBlToTr>
+                  </a:tcPr>
+                </a:tc>
+                <a:tc>
+                  <a:txBody>
+                    <a:bodyPr/>
+                    <a:lstStyle/>
+                    <a:p>
+                      <a:pPr algn="ctr" fontAlgn="b"/>
+                      <a:r>
+                        <a:rPr lang="en-US" sz="2800" u="none" strike="noStrike" dirty="0">
+                          <a:effectLst/>
+                        </a:rPr>
+                        <a:t>21%</a:t>
+                      </a:r>
+                      <a:endParaRPr lang="en-US" sz="2800" b="0" i="0" u="none" strike="noStrike" dirty="0">
+                        <a:solidFill>
+                          <a:srgbClr val="000000"/>
+                        </a:solidFill>
+                        <a:effectLst/>
+                        <a:latin typeface="Arial" panose="020B0604020202020204" pitchFamily="34" charset="0"/>
+                      </a:endParaRPr>
+                    </a:p>
+                  </a:txBody>
+                  <a:tcPr marL="7620" marR="7620" marT="7620" marB="0" anchor="b">
+                    <a:lnL>
+                      <a:noFill/>
+                    </a:lnL>
+                    <a:lnR>
+                      <a:noFill/>
+                    </a:lnR>
+                    <a:lnT>
+                      <a:noFill/>
+                    </a:lnT>
+                    <a:lnB>
+                      <a:noFill/>
+                    </a:lnB>
+                    <a:lnTlToBr w="12700" cmpd="sng">
+                      <a:noFill/>
+                      <a:prstDash val="solid"/>
+                    </a:lnTlToBr>
+                    <a:lnBlToTr w="12700" cmpd="sng">
+                      <a:noFill/>
+                      <a:prstDash val="solid"/>
+                    </a:lnBlToTr>
+                  </a:tcPr>
+                </a:tc>
+                <a:extLst>
+                  <a:ext uri="{0D108BD9-81ED-4DB2-BD59-A6C34878D82A}">
+                    <a16:rowId xmlns:a16="http://schemas.microsoft.com/office/drawing/2014/main" val="3554608704"/>
+                  </a:ext>
+                </a:extLst>
+              </a:tr>
+              <a:tr h="1052548">
+                <a:tc>
+                  <a:txBody>
+                    <a:bodyPr/>
+                    <a:lstStyle/>
+                    <a:p>
+                      <a:pPr algn="ctr" fontAlgn="b"/>
+                      <a:r>
+                        <a:rPr lang="en-US" sz="2800" u="none" strike="noStrike" dirty="0">
+                          <a:effectLst/>
+                        </a:rPr>
+                        <a:t>Some College</a:t>
+                      </a:r>
+                      <a:endParaRPr lang="en-US" sz="2800" b="0" i="0" u="none" strike="noStrike" dirty="0">
+                        <a:solidFill>
+                          <a:srgbClr val="000000"/>
+                        </a:solidFill>
+                        <a:effectLst/>
+                        <a:latin typeface="Arial" panose="020B0604020202020204" pitchFamily="34" charset="0"/>
+                      </a:endParaRPr>
+                    </a:p>
+                  </a:txBody>
+                  <a:tcPr marL="7620" marR="7620" marT="7620" marB="0" anchor="b">
+                    <a:lnL>
+                      <a:noFill/>
+                    </a:lnL>
+                    <a:lnR>
+                      <a:noFill/>
+                    </a:lnR>
+                    <a:lnT>
+                      <a:noFill/>
+                    </a:lnT>
+                    <a:lnB w="12700" cmpd="sng">
+                      <a:noFill/>
+                    </a:lnB>
+                    <a:lnTlToBr w="12700" cmpd="sng">
+                      <a:noFill/>
+                      <a:prstDash val="solid"/>
+                    </a:lnTlToBr>
+                    <a:lnBlToTr w="12700" cmpd="sng">
+                      <a:noFill/>
+                      <a:prstDash val="solid"/>
+                    </a:lnBlToTr>
+                  </a:tcPr>
+                </a:tc>
+                <a:tc>
+                  <a:txBody>
+                    <a:bodyPr/>
+                    <a:lstStyle/>
+                    <a:p>
+                      <a:pPr algn="ctr" fontAlgn="b"/>
+                      <a:r>
+                        <a:rPr lang="en-US" sz="2800" u="none" strike="noStrike" dirty="0">
+                          <a:effectLst/>
+                        </a:rPr>
+                        <a:t>37%</a:t>
+                      </a:r>
+                      <a:endParaRPr lang="en-US" sz="2800" b="0" i="0" u="none" strike="noStrike" dirty="0">
+                        <a:solidFill>
+                          <a:srgbClr val="000000"/>
+                        </a:solidFill>
+                        <a:effectLst/>
+                        <a:latin typeface="Arial" panose="020B0604020202020204" pitchFamily="34" charset="0"/>
+                      </a:endParaRPr>
+                    </a:p>
+                  </a:txBody>
+                  <a:tcPr marL="7620" marR="7620" marT="7620" marB="0" anchor="b">
+                    <a:lnL>
+                      <a:noFill/>
+                    </a:lnL>
+                    <a:lnR>
+                      <a:noFill/>
+                    </a:lnR>
+                    <a:lnT>
+                      <a:noFill/>
+                    </a:lnT>
+                    <a:lnB w="12700" cmpd="sng">
+                      <a:noFill/>
+                    </a:lnB>
+                    <a:lnTlToBr w="12700" cmpd="sng">
+                      <a:noFill/>
+                      <a:prstDash val="solid"/>
+                    </a:lnTlToBr>
+                    <a:lnBlToTr w="12700" cmpd="sng">
+                      <a:noFill/>
+                      <a:prstDash val="solid"/>
+                    </a:lnBlToTr>
+                  </a:tcPr>
+                </a:tc>
+                <a:tc>
+                  <a:txBody>
+                    <a:bodyPr/>
+                    <a:lstStyle/>
+                    <a:p>
+                      <a:pPr algn="ctr" fontAlgn="b"/>
+                      <a:r>
+                        <a:rPr lang="en-US" sz="2800" u="none" strike="noStrike" dirty="0">
+                          <a:effectLst/>
+                        </a:rPr>
+                        <a:t>60%</a:t>
+                      </a:r>
+                      <a:endParaRPr lang="en-US" sz="2800" b="0" i="0" u="none" strike="noStrike" dirty="0">
+                        <a:solidFill>
+                          <a:srgbClr val="000000"/>
+                        </a:solidFill>
+                        <a:effectLst/>
+                        <a:latin typeface="Arial" panose="020B0604020202020204" pitchFamily="34" charset="0"/>
+                      </a:endParaRPr>
+                    </a:p>
+                  </a:txBody>
+                  <a:tcPr marL="7620" marR="7620" marT="7620" marB="0" anchor="b">
+                    <a:lnL>
+                      <a:noFill/>
+                    </a:lnL>
+                    <a:lnR>
+                      <a:noFill/>
+                    </a:lnR>
+                    <a:lnT>
+                      <a:noFill/>
+                    </a:lnT>
+                    <a:lnB w="12700" cmpd="sng">
+                      <a:noFill/>
+                    </a:lnB>
+                    <a:lnTlToBr w="12700" cmpd="sng">
+                      <a:noFill/>
+                      <a:prstDash val="solid"/>
+                    </a:lnTlToBr>
+                    <a:lnBlToTr w="12700" cmpd="sng">
+                      <a:noFill/>
+                      <a:prstDash val="solid"/>
+                    </a:lnBlToTr>
+                  </a:tcPr>
+                </a:tc>
+                <a:extLst>
+                  <a:ext uri="{0D108BD9-81ED-4DB2-BD59-A6C34878D82A}">
+                    <a16:rowId xmlns:a16="http://schemas.microsoft.com/office/drawing/2014/main" val="348055474"/>
+                  </a:ext>
+                </a:extLst>
+              </a:tr>
+            </a:tbl>
+          </a:graphicData>
+        </a:graphic>
+      </p:graphicFrame>
     </p:spTree>
     <p:extLst>
       <p:ext uri="{BB962C8B-B14F-4D97-AF65-F5344CB8AC3E}">
-        <p14:creationId xmlns:p14="http://schemas.microsoft.com/office/powerpoint/2010/main" val="4155348868"/>
+        <p14:creationId xmlns:p14="http://schemas.microsoft.com/office/powerpoint/2010/main" val="2309666588"/>
       </p:ext>
     </p:extLst>
   </p:cSld>
@@ -12573,216 +13827,7 @@
           <a:p>
             <a:r>
               <a:rPr lang="en-US" dirty="0"/>
-              <a:t>Lesson 3: Content</a:t>
-            </a:r>
-          </a:p>
-        </p:txBody>
-      </p:sp>
-      <p:sp>
-        <p:nvSpPr>
-          <p:cNvPr id="4" name="Text Placeholder 3"/>
-          <p:cNvSpPr>
-            <a:spLocks noGrp="1"/>
-          </p:cNvSpPr>
-          <p:nvPr>
-            <p:ph sz="half" idx="1"/>
-          </p:nvPr>
-        </p:nvSpPr>
-        <p:spPr/>
-        <p:txBody>
-          <a:bodyPr/>
-          <a:lstStyle/>
-          <a:p>
-            <a:r>
-              <a:rPr lang="en-US" dirty="0"/>
-              <a:t>Add text here. </a:t>
-            </a:r>
-          </a:p>
-          <a:p>
-            <a:r>
-              <a:rPr lang="en-US" dirty="0"/>
-              <a:t>To add a picture, chart, or other content in the right column, click the appropriate icon.</a:t>
-            </a:r>
-          </a:p>
-          <a:p>
-            <a:r>
-              <a:rPr lang="en-US" dirty="0"/>
-              <a:t>To add a slide, click New Slide on the Insert menu, or press CTRL+M.</a:t>
-            </a:r>
-          </a:p>
-        </p:txBody>
-      </p:sp>
-      <p:sp>
-        <p:nvSpPr>
-          <p:cNvPr id="5" name="Content Placeholder 4"/>
-          <p:cNvSpPr>
-            <a:spLocks noGrp="1"/>
-          </p:cNvSpPr>
-          <p:nvPr>
-            <p:ph sz="half" idx="2"/>
-          </p:nvPr>
-        </p:nvSpPr>
-        <p:spPr/>
-        <p:txBody>
-          <a:bodyPr/>
-          <a:lstStyle/>
-          <a:p>
-            <a:endParaRPr lang="en-US"/>
-          </a:p>
-        </p:txBody>
-      </p:sp>
-    </p:spTree>
-    <p:extLst>
-      <p:ext uri="{BB962C8B-B14F-4D97-AF65-F5344CB8AC3E}">
-        <p14:creationId xmlns:p14="http://schemas.microsoft.com/office/powerpoint/2010/main" val="3389132344"/>
-      </p:ext>
-    </p:extLst>
-  </p:cSld>
-  <p:clrMapOvr>
-    <a:masterClrMapping/>
-  </p:clrMapOvr>
-  <mc:AlternateContent xmlns:mc="http://schemas.openxmlformats.org/markup-compatibility/2006" xmlns:p14="http://schemas.microsoft.com/office/powerpoint/2010/main">
-    <mc:Choice Requires="p14">
-      <p:transition spd="med" p14:dur="700">
-        <p:fade/>
-      </p:transition>
-    </mc:Choice>
-    <mc:Fallback xmlns="">
-      <p:transition spd="med">
-        <p:fade/>
-      </p:transition>
-    </mc:Fallback>
-  </mc:AlternateContent>
-</p:sld>
-</file>
-
-<file path=ppt/slides/slide13.xml><?xml version="1.0" encoding="utf-8"?>
-<p:sld xmlns:a="http://schemas.openxmlformats.org/drawingml/2006/main" xmlns:r="http://schemas.openxmlformats.org/officeDocument/2006/relationships" xmlns:p="http://schemas.openxmlformats.org/presentationml/2006/main">
-  <p:cSld>
-    <p:spTree>
-      <p:nvGrpSpPr>
-        <p:cNvPr id="1" name=""/>
-        <p:cNvGrpSpPr/>
-        <p:nvPr/>
-      </p:nvGrpSpPr>
-      <p:grpSpPr>
-        <a:xfrm>
-          <a:off x="0" y="0"/>
-          <a:ext cx="0" cy="0"/>
-          <a:chOff x="0" y="0"/>
-          <a:chExt cx="0" cy="0"/>
-        </a:xfrm>
-      </p:grpSpPr>
-      <p:sp>
-        <p:nvSpPr>
-          <p:cNvPr id="2" name="Title 1"/>
-          <p:cNvSpPr>
-            <a:spLocks noGrp="1"/>
-          </p:cNvSpPr>
-          <p:nvPr>
-            <p:ph type="title"/>
-          </p:nvPr>
-        </p:nvSpPr>
-        <p:spPr/>
-        <p:txBody>
-          <a:bodyPr/>
-          <a:lstStyle/>
-          <a:p>
-            <a:r>
-              <a:rPr lang="en-US" dirty="0"/>
-              <a:t>Lesson 3: Wrap-up</a:t>
-            </a:r>
-          </a:p>
-        </p:txBody>
-      </p:sp>
-      <p:sp>
-        <p:nvSpPr>
-          <p:cNvPr id="3" name="Text Placeholder 2"/>
-          <p:cNvSpPr>
-            <a:spLocks noGrp="1"/>
-          </p:cNvSpPr>
-          <p:nvPr>
-            <p:ph idx="1"/>
-          </p:nvPr>
-        </p:nvSpPr>
-        <p:spPr/>
-        <p:txBody>
-          <a:bodyPr/>
-          <a:lstStyle/>
-          <a:p>
-            <a:r>
-              <a:rPr lang="en-US" dirty="0"/>
-              <a:t>Summarize important points.</a:t>
-            </a:r>
-          </a:p>
-          <a:p>
-            <a:r>
-              <a:rPr lang="en-US" dirty="0"/>
-              <a:t>Allow time for questions.</a:t>
-            </a:r>
-          </a:p>
-        </p:txBody>
-      </p:sp>
-    </p:spTree>
-    <p:extLst>
-      <p:ext uri="{BB962C8B-B14F-4D97-AF65-F5344CB8AC3E}">
-        <p14:creationId xmlns:p14="http://schemas.microsoft.com/office/powerpoint/2010/main" val="1531528155"/>
-      </p:ext>
-    </p:extLst>
-  </p:cSld>
-  <p:clrMapOvr>
-    <a:masterClrMapping/>
-  </p:clrMapOvr>
-  <mc:AlternateContent xmlns:mc="http://schemas.openxmlformats.org/markup-compatibility/2006" xmlns:p14="http://schemas.microsoft.com/office/powerpoint/2010/main">
-    <mc:Choice Requires="p14">
-      <p:transition spd="med" p14:dur="700">
-        <p:fade/>
-      </p:transition>
-    </mc:Choice>
-    <mc:Fallback xmlns="">
-      <p:transition spd="med">
-        <p:fade/>
-      </p:transition>
-    </mc:Fallback>
-  </mc:AlternateContent>
-</p:sld>
-</file>
-
-<file path=ppt/slides/slide14.xml><?xml version="1.0" encoding="utf-8"?>
-<p:sld xmlns:a="http://schemas.openxmlformats.org/drawingml/2006/main" xmlns:r="http://schemas.openxmlformats.org/officeDocument/2006/relationships" xmlns:p="http://schemas.openxmlformats.org/presentationml/2006/main">
-  <p:cSld>
-    <p:spTree>
-      <p:nvGrpSpPr>
-        <p:cNvPr id="1" name=""/>
-        <p:cNvGrpSpPr/>
-        <p:nvPr/>
-      </p:nvGrpSpPr>
-      <p:grpSpPr>
-        <a:xfrm>
-          <a:off x="0" y="0"/>
-          <a:ext cx="0" cy="0"/>
-          <a:chOff x="0" y="0"/>
-          <a:chExt cx="0" cy="0"/>
-        </a:xfrm>
-      </p:grpSpPr>
-      <p:sp>
-        <p:nvSpPr>
-          <p:cNvPr id="2" name="Title 1"/>
-          <p:cNvSpPr>
-            <a:spLocks noGrp="1"/>
-          </p:cNvSpPr>
-          <p:nvPr>
-            <p:ph type="title"/>
-          </p:nvPr>
-        </p:nvSpPr>
-        <p:spPr/>
-        <p:txBody>
-          <a:bodyPr/>
-          <a:lstStyle/>
-          <a:p>
-            <a:r>
-              <a:rPr lang="en-US" dirty="0"/>
-              <a:t>Summary of Training</a:t>
+              <a:t>Data Sources</a:t>
             </a:r>
           </a:p>
         </p:txBody>
@@ -12804,127 +13849,86 @@
           <a:p>
             <a:r>
               <a:rPr lang="en-US" dirty="0"/>
-              <a:t>List important points from each lesson.</a:t>
+              <a:t>Birth Data - </a:t>
             </a:r>
-          </a:p>
-          <a:p>
+            <a:r>
+              <a:rPr lang="en-US" u="sng" dirty="0">
+                <a:hlinkClick r:id="rId2"/>
+              </a:rPr>
+              <a:t>https://www.tn.gov/health/health-program-areas/statistics/health-data/birth-statistics.html</a:t>
+            </a:r>
             <a:r>
               <a:rPr lang="en-US" dirty="0"/>
-              <a:t>Provide resources for more information on subject.</a:t>
+              <a:t> </a:t>
             </a:r>
           </a:p>
           <a:p>
-            <a:pPr lvl="1"/>
             <a:r>
               <a:rPr lang="en-US" dirty="0"/>
-              <a:t>List resources on this slide.</a:t>
+              <a:t>Poverty Data - </a:t>
             </a:r>
-          </a:p>
-          <a:p>
-            <a:pPr lvl="1"/>
+            <a:r>
+              <a:rPr lang="en-US" u="sng" dirty="0">
+                <a:hlinkClick r:id="rId3"/>
+              </a:rPr>
+              <a:t>https://census.gov/data/datasets/2018/demo/saipe/2018-state-and-county.html</a:t>
+            </a:r>
             <a:r>
               <a:rPr lang="en-US" dirty="0"/>
-              <a:t>Provide handouts with additional resource material.</a:t>
+              <a:t> </a:t>
             </a:r>
+          </a:p>
+          <a:p>
+            <a:r>
+              <a:rPr lang="en-US" dirty="0"/>
+              <a:t>Unemployment Data - </a:t>
+            </a:r>
+            <a:r>
+              <a:rPr lang="en-US" u="sng" dirty="0">
+                <a:hlinkClick r:id="rId4"/>
+              </a:rPr>
+              <a:t>https://data.bls.gov/lausmap/showMap.jsp</a:t>
+            </a:r>
+            <a:r>
+              <a:rPr lang="en-US" dirty="0"/>
+              <a:t> </a:t>
+            </a:r>
+          </a:p>
+          <a:p>
+            <a:r>
+              <a:rPr lang="en-US" dirty="0"/>
+              <a:t>Enrollment Data - </a:t>
+            </a:r>
+            <a:r>
+              <a:rPr lang="en-US" u="sng" dirty="0">
+                <a:hlinkClick r:id="rId5"/>
+              </a:rPr>
+              <a:t>https://www.tn.gov/tenncare/information-statistics/enrollment-data.html</a:t>
+            </a:r>
+            <a:r>
+              <a:rPr lang="en-US" dirty="0"/>
+              <a:t> </a:t>
+            </a:r>
+          </a:p>
+          <a:p>
+            <a:r>
+              <a:rPr lang="en-US" dirty="0"/>
+              <a:t>Population Data - </a:t>
+            </a:r>
+            <a:r>
+              <a:rPr lang="en-US" u="sng" dirty="0">
+                <a:hlinkClick r:id="rId6"/>
+              </a:rPr>
+              <a:t>https://www.cubitplanning.com/</a:t>
+            </a:r>
+            <a:endParaRPr lang="en-US" dirty="0"/>
           </a:p>
         </p:txBody>
       </p:sp>
     </p:spTree>
     <p:extLst>
       <p:ext uri="{BB962C8B-B14F-4D97-AF65-F5344CB8AC3E}">
-        <p14:creationId xmlns:p14="http://schemas.microsoft.com/office/powerpoint/2010/main" val="3809512885"/>
-      </p:ext>
-    </p:extLst>
-  </p:cSld>
-  <p:clrMapOvr>
-    <a:masterClrMapping/>
-  </p:clrMapOvr>
-  <mc:AlternateContent xmlns:mc="http://schemas.openxmlformats.org/markup-compatibility/2006" xmlns:p14="http://schemas.microsoft.com/office/powerpoint/2010/main">
-    <mc:Choice Requires="p14">
-      <p:transition spd="med" p14:dur="700">
-        <p:fade/>
-      </p:transition>
-    </mc:Choice>
-    <mc:Fallback xmlns="">
-      <p:transition spd="med">
-        <p:fade/>
-      </p:transition>
-    </mc:Fallback>
-  </mc:AlternateContent>
-</p:sld>
-</file>
-
-<file path=ppt/slides/slide15.xml><?xml version="1.0" encoding="utf-8"?>
-<p:sld xmlns:a="http://schemas.openxmlformats.org/drawingml/2006/main" xmlns:r="http://schemas.openxmlformats.org/officeDocument/2006/relationships" xmlns:p="http://schemas.openxmlformats.org/presentationml/2006/main">
-  <p:cSld>
-    <p:spTree>
-      <p:nvGrpSpPr>
-        <p:cNvPr id="1" name=""/>
-        <p:cNvGrpSpPr/>
-        <p:nvPr/>
-      </p:nvGrpSpPr>
-      <p:grpSpPr>
-        <a:xfrm>
-          <a:off x="0" y="0"/>
-          <a:ext cx="0" cy="0"/>
-          <a:chOff x="0" y="0"/>
-          <a:chExt cx="0" cy="0"/>
-        </a:xfrm>
-      </p:grpSpPr>
-      <p:sp>
-        <p:nvSpPr>
-          <p:cNvPr id="2" name="Title 1"/>
-          <p:cNvSpPr>
-            <a:spLocks noGrp="1"/>
-          </p:cNvSpPr>
-          <p:nvPr>
-            <p:ph type="title"/>
-          </p:nvPr>
-        </p:nvSpPr>
-        <p:spPr/>
-        <p:txBody>
-          <a:bodyPr/>
-          <a:lstStyle/>
-          <a:p>
-            <a:r>
-              <a:rPr lang="en-US" dirty="0"/>
-              <a:t>Assessment and Evaluation</a:t>
-            </a:r>
-          </a:p>
-        </p:txBody>
-      </p:sp>
-      <p:sp>
-        <p:nvSpPr>
-          <p:cNvPr id="3" name="Content Placeholder 2"/>
-          <p:cNvSpPr>
-            <a:spLocks noGrp="1"/>
-          </p:cNvSpPr>
-          <p:nvPr>
-            <p:ph idx="1"/>
-          </p:nvPr>
-        </p:nvSpPr>
-        <p:spPr/>
-        <p:txBody>
-          <a:bodyPr/>
-          <a:lstStyle/>
-          <a:p>
-            <a:r>
-              <a:rPr lang="en-US" dirty="0"/>
-              <a:t>Prepare a quiz or challenge to assess how much information participants learned.</a:t>
-            </a:r>
-          </a:p>
-          <a:p>
-            <a:r>
-              <a:rPr lang="en-US" dirty="0"/>
-              <a:t>Survey participants to see if they found the training beneficial.</a:t>
-            </a:r>
-          </a:p>
-        </p:txBody>
-      </p:sp>
-    </p:spTree>
-    <p:extLst>
-      <p:ext uri="{BB962C8B-B14F-4D97-AF65-F5344CB8AC3E}">
-        <p14:creationId xmlns:p14="http://schemas.microsoft.com/office/powerpoint/2010/main" val="687654895"/>
+        <p14:creationId xmlns:p14="http://schemas.microsoft.com/office/powerpoint/2010/main" val="4155348868"/>
       </p:ext>
     </p:extLst>
   </p:cSld>

--- a/Impacts to TennCare.pptx
+++ b/Impacts to TennCare.pptx
@@ -5,24 +5,28 @@
     <p:sldMasterId id="2147483906" r:id="rId1"/>
   </p:sldMasterIdLst>
   <p:notesMasterIdLst>
-    <p:notesMasterId r:id="rId14"/>
+    <p:notesMasterId r:id="rId18"/>
   </p:notesMasterIdLst>
   <p:handoutMasterIdLst>
-    <p:handoutMasterId r:id="rId15"/>
+    <p:handoutMasterId r:id="rId19"/>
   </p:handoutMasterIdLst>
   <p:sldIdLst>
     <p:sldId id="257" r:id="rId2"/>
     <p:sldId id="259" r:id="rId3"/>
     <p:sldId id="258" r:id="rId4"/>
-    <p:sldId id="260" r:id="rId5"/>
-    <p:sldId id="261" r:id="rId6"/>
-    <p:sldId id="262" r:id="rId7"/>
-    <p:sldId id="263" r:id="rId8"/>
-    <p:sldId id="264" r:id="rId9"/>
-    <p:sldId id="271" r:id="rId10"/>
-    <p:sldId id="265" r:id="rId11"/>
-    <p:sldId id="272" r:id="rId12"/>
-    <p:sldId id="266" r:id="rId13"/>
+    <p:sldId id="277" r:id="rId5"/>
+    <p:sldId id="276" r:id="rId6"/>
+    <p:sldId id="260" r:id="rId7"/>
+    <p:sldId id="261" r:id="rId8"/>
+    <p:sldId id="262" r:id="rId9"/>
+    <p:sldId id="263" r:id="rId10"/>
+    <p:sldId id="264" r:id="rId11"/>
+    <p:sldId id="271" r:id="rId12"/>
+    <p:sldId id="273" r:id="rId13"/>
+    <p:sldId id="265" r:id="rId14"/>
+    <p:sldId id="272" r:id="rId15"/>
+    <p:sldId id="274" r:id="rId16"/>
+    <p:sldId id="266" r:id="rId17"/>
   </p:sldIdLst>
   <p:sldSz cx="12192000" cy="6858000"/>
   <p:notesSz cx="6858000" cy="9144000"/>
@@ -3289,6 +3293,910 @@
           <c:extLst>
             <c:ext xmlns:c16="http://schemas.microsoft.com/office/drawing/2014/chart" uri="{C3380CC4-5D6E-409C-BE32-E72D297353CC}">
               <c16:uniqueId val="{0000000E-9D70-4A31-B6E9-FD85C8384E4A}"/>
+            </c:ext>
+          </c:extLst>
+        </c:ser>
+        <c:dLbls>
+          <c:dLblPos val="outEnd"/>
+          <c:showLegendKey val="0"/>
+          <c:showVal val="1"/>
+          <c:showCatName val="0"/>
+          <c:showSerName val="0"/>
+          <c:showPercent val="0"/>
+          <c:showBubbleSize val="0"/>
+        </c:dLbls>
+        <c:gapWidth val="219"/>
+        <c:overlap val="-27"/>
+        <c:axId val="1064451791"/>
+        <c:axId val="750717855"/>
+      </c:barChart>
+      <c:catAx>
+        <c:axId val="1064451791"/>
+        <c:scaling>
+          <c:orientation val="minMax"/>
+        </c:scaling>
+        <c:delete val="0"/>
+        <c:axPos val="b"/>
+        <c:numFmt formatCode="General" sourceLinked="1"/>
+        <c:majorTickMark val="none"/>
+        <c:minorTickMark val="none"/>
+        <c:tickLblPos val="nextTo"/>
+        <c:spPr>
+          <a:noFill/>
+          <a:ln w="9525" cap="flat" cmpd="sng" algn="ctr">
+            <a:solidFill>
+              <a:schemeClr val="tx1">
+                <a:lumMod val="15000"/>
+                <a:lumOff val="85000"/>
+              </a:schemeClr>
+            </a:solidFill>
+            <a:round/>
+          </a:ln>
+          <a:effectLst/>
+        </c:spPr>
+        <c:txPr>
+          <a:bodyPr rot="-60000000" spcFirstLastPara="1" vertOverflow="ellipsis" vert="horz" wrap="square" anchor="ctr" anchorCtr="1"/>
+          <a:lstStyle/>
+          <a:p>
+            <a:pPr>
+              <a:defRPr sz="900" b="1" i="0" u="none" strike="noStrike" kern="1200" baseline="0">
+                <a:solidFill>
+                  <a:schemeClr val="tx1">
+                    <a:lumMod val="65000"/>
+                    <a:lumOff val="35000"/>
+                  </a:schemeClr>
+                </a:solidFill>
+                <a:latin typeface="Arial" panose="020B0604020202020204" pitchFamily="34" charset="0"/>
+                <a:ea typeface="+mn-ea"/>
+                <a:cs typeface="Arial" panose="020B0604020202020204" pitchFamily="34" charset="0"/>
+              </a:defRPr>
+            </a:pPr>
+            <a:endParaRPr lang="en-US"/>
+          </a:p>
+        </c:txPr>
+        <c:crossAx val="750717855"/>
+        <c:crosses val="autoZero"/>
+        <c:auto val="1"/>
+        <c:lblAlgn val="ctr"/>
+        <c:lblOffset val="100"/>
+        <c:noMultiLvlLbl val="0"/>
+      </c:catAx>
+      <c:valAx>
+        <c:axId val="750717855"/>
+        <c:scaling>
+          <c:orientation val="minMax"/>
+        </c:scaling>
+        <c:delete val="0"/>
+        <c:axPos val="l"/>
+        <c:numFmt formatCode="0.0" sourceLinked="0"/>
+        <c:majorTickMark val="none"/>
+        <c:minorTickMark val="none"/>
+        <c:tickLblPos val="nextTo"/>
+        <c:spPr>
+          <a:noFill/>
+          <a:ln>
+            <a:noFill/>
+          </a:ln>
+          <a:effectLst/>
+        </c:spPr>
+        <c:txPr>
+          <a:bodyPr rot="-60000000" spcFirstLastPara="1" vertOverflow="ellipsis" vert="horz" wrap="square" anchor="ctr" anchorCtr="1"/>
+          <a:lstStyle/>
+          <a:p>
+            <a:pPr>
+              <a:defRPr sz="900" b="1" i="0" u="none" strike="noStrike" kern="1200" baseline="0">
+                <a:solidFill>
+                  <a:schemeClr val="tx1">
+                    <a:lumMod val="65000"/>
+                    <a:lumOff val="35000"/>
+                  </a:schemeClr>
+                </a:solidFill>
+                <a:latin typeface="Arial" panose="020B0604020202020204" pitchFamily="34" charset="0"/>
+                <a:ea typeface="+mn-ea"/>
+                <a:cs typeface="Arial" panose="020B0604020202020204" pitchFamily="34" charset="0"/>
+              </a:defRPr>
+            </a:pPr>
+            <a:endParaRPr lang="en-US"/>
+          </a:p>
+        </c:txPr>
+        <c:crossAx val="1064451791"/>
+        <c:crosses val="autoZero"/>
+        <c:crossBetween val="between"/>
+      </c:valAx>
+      <c:spPr>
+        <a:noFill/>
+        <a:ln>
+          <a:noFill/>
+        </a:ln>
+        <a:effectLst/>
+      </c:spPr>
+    </c:plotArea>
+    <c:plotVisOnly val="1"/>
+    <c:dispBlanksAs val="gap"/>
+    <c:showDLblsOverMax val="0"/>
+  </c:chart>
+  <c:spPr>
+    <a:solidFill>
+      <a:schemeClr val="bg1"/>
+    </a:solidFill>
+    <a:ln w="9525" cap="flat" cmpd="sng" algn="ctr">
+      <a:solidFill>
+        <a:schemeClr val="tx2"/>
+      </a:solidFill>
+      <a:round/>
+    </a:ln>
+    <a:effectLst/>
+  </c:spPr>
+  <c:txPr>
+    <a:bodyPr/>
+    <a:lstStyle/>
+    <a:p>
+      <a:pPr>
+        <a:defRPr b="1">
+          <a:latin typeface="Arial" panose="020B0604020202020204" pitchFamily="34" charset="0"/>
+          <a:cs typeface="Arial" panose="020B0604020202020204" pitchFamily="34" charset="0"/>
+        </a:defRPr>
+      </a:pPr>
+      <a:endParaRPr lang="en-US"/>
+    </a:p>
+  </c:txPr>
+  <c:externalData r:id="rId3">
+    <c:autoUpdate val="0"/>
+  </c:externalData>
+</c:chartSpace>
+</file>
+
+<file path=ppt/charts/chart8.xml><?xml version="1.0" encoding="utf-8"?>
+<c:chartSpace xmlns:c="http://schemas.openxmlformats.org/drawingml/2006/chart" xmlns:a="http://schemas.openxmlformats.org/drawingml/2006/main" xmlns:r="http://schemas.openxmlformats.org/officeDocument/2006/relationships" xmlns:c16r2="http://schemas.microsoft.com/office/drawing/2015/06/chart">
+  <c:date1904 val="0"/>
+  <c:lang val="en-US"/>
+  <c:roundedCorners val="1"/>
+  <mc:AlternateContent xmlns:mc="http://schemas.openxmlformats.org/markup-compatibility/2006">
+    <mc:Choice xmlns:c14="http://schemas.microsoft.com/office/drawing/2007/8/2/chart" Requires="c14">
+      <c14:style val="102"/>
+    </mc:Choice>
+    <mc:Fallback>
+      <c:style val="2"/>
+    </mc:Fallback>
+  </mc:AlternateContent>
+  <c:chart>
+    <c:autoTitleDeleted val="1"/>
+    <c:plotArea>
+      <c:layout/>
+      <c:barChart>
+        <c:barDir val="col"/>
+        <c:grouping val="clustered"/>
+        <c:varyColors val="0"/>
+        <c:ser>
+          <c:idx val="0"/>
+          <c:order val="0"/>
+          <c:tx>
+            <c:strRef>
+              <c:f>County_Unemployment!$C$1</c:f>
+              <c:strCache>
+                <c:ptCount val="1"/>
+                <c:pt idx="0">
+                  <c:v>Unemployment_Rate</c:v>
+                </c:pt>
+              </c:strCache>
+            </c:strRef>
+          </c:tx>
+          <c:spPr>
+            <a:solidFill>
+              <a:schemeClr val="accent1"/>
+            </a:solidFill>
+            <a:ln>
+              <a:noFill/>
+            </a:ln>
+            <a:effectLst/>
+          </c:spPr>
+          <c:invertIfNegative val="0"/>
+          <c:dPt>
+            <c:idx val="1"/>
+            <c:invertIfNegative val="0"/>
+            <c:bubble3D val="0"/>
+            <c:spPr>
+              <a:solidFill>
+                <a:srgbClr val="0070C0"/>
+              </a:solidFill>
+              <a:ln>
+                <a:noFill/>
+              </a:ln>
+              <a:effectLst/>
+            </c:spPr>
+            <c:extLst>
+              <c:ext xmlns:c16="http://schemas.microsoft.com/office/drawing/2014/chart" uri="{C3380CC4-5D6E-409C-BE32-E72D297353CC}">
+                <c16:uniqueId val="{00000001-E793-4073-A1F6-898BDB847C4D}"/>
+              </c:ext>
+            </c:extLst>
+          </c:dPt>
+          <c:dPt>
+            <c:idx val="4"/>
+            <c:invertIfNegative val="0"/>
+            <c:bubble3D val="0"/>
+            <c:spPr>
+              <a:solidFill>
+                <a:srgbClr val="0070C0"/>
+              </a:solidFill>
+              <a:ln>
+                <a:noFill/>
+              </a:ln>
+              <a:effectLst/>
+            </c:spPr>
+            <c:extLst>
+              <c:ext xmlns:c16="http://schemas.microsoft.com/office/drawing/2014/chart" uri="{C3380CC4-5D6E-409C-BE32-E72D297353CC}">
+                <c16:uniqueId val="{00000003-E793-4073-A1F6-898BDB847C4D}"/>
+              </c:ext>
+            </c:extLst>
+          </c:dPt>
+          <c:dPt>
+            <c:idx val="6"/>
+            <c:invertIfNegative val="0"/>
+            <c:bubble3D val="0"/>
+            <c:spPr>
+              <a:solidFill>
+                <a:srgbClr val="0070C0"/>
+              </a:solidFill>
+              <a:ln>
+                <a:noFill/>
+              </a:ln>
+              <a:effectLst/>
+            </c:spPr>
+            <c:extLst>
+              <c:ext xmlns:c16="http://schemas.microsoft.com/office/drawing/2014/chart" uri="{C3380CC4-5D6E-409C-BE32-E72D297353CC}">
+                <c16:uniqueId val="{00000005-E793-4073-A1F6-898BDB847C4D}"/>
+              </c:ext>
+            </c:extLst>
+          </c:dPt>
+          <c:dPt>
+            <c:idx val="7"/>
+            <c:invertIfNegative val="0"/>
+            <c:bubble3D val="0"/>
+            <c:spPr>
+              <a:solidFill>
+                <a:schemeClr val="accent1"/>
+              </a:solidFill>
+              <a:ln>
+                <a:noFill/>
+              </a:ln>
+              <a:effectLst/>
+            </c:spPr>
+            <c:extLst>
+              <c:ext xmlns:c16="http://schemas.microsoft.com/office/drawing/2014/chart" uri="{C3380CC4-5D6E-409C-BE32-E72D297353CC}">
+                <c16:uniqueId val="{00000007-E793-4073-A1F6-898BDB847C4D}"/>
+              </c:ext>
+            </c:extLst>
+          </c:dPt>
+          <c:dLbls>
+            <c:spPr>
+              <a:noFill/>
+              <a:ln>
+                <a:noFill/>
+              </a:ln>
+              <a:effectLst/>
+            </c:spPr>
+            <c:txPr>
+              <a:bodyPr rot="0" spcFirstLastPara="1" vertOverflow="ellipsis" vert="horz" wrap="square" lIns="38100" tIns="19050" rIns="38100" bIns="19050" anchor="ctr" anchorCtr="1">
+                <a:spAutoFit/>
+              </a:bodyPr>
+              <a:lstStyle/>
+              <a:p>
+                <a:pPr>
+                  <a:defRPr sz="900" b="1" i="0" u="none" strike="noStrike" kern="1200" baseline="0">
+                    <a:solidFill>
+                      <a:schemeClr val="tx1">
+                        <a:lumMod val="75000"/>
+                        <a:lumOff val="25000"/>
+                      </a:schemeClr>
+                    </a:solidFill>
+                    <a:latin typeface="Arial" panose="020B0604020202020204" pitchFamily="34" charset="0"/>
+                    <a:ea typeface="+mn-ea"/>
+                    <a:cs typeface="Arial" panose="020B0604020202020204" pitchFamily="34" charset="0"/>
+                  </a:defRPr>
+                </a:pPr>
+                <a:endParaRPr lang="en-US"/>
+              </a:p>
+            </c:txPr>
+            <c:dLblPos val="outEnd"/>
+            <c:showLegendKey val="0"/>
+            <c:showVal val="1"/>
+            <c:showCatName val="0"/>
+            <c:showSerName val="0"/>
+            <c:showPercent val="0"/>
+            <c:showBubbleSize val="0"/>
+            <c:showLeaderLines val="0"/>
+            <c:extLst>
+              <c:ext xmlns:c15="http://schemas.microsoft.com/office/drawing/2012/chart" uri="{CE6537A1-D6FC-4f65-9D91-7224C49458BB}">
+                <c15:showLeaderLines val="1"/>
+                <c15:leaderLines>
+                  <c:spPr>
+                    <a:ln w="9525" cap="flat" cmpd="sng" algn="ctr">
+                      <a:solidFill>
+                        <a:schemeClr val="tx1">
+                          <a:lumMod val="35000"/>
+                          <a:lumOff val="65000"/>
+                        </a:schemeClr>
+                      </a:solidFill>
+                      <a:round/>
+                    </a:ln>
+                    <a:effectLst/>
+                  </c:spPr>
+                </c15:leaderLines>
+              </c:ext>
+            </c:extLst>
+          </c:dLbls>
+          <c:cat>
+            <c:strRef>
+              <c:f>County_Unemployment!$A$2:$A$11</c:f>
+              <c:strCache>
+                <c:ptCount val="10"/>
+                <c:pt idx="0">
+                  <c:v>Bledsoe</c:v>
+                </c:pt>
+                <c:pt idx="1">
+                  <c:v>Lauderdale</c:v>
+                </c:pt>
+                <c:pt idx="2">
+                  <c:v>Rhea</c:v>
+                </c:pt>
+                <c:pt idx="3">
+                  <c:v>Houston</c:v>
+                </c:pt>
+                <c:pt idx="4">
+                  <c:v>Haywood</c:v>
+                </c:pt>
+                <c:pt idx="5">
+                  <c:v>McNairy</c:v>
+                </c:pt>
+                <c:pt idx="6">
+                  <c:v>Lake</c:v>
+                </c:pt>
+                <c:pt idx="7">
+                  <c:v>Hancock</c:v>
+                </c:pt>
+                <c:pt idx="8">
+                  <c:v>Clay</c:v>
+                </c:pt>
+                <c:pt idx="9">
+                  <c:v>Hardeman</c:v>
+                </c:pt>
+              </c:strCache>
+            </c:strRef>
+          </c:cat>
+          <c:val>
+            <c:numRef>
+              <c:f>County_Unemployment!$C$2:$C$11</c:f>
+              <c:numCache>
+                <c:formatCode>General</c:formatCode>
+                <c:ptCount val="10"/>
+                <c:pt idx="0">
+                  <c:v>5.8</c:v>
+                </c:pt>
+                <c:pt idx="1">
+                  <c:v>5.8</c:v>
+                </c:pt>
+                <c:pt idx="2">
+                  <c:v>5.6</c:v>
+                </c:pt>
+                <c:pt idx="3">
+                  <c:v>5.5</c:v>
+                </c:pt>
+                <c:pt idx="4">
+                  <c:v>5.4</c:v>
+                </c:pt>
+                <c:pt idx="5">
+                  <c:v>5.4</c:v>
+                </c:pt>
+                <c:pt idx="6">
+                  <c:v>5.2</c:v>
+                </c:pt>
+                <c:pt idx="7">
+                  <c:v>5.0999999999999996</c:v>
+                </c:pt>
+                <c:pt idx="8">
+                  <c:v>5</c:v>
+                </c:pt>
+                <c:pt idx="9">
+                  <c:v>5</c:v>
+                </c:pt>
+              </c:numCache>
+            </c:numRef>
+          </c:val>
+          <c:extLst>
+            <c:ext xmlns:c16="http://schemas.microsoft.com/office/drawing/2014/chart" uri="{C3380CC4-5D6E-409C-BE32-E72D297353CC}">
+              <c16:uniqueId val="{00000008-E793-4073-A1F6-898BDB847C4D}"/>
+            </c:ext>
+          </c:extLst>
+        </c:ser>
+        <c:dLbls>
+          <c:dLblPos val="outEnd"/>
+          <c:showLegendKey val="0"/>
+          <c:showVal val="1"/>
+          <c:showCatName val="0"/>
+          <c:showSerName val="0"/>
+          <c:showPercent val="0"/>
+          <c:showBubbleSize val="0"/>
+        </c:dLbls>
+        <c:gapWidth val="219"/>
+        <c:overlap val="-27"/>
+        <c:axId val="1064780671"/>
+        <c:axId val="643517263"/>
+      </c:barChart>
+      <c:catAx>
+        <c:axId val="1064780671"/>
+        <c:scaling>
+          <c:orientation val="minMax"/>
+        </c:scaling>
+        <c:delete val="0"/>
+        <c:axPos val="b"/>
+        <c:numFmt formatCode="General" sourceLinked="1"/>
+        <c:majorTickMark val="none"/>
+        <c:minorTickMark val="none"/>
+        <c:tickLblPos val="nextTo"/>
+        <c:spPr>
+          <a:noFill/>
+          <a:ln w="9525" cap="flat" cmpd="sng" algn="ctr">
+            <a:solidFill>
+              <a:schemeClr val="tx1">
+                <a:lumMod val="15000"/>
+                <a:lumOff val="85000"/>
+              </a:schemeClr>
+            </a:solidFill>
+            <a:round/>
+          </a:ln>
+          <a:effectLst/>
+        </c:spPr>
+        <c:txPr>
+          <a:bodyPr rot="-60000000" spcFirstLastPara="1" vertOverflow="ellipsis" vert="horz" wrap="square" anchor="ctr" anchorCtr="1"/>
+          <a:lstStyle/>
+          <a:p>
+            <a:pPr>
+              <a:defRPr sz="900" b="1" i="0" u="none" strike="noStrike" kern="1200" baseline="0">
+                <a:solidFill>
+                  <a:schemeClr val="tx1">
+                    <a:lumMod val="65000"/>
+                    <a:lumOff val="35000"/>
+                  </a:schemeClr>
+                </a:solidFill>
+                <a:latin typeface="Arial" panose="020B0604020202020204" pitchFamily="34" charset="0"/>
+                <a:ea typeface="+mn-ea"/>
+                <a:cs typeface="Arial" panose="020B0604020202020204" pitchFamily="34" charset="0"/>
+              </a:defRPr>
+            </a:pPr>
+            <a:endParaRPr lang="en-US"/>
+          </a:p>
+        </c:txPr>
+        <c:crossAx val="643517263"/>
+        <c:crosses val="autoZero"/>
+        <c:auto val="1"/>
+        <c:lblAlgn val="ctr"/>
+        <c:lblOffset val="100"/>
+        <c:noMultiLvlLbl val="0"/>
+      </c:catAx>
+      <c:valAx>
+        <c:axId val="643517263"/>
+        <c:scaling>
+          <c:orientation val="minMax"/>
+        </c:scaling>
+        <c:delete val="0"/>
+        <c:axPos val="l"/>
+        <c:numFmt formatCode="0.0" sourceLinked="0"/>
+        <c:majorTickMark val="none"/>
+        <c:minorTickMark val="none"/>
+        <c:tickLblPos val="nextTo"/>
+        <c:spPr>
+          <a:noFill/>
+          <a:ln>
+            <a:noFill/>
+          </a:ln>
+          <a:effectLst/>
+        </c:spPr>
+        <c:txPr>
+          <a:bodyPr rot="-60000000" spcFirstLastPara="1" vertOverflow="ellipsis" vert="horz" wrap="square" anchor="ctr" anchorCtr="1"/>
+          <a:lstStyle/>
+          <a:p>
+            <a:pPr>
+              <a:defRPr sz="900" b="1" i="0" u="none" strike="noStrike" kern="1200" baseline="0">
+                <a:solidFill>
+                  <a:schemeClr val="tx1">
+                    <a:lumMod val="65000"/>
+                    <a:lumOff val="35000"/>
+                  </a:schemeClr>
+                </a:solidFill>
+                <a:latin typeface="Arial" panose="020B0604020202020204" pitchFamily="34" charset="0"/>
+                <a:ea typeface="+mn-ea"/>
+                <a:cs typeface="Arial" panose="020B0604020202020204" pitchFamily="34" charset="0"/>
+              </a:defRPr>
+            </a:pPr>
+            <a:endParaRPr lang="en-US"/>
+          </a:p>
+        </c:txPr>
+        <c:crossAx val="1064780671"/>
+        <c:crosses val="autoZero"/>
+        <c:crossBetween val="between"/>
+      </c:valAx>
+      <c:spPr>
+        <a:noFill/>
+        <a:ln>
+          <a:solidFill>
+            <a:schemeClr val="bg1"/>
+          </a:solidFill>
+        </a:ln>
+        <a:effectLst/>
+      </c:spPr>
+    </c:plotArea>
+    <c:plotVisOnly val="1"/>
+    <c:dispBlanksAs val="gap"/>
+    <c:showDLblsOverMax val="0"/>
+  </c:chart>
+  <c:spPr>
+    <a:solidFill>
+      <a:schemeClr val="bg1"/>
+    </a:solidFill>
+    <a:ln w="9525" cap="flat" cmpd="sng" algn="ctr">
+      <a:solidFill>
+        <a:schemeClr val="tx2"/>
+      </a:solidFill>
+      <a:round/>
+    </a:ln>
+    <a:effectLst/>
+  </c:spPr>
+  <c:txPr>
+    <a:bodyPr/>
+    <a:lstStyle/>
+    <a:p>
+      <a:pPr>
+        <a:defRPr b="1">
+          <a:latin typeface="Arial" panose="020B0604020202020204" pitchFamily="34" charset="0"/>
+          <a:cs typeface="Arial" panose="020B0604020202020204" pitchFamily="34" charset="0"/>
+        </a:defRPr>
+      </a:pPr>
+      <a:endParaRPr lang="en-US"/>
+    </a:p>
+  </c:txPr>
+  <c:externalData r:id="rId3">
+    <c:autoUpdate val="0"/>
+  </c:externalData>
+</c:chartSpace>
+</file>
+
+<file path=ppt/charts/chart9.xml><?xml version="1.0" encoding="utf-8"?>
+<c:chartSpace xmlns:c="http://schemas.openxmlformats.org/drawingml/2006/chart" xmlns:a="http://schemas.openxmlformats.org/drawingml/2006/main" xmlns:r="http://schemas.openxmlformats.org/officeDocument/2006/relationships" xmlns:c16r2="http://schemas.microsoft.com/office/drawing/2015/06/chart">
+  <c:date1904 val="0"/>
+  <c:lang val="en-US"/>
+  <c:roundedCorners val="1"/>
+  <mc:AlternateContent xmlns:mc="http://schemas.openxmlformats.org/markup-compatibility/2006">
+    <mc:Choice xmlns:c14="http://schemas.microsoft.com/office/drawing/2007/8/2/chart" Requires="c14">
+      <c14:style val="102"/>
+    </mc:Choice>
+    <mc:Fallback>
+      <c:style val="2"/>
+    </mc:Fallback>
+  </mc:AlternateContent>
+  <c:chart>
+    <c:autoTitleDeleted val="1"/>
+    <c:plotArea>
+      <c:layout/>
+      <c:barChart>
+        <c:barDir val="col"/>
+        <c:grouping val="clustered"/>
+        <c:varyColors val="0"/>
+        <c:ser>
+          <c:idx val="0"/>
+          <c:order val="0"/>
+          <c:tx>
+            <c:strRef>
+              <c:f>County_Unemployment!$E$16</c:f>
+              <c:strCache>
+                <c:ptCount val="1"/>
+                <c:pt idx="0">
+                  <c:v>Enrollee_Rate</c:v>
+                </c:pt>
+              </c:strCache>
+            </c:strRef>
+          </c:tx>
+          <c:spPr>
+            <a:solidFill>
+              <a:schemeClr val="accent1"/>
+            </a:solidFill>
+            <a:ln>
+              <a:noFill/>
+            </a:ln>
+            <a:effectLst/>
+          </c:spPr>
+          <c:invertIfNegative val="0"/>
+          <c:dPt>
+            <c:idx val="0"/>
+            <c:invertIfNegative val="0"/>
+            <c:bubble3D val="0"/>
+            <c:spPr>
+              <a:solidFill>
+                <a:schemeClr val="accent1"/>
+              </a:solidFill>
+              <a:ln>
+                <a:noFill/>
+              </a:ln>
+              <a:effectLst/>
+            </c:spPr>
+            <c:extLst>
+              <c:ext xmlns:c16="http://schemas.microsoft.com/office/drawing/2014/chart" uri="{C3380CC4-5D6E-409C-BE32-E72D297353CC}">
+                <c16:uniqueId val="{00000001-BD98-44A9-9BCB-7AF470AEFDB9}"/>
+              </c:ext>
+            </c:extLst>
+          </c:dPt>
+          <c:dPt>
+            <c:idx val="2"/>
+            <c:invertIfNegative val="0"/>
+            <c:bubble3D val="0"/>
+            <c:spPr>
+              <a:solidFill>
+                <a:schemeClr val="accent1"/>
+              </a:solidFill>
+              <a:ln>
+                <a:noFill/>
+              </a:ln>
+              <a:effectLst/>
+            </c:spPr>
+            <c:extLst>
+              <c:ext xmlns:c16="http://schemas.microsoft.com/office/drawing/2014/chart" uri="{C3380CC4-5D6E-409C-BE32-E72D297353CC}">
+                <c16:uniqueId val="{00000003-BD98-44A9-9BCB-7AF470AEFDB9}"/>
+              </c:ext>
+            </c:extLst>
+          </c:dPt>
+          <c:dPt>
+            <c:idx val="4"/>
+            <c:invertIfNegative val="0"/>
+            <c:bubble3D val="0"/>
+            <c:spPr>
+              <a:solidFill>
+                <a:schemeClr val="accent1"/>
+              </a:solidFill>
+              <a:ln>
+                <a:solidFill>
+                  <a:schemeClr val="accent1"/>
+                </a:solidFill>
+              </a:ln>
+              <a:effectLst/>
+            </c:spPr>
+            <c:extLst>
+              <c:ext xmlns:c16="http://schemas.microsoft.com/office/drawing/2014/chart" uri="{C3380CC4-5D6E-409C-BE32-E72D297353CC}">
+                <c16:uniqueId val="{00000005-BD98-44A9-9BCB-7AF470AEFDB9}"/>
+              </c:ext>
+            </c:extLst>
+          </c:dPt>
+          <c:dPt>
+            <c:idx val="5"/>
+            <c:invertIfNegative val="0"/>
+            <c:bubble3D val="0"/>
+            <c:spPr>
+              <a:solidFill>
+                <a:schemeClr val="accent1"/>
+              </a:solidFill>
+              <a:ln>
+                <a:noFill/>
+              </a:ln>
+              <a:effectLst/>
+            </c:spPr>
+            <c:extLst>
+              <c:ext xmlns:c16="http://schemas.microsoft.com/office/drawing/2014/chart" uri="{C3380CC4-5D6E-409C-BE32-E72D297353CC}">
+                <c16:uniqueId val="{00000007-BD98-44A9-9BCB-7AF470AEFDB9}"/>
+              </c:ext>
+            </c:extLst>
+          </c:dPt>
+          <c:dPt>
+            <c:idx val="6"/>
+            <c:invertIfNegative val="0"/>
+            <c:bubble3D val="0"/>
+            <c:spPr>
+              <a:solidFill>
+                <a:srgbClr val="0070C0"/>
+              </a:solidFill>
+              <a:ln>
+                <a:noFill/>
+              </a:ln>
+              <a:effectLst/>
+            </c:spPr>
+            <c:extLst>
+              <c:ext xmlns:c16="http://schemas.microsoft.com/office/drawing/2014/chart" uri="{C3380CC4-5D6E-409C-BE32-E72D297353CC}">
+                <c16:uniqueId val="{00000009-BD98-44A9-9BCB-7AF470AEFDB9}"/>
+              </c:ext>
+            </c:extLst>
+          </c:dPt>
+          <c:dPt>
+            <c:idx val="7"/>
+            <c:invertIfNegative val="0"/>
+            <c:bubble3D val="0"/>
+            <c:spPr>
+              <a:solidFill>
+                <a:srgbClr val="0070C0"/>
+              </a:solidFill>
+              <a:ln>
+                <a:noFill/>
+              </a:ln>
+              <a:effectLst/>
+            </c:spPr>
+            <c:extLst>
+              <c:ext xmlns:c16="http://schemas.microsoft.com/office/drawing/2014/chart" uri="{C3380CC4-5D6E-409C-BE32-E72D297353CC}">
+                <c16:uniqueId val="{0000000B-BD98-44A9-9BCB-7AF470AEFDB9}"/>
+              </c:ext>
+            </c:extLst>
+          </c:dPt>
+          <c:dPt>
+            <c:idx val="8"/>
+            <c:invertIfNegative val="0"/>
+            <c:bubble3D val="0"/>
+            <c:spPr>
+              <a:solidFill>
+                <a:srgbClr val="0070C0"/>
+              </a:solidFill>
+              <a:ln>
+                <a:noFill/>
+              </a:ln>
+              <a:effectLst/>
+            </c:spPr>
+            <c:extLst>
+              <c:ext xmlns:c16="http://schemas.microsoft.com/office/drawing/2014/chart" uri="{C3380CC4-5D6E-409C-BE32-E72D297353CC}">
+                <c16:uniqueId val="{0000000D-BD98-44A9-9BCB-7AF470AEFDB9}"/>
+              </c:ext>
+            </c:extLst>
+          </c:dPt>
+          <c:dPt>
+            <c:idx val="9"/>
+            <c:invertIfNegative val="0"/>
+            <c:bubble3D val="0"/>
+            <c:spPr>
+              <a:solidFill>
+                <a:schemeClr val="accent1"/>
+              </a:solidFill>
+              <a:ln>
+                <a:noFill/>
+              </a:ln>
+              <a:effectLst/>
+            </c:spPr>
+            <c:extLst>
+              <c:ext xmlns:c16="http://schemas.microsoft.com/office/drawing/2014/chart" uri="{C3380CC4-5D6E-409C-BE32-E72D297353CC}">
+                <c16:uniqueId val="{0000000F-BD98-44A9-9BCB-7AF470AEFDB9}"/>
+              </c:ext>
+            </c:extLst>
+          </c:dPt>
+          <c:dLbls>
+            <c:spPr>
+              <a:noFill/>
+              <a:ln>
+                <a:noFill/>
+              </a:ln>
+              <a:effectLst/>
+            </c:spPr>
+            <c:txPr>
+              <a:bodyPr rot="0" spcFirstLastPara="1" vertOverflow="ellipsis" vert="horz" wrap="square" lIns="38100" tIns="19050" rIns="38100" bIns="19050" anchor="ctr" anchorCtr="1">
+                <a:spAutoFit/>
+              </a:bodyPr>
+              <a:lstStyle/>
+              <a:p>
+                <a:pPr>
+                  <a:defRPr sz="900" b="1" i="0" u="none" strike="noStrike" kern="1200" baseline="0">
+                    <a:solidFill>
+                      <a:schemeClr val="tx1">
+                        <a:lumMod val="75000"/>
+                        <a:lumOff val="25000"/>
+                      </a:schemeClr>
+                    </a:solidFill>
+                    <a:latin typeface="Arial" panose="020B0604020202020204" pitchFamily="34" charset="0"/>
+                    <a:ea typeface="+mn-ea"/>
+                    <a:cs typeface="Arial" panose="020B0604020202020204" pitchFamily="34" charset="0"/>
+                  </a:defRPr>
+                </a:pPr>
+                <a:endParaRPr lang="en-US"/>
+              </a:p>
+            </c:txPr>
+            <c:dLblPos val="outEnd"/>
+            <c:showLegendKey val="0"/>
+            <c:showVal val="1"/>
+            <c:showCatName val="0"/>
+            <c:showSerName val="0"/>
+            <c:showPercent val="0"/>
+            <c:showBubbleSize val="0"/>
+            <c:showLeaderLines val="0"/>
+            <c:extLst>
+              <c:ext xmlns:c15="http://schemas.microsoft.com/office/drawing/2012/chart" uri="{CE6537A1-D6FC-4f65-9D91-7224C49458BB}">
+                <c15:showLeaderLines val="1"/>
+                <c15:leaderLines>
+                  <c:spPr>
+                    <a:ln w="9525" cap="flat" cmpd="sng" algn="ctr">
+                      <a:solidFill>
+                        <a:schemeClr val="tx1">
+                          <a:lumMod val="35000"/>
+                          <a:lumOff val="65000"/>
+                        </a:schemeClr>
+                      </a:solidFill>
+                      <a:round/>
+                    </a:ln>
+                    <a:effectLst/>
+                  </c:spPr>
+                </c15:leaderLines>
+              </c:ext>
+            </c:extLst>
+          </c:dLbls>
+          <c:cat>
+            <c:strRef>
+              <c:f>County_Unemployment!$A$17:$A$26</c:f>
+              <c:strCache>
+                <c:ptCount val="10"/>
+                <c:pt idx="0">
+                  <c:v>Hancock</c:v>
+                </c:pt>
+                <c:pt idx="1">
+                  <c:v>Scott</c:v>
+                </c:pt>
+                <c:pt idx="2">
+                  <c:v>Grundy</c:v>
+                </c:pt>
+                <c:pt idx="3">
+                  <c:v>Fentress</c:v>
+                </c:pt>
+                <c:pt idx="4">
+                  <c:v>Cocke</c:v>
+                </c:pt>
+                <c:pt idx="5">
+                  <c:v>Campbell</c:v>
+                </c:pt>
+                <c:pt idx="6">
+                  <c:v>Haywood</c:v>
+                </c:pt>
+                <c:pt idx="7">
+                  <c:v>Lauderdale</c:v>
+                </c:pt>
+                <c:pt idx="8">
+                  <c:v>Lake</c:v>
+                </c:pt>
+                <c:pt idx="9">
+                  <c:v>Claiborne</c:v>
+                </c:pt>
+              </c:strCache>
+            </c:strRef>
+          </c:cat>
+          <c:val>
+            <c:numRef>
+              <c:f>County_Unemployment!$E$17:$E$26</c:f>
+              <c:numCache>
+                <c:formatCode>0.0</c:formatCode>
+                <c:ptCount val="10"/>
+                <c:pt idx="0">
+                  <c:v>34.768667000000001</c:v>
+                </c:pt>
+                <c:pt idx="1">
+                  <c:v>33.712963000000002</c:v>
+                </c:pt>
+                <c:pt idx="2">
+                  <c:v>32.893751000000002</c:v>
+                </c:pt>
+                <c:pt idx="3">
+                  <c:v>31.701158</c:v>
+                </c:pt>
+                <c:pt idx="4">
+                  <c:v>31.047688000000001</c:v>
+                </c:pt>
+                <c:pt idx="5">
+                  <c:v>30.967839999999999</c:v>
+                </c:pt>
+                <c:pt idx="6">
+                  <c:v>30.464378</c:v>
+                </c:pt>
+                <c:pt idx="7">
+                  <c:v>28.57696</c:v>
+                </c:pt>
+                <c:pt idx="8">
+                  <c:v>27.796519</c:v>
+                </c:pt>
+                <c:pt idx="9">
+                  <c:v>27.591636000000001</c:v>
+                </c:pt>
+              </c:numCache>
+            </c:numRef>
+          </c:val>
+          <c:extLst>
+            <c:ext xmlns:c16="http://schemas.microsoft.com/office/drawing/2014/chart" uri="{C3380CC4-5D6E-409C-BE32-E72D297353CC}">
+              <c16:uniqueId val="{00000010-BD98-44A9-9BCB-7AF470AEFDB9}"/>
             </c:ext>
           </c:extLst>
         </c:ser>
@@ -3722,6 +4630,86 @@
 </cs:colorStyle>
 </file>
 
+<file path=ppt/charts/colors8.xml><?xml version="1.0" encoding="utf-8"?>
+<cs:colorStyle xmlns:cs="http://schemas.microsoft.com/office/drawing/2012/chartStyle" xmlns:a="http://schemas.openxmlformats.org/drawingml/2006/main" meth="cycle" id="10">
+  <a:schemeClr val="accent1"/>
+  <a:schemeClr val="accent2"/>
+  <a:schemeClr val="accent3"/>
+  <a:schemeClr val="accent4"/>
+  <a:schemeClr val="accent5"/>
+  <a:schemeClr val="accent6"/>
+  <cs:variation/>
+  <cs:variation>
+    <a:lumMod val="60000"/>
+  </cs:variation>
+  <cs:variation>
+    <a:lumMod val="80000"/>
+    <a:lumOff val="20000"/>
+  </cs:variation>
+  <cs:variation>
+    <a:lumMod val="80000"/>
+  </cs:variation>
+  <cs:variation>
+    <a:lumMod val="60000"/>
+    <a:lumOff val="40000"/>
+  </cs:variation>
+  <cs:variation>
+    <a:lumMod val="50000"/>
+  </cs:variation>
+  <cs:variation>
+    <a:lumMod val="70000"/>
+    <a:lumOff val="30000"/>
+  </cs:variation>
+  <cs:variation>
+    <a:lumMod val="70000"/>
+  </cs:variation>
+  <cs:variation>
+    <a:lumMod val="50000"/>
+    <a:lumOff val="50000"/>
+  </cs:variation>
+</cs:colorStyle>
+</file>
+
+<file path=ppt/charts/colors9.xml><?xml version="1.0" encoding="utf-8"?>
+<cs:colorStyle xmlns:cs="http://schemas.microsoft.com/office/drawing/2012/chartStyle" xmlns:a="http://schemas.openxmlformats.org/drawingml/2006/main" meth="cycle" id="10">
+  <a:schemeClr val="accent1"/>
+  <a:schemeClr val="accent2"/>
+  <a:schemeClr val="accent3"/>
+  <a:schemeClr val="accent4"/>
+  <a:schemeClr val="accent5"/>
+  <a:schemeClr val="accent6"/>
+  <cs:variation/>
+  <cs:variation>
+    <a:lumMod val="60000"/>
+  </cs:variation>
+  <cs:variation>
+    <a:lumMod val="80000"/>
+    <a:lumOff val="20000"/>
+  </cs:variation>
+  <cs:variation>
+    <a:lumMod val="80000"/>
+  </cs:variation>
+  <cs:variation>
+    <a:lumMod val="60000"/>
+    <a:lumOff val="40000"/>
+  </cs:variation>
+  <cs:variation>
+    <a:lumMod val="50000"/>
+  </cs:variation>
+  <cs:variation>
+    <a:lumMod val="70000"/>
+    <a:lumOff val="30000"/>
+  </cs:variation>
+  <cs:variation>
+    <a:lumMod val="70000"/>
+  </cs:variation>
+  <cs:variation>
+    <a:lumMod val="50000"/>
+    <a:lumOff val="50000"/>
+  </cs:variation>
+</cs:colorStyle>
+</file>
+
 <file path=ppt/charts/style1.xml><?xml version="1.0" encoding="utf-8"?>
 <cs:chartStyle xmlns:cs="http://schemas.microsoft.com/office/drawing/2012/chartStyle" xmlns:a="http://schemas.openxmlformats.org/drawingml/2006/main" id="201">
   <cs:axisTitle>
@@ -6780,6 +7768,1012 @@
 </file>
 
 <file path=ppt/charts/style7.xml><?xml version="1.0" encoding="utf-8"?>
+<cs:chartStyle xmlns:cs="http://schemas.microsoft.com/office/drawing/2012/chartStyle" xmlns:a="http://schemas.openxmlformats.org/drawingml/2006/main" id="201">
+  <cs:axisTitle>
+    <cs:lnRef idx="0"/>
+    <cs:fillRef idx="0"/>
+    <cs:effectRef idx="0"/>
+    <cs:fontRef idx="minor">
+      <a:schemeClr val="tx1">
+        <a:lumMod val="65000"/>
+        <a:lumOff val="35000"/>
+      </a:schemeClr>
+    </cs:fontRef>
+    <cs:defRPr sz="1000" kern="1200"/>
+  </cs:axisTitle>
+  <cs:categoryAxis>
+    <cs:lnRef idx="0"/>
+    <cs:fillRef idx="0"/>
+    <cs:effectRef idx="0"/>
+    <cs:fontRef idx="minor">
+      <a:schemeClr val="tx1">
+        <a:lumMod val="65000"/>
+        <a:lumOff val="35000"/>
+      </a:schemeClr>
+    </cs:fontRef>
+    <cs:spPr>
+      <a:ln w="9525" cap="flat" cmpd="sng" algn="ctr">
+        <a:solidFill>
+          <a:schemeClr val="tx1">
+            <a:lumMod val="15000"/>
+            <a:lumOff val="85000"/>
+          </a:schemeClr>
+        </a:solidFill>
+        <a:round/>
+      </a:ln>
+    </cs:spPr>
+    <cs:defRPr sz="900" kern="1200"/>
+  </cs:categoryAxis>
+  <cs:chartArea mods="allowNoFillOverride allowNoLineOverride">
+    <cs:lnRef idx="0"/>
+    <cs:fillRef idx="0"/>
+    <cs:effectRef idx="0"/>
+    <cs:fontRef idx="minor">
+      <a:schemeClr val="tx1"/>
+    </cs:fontRef>
+    <cs:spPr>
+      <a:solidFill>
+        <a:schemeClr val="bg1"/>
+      </a:solidFill>
+      <a:ln w="9525" cap="flat" cmpd="sng" algn="ctr">
+        <a:solidFill>
+          <a:schemeClr val="tx1">
+            <a:lumMod val="15000"/>
+            <a:lumOff val="85000"/>
+          </a:schemeClr>
+        </a:solidFill>
+        <a:round/>
+      </a:ln>
+    </cs:spPr>
+    <cs:defRPr sz="1000" kern="1200"/>
+  </cs:chartArea>
+  <cs:dataLabel>
+    <cs:lnRef idx="0"/>
+    <cs:fillRef idx="0"/>
+    <cs:effectRef idx="0"/>
+    <cs:fontRef idx="minor">
+      <a:schemeClr val="tx1">
+        <a:lumMod val="75000"/>
+        <a:lumOff val="25000"/>
+      </a:schemeClr>
+    </cs:fontRef>
+    <cs:defRPr sz="900" kern="1200"/>
+  </cs:dataLabel>
+  <cs:dataLabelCallout>
+    <cs:lnRef idx="0"/>
+    <cs:fillRef idx="0"/>
+    <cs:effectRef idx="0"/>
+    <cs:fontRef idx="minor">
+      <a:schemeClr val="dk1">
+        <a:lumMod val="65000"/>
+        <a:lumOff val="35000"/>
+      </a:schemeClr>
+    </cs:fontRef>
+    <cs:spPr>
+      <a:solidFill>
+        <a:schemeClr val="lt1"/>
+      </a:solidFill>
+      <a:ln>
+        <a:solidFill>
+          <a:schemeClr val="dk1">
+            <a:lumMod val="25000"/>
+            <a:lumOff val="75000"/>
+          </a:schemeClr>
+        </a:solidFill>
+      </a:ln>
+    </cs:spPr>
+    <cs:defRPr sz="900" kern="1200"/>
+    <cs:bodyPr rot="0" spcFirstLastPara="1" vertOverflow="clip" horzOverflow="clip" vert="horz" wrap="square" lIns="36576" tIns="18288" rIns="36576" bIns="18288" anchor="ctr" anchorCtr="1">
+      <a:spAutoFit/>
+    </cs:bodyPr>
+  </cs:dataLabelCallout>
+  <cs:dataPoint>
+    <cs:lnRef idx="0"/>
+    <cs:fillRef idx="1">
+      <cs:styleClr val="auto"/>
+    </cs:fillRef>
+    <cs:effectRef idx="0"/>
+    <cs:fontRef idx="minor">
+      <a:schemeClr val="tx1"/>
+    </cs:fontRef>
+  </cs:dataPoint>
+  <cs:dataPoint3D>
+    <cs:lnRef idx="0"/>
+    <cs:fillRef idx="1">
+      <cs:styleClr val="auto"/>
+    </cs:fillRef>
+    <cs:effectRef idx="0"/>
+    <cs:fontRef idx="minor">
+      <a:schemeClr val="tx1"/>
+    </cs:fontRef>
+  </cs:dataPoint3D>
+  <cs:dataPointLine>
+    <cs:lnRef idx="0">
+      <cs:styleClr val="auto"/>
+    </cs:lnRef>
+    <cs:fillRef idx="1"/>
+    <cs:effectRef idx="0"/>
+    <cs:fontRef idx="minor">
+      <a:schemeClr val="tx1"/>
+    </cs:fontRef>
+    <cs:spPr>
+      <a:ln w="28575" cap="rnd">
+        <a:solidFill>
+          <a:schemeClr val="phClr"/>
+        </a:solidFill>
+        <a:round/>
+      </a:ln>
+    </cs:spPr>
+  </cs:dataPointLine>
+  <cs:dataPointMarker>
+    <cs:lnRef idx="0">
+      <cs:styleClr val="auto"/>
+    </cs:lnRef>
+    <cs:fillRef idx="1">
+      <cs:styleClr val="auto"/>
+    </cs:fillRef>
+    <cs:effectRef idx="0"/>
+    <cs:fontRef idx="minor">
+      <a:schemeClr val="tx1"/>
+    </cs:fontRef>
+    <cs:spPr>
+      <a:ln w="9525">
+        <a:solidFill>
+          <a:schemeClr val="phClr"/>
+        </a:solidFill>
+      </a:ln>
+    </cs:spPr>
+  </cs:dataPointMarker>
+  <cs:dataPointMarkerLayout symbol="circle" size="5"/>
+  <cs:dataPointWireframe>
+    <cs:lnRef idx="0">
+      <cs:styleClr val="auto"/>
+    </cs:lnRef>
+    <cs:fillRef idx="1"/>
+    <cs:effectRef idx="0"/>
+    <cs:fontRef idx="minor">
+      <a:schemeClr val="tx1"/>
+    </cs:fontRef>
+    <cs:spPr>
+      <a:ln w="9525" cap="rnd">
+        <a:solidFill>
+          <a:schemeClr val="phClr"/>
+        </a:solidFill>
+        <a:round/>
+      </a:ln>
+    </cs:spPr>
+  </cs:dataPointWireframe>
+  <cs:dataTable>
+    <cs:lnRef idx="0"/>
+    <cs:fillRef idx="0"/>
+    <cs:effectRef idx="0"/>
+    <cs:fontRef idx="minor">
+      <a:schemeClr val="tx1">
+        <a:lumMod val="65000"/>
+        <a:lumOff val="35000"/>
+      </a:schemeClr>
+    </cs:fontRef>
+    <cs:spPr>
+      <a:noFill/>
+      <a:ln w="9525" cap="flat" cmpd="sng" algn="ctr">
+        <a:solidFill>
+          <a:schemeClr val="tx1">
+            <a:lumMod val="15000"/>
+            <a:lumOff val="85000"/>
+          </a:schemeClr>
+        </a:solidFill>
+        <a:round/>
+      </a:ln>
+    </cs:spPr>
+    <cs:defRPr sz="900" kern="1200"/>
+  </cs:dataTable>
+  <cs:downBar>
+    <cs:lnRef idx="0"/>
+    <cs:fillRef idx="0"/>
+    <cs:effectRef idx="0"/>
+    <cs:fontRef idx="minor">
+      <a:schemeClr val="dk1"/>
+    </cs:fontRef>
+    <cs:spPr>
+      <a:solidFill>
+        <a:schemeClr val="dk1">
+          <a:lumMod val="65000"/>
+          <a:lumOff val="35000"/>
+        </a:schemeClr>
+      </a:solidFill>
+      <a:ln w="9525">
+        <a:solidFill>
+          <a:schemeClr val="tx1">
+            <a:lumMod val="65000"/>
+            <a:lumOff val="35000"/>
+          </a:schemeClr>
+        </a:solidFill>
+      </a:ln>
+    </cs:spPr>
+  </cs:downBar>
+  <cs:dropLine>
+    <cs:lnRef idx="0"/>
+    <cs:fillRef idx="0"/>
+    <cs:effectRef idx="0"/>
+    <cs:fontRef idx="minor">
+      <a:schemeClr val="tx1"/>
+    </cs:fontRef>
+    <cs:spPr>
+      <a:ln w="9525" cap="flat" cmpd="sng" algn="ctr">
+        <a:solidFill>
+          <a:schemeClr val="tx1">
+            <a:lumMod val="35000"/>
+            <a:lumOff val="65000"/>
+          </a:schemeClr>
+        </a:solidFill>
+        <a:round/>
+      </a:ln>
+    </cs:spPr>
+  </cs:dropLine>
+  <cs:errorBar>
+    <cs:lnRef idx="0"/>
+    <cs:fillRef idx="0"/>
+    <cs:effectRef idx="0"/>
+    <cs:fontRef idx="minor">
+      <a:schemeClr val="tx1"/>
+    </cs:fontRef>
+    <cs:spPr>
+      <a:ln w="9525" cap="flat" cmpd="sng" algn="ctr">
+        <a:solidFill>
+          <a:schemeClr val="tx1">
+            <a:lumMod val="65000"/>
+            <a:lumOff val="35000"/>
+          </a:schemeClr>
+        </a:solidFill>
+        <a:round/>
+      </a:ln>
+    </cs:spPr>
+  </cs:errorBar>
+  <cs:floor>
+    <cs:lnRef idx="0"/>
+    <cs:fillRef idx="0"/>
+    <cs:effectRef idx="0"/>
+    <cs:fontRef idx="minor">
+      <a:schemeClr val="tx1"/>
+    </cs:fontRef>
+    <cs:spPr>
+      <a:noFill/>
+      <a:ln>
+        <a:noFill/>
+      </a:ln>
+    </cs:spPr>
+  </cs:floor>
+  <cs:gridlineMajor>
+    <cs:lnRef idx="0"/>
+    <cs:fillRef idx="0"/>
+    <cs:effectRef idx="0"/>
+    <cs:fontRef idx="minor">
+      <a:schemeClr val="tx1"/>
+    </cs:fontRef>
+    <cs:spPr>
+      <a:ln w="9525" cap="flat" cmpd="sng" algn="ctr">
+        <a:solidFill>
+          <a:schemeClr val="tx1">
+            <a:lumMod val="15000"/>
+            <a:lumOff val="85000"/>
+          </a:schemeClr>
+        </a:solidFill>
+        <a:round/>
+      </a:ln>
+    </cs:spPr>
+  </cs:gridlineMajor>
+  <cs:gridlineMinor>
+    <cs:lnRef idx="0"/>
+    <cs:fillRef idx="0"/>
+    <cs:effectRef idx="0"/>
+    <cs:fontRef idx="minor">
+      <a:schemeClr val="tx1"/>
+    </cs:fontRef>
+    <cs:spPr>
+      <a:ln w="9525" cap="flat" cmpd="sng" algn="ctr">
+        <a:solidFill>
+          <a:schemeClr val="tx1">
+            <a:lumMod val="5000"/>
+            <a:lumOff val="95000"/>
+          </a:schemeClr>
+        </a:solidFill>
+        <a:round/>
+      </a:ln>
+    </cs:spPr>
+  </cs:gridlineMinor>
+  <cs:hiLoLine>
+    <cs:lnRef idx="0"/>
+    <cs:fillRef idx="0"/>
+    <cs:effectRef idx="0"/>
+    <cs:fontRef idx="minor">
+      <a:schemeClr val="tx1"/>
+    </cs:fontRef>
+    <cs:spPr>
+      <a:ln w="9525" cap="flat" cmpd="sng" algn="ctr">
+        <a:solidFill>
+          <a:schemeClr val="tx1">
+            <a:lumMod val="75000"/>
+            <a:lumOff val="25000"/>
+          </a:schemeClr>
+        </a:solidFill>
+        <a:round/>
+      </a:ln>
+    </cs:spPr>
+  </cs:hiLoLine>
+  <cs:leaderLine>
+    <cs:lnRef idx="0"/>
+    <cs:fillRef idx="0"/>
+    <cs:effectRef idx="0"/>
+    <cs:fontRef idx="minor">
+      <a:schemeClr val="tx1"/>
+    </cs:fontRef>
+    <cs:spPr>
+      <a:ln w="9525" cap="flat" cmpd="sng" algn="ctr">
+        <a:solidFill>
+          <a:schemeClr val="tx1">
+            <a:lumMod val="35000"/>
+            <a:lumOff val="65000"/>
+          </a:schemeClr>
+        </a:solidFill>
+        <a:round/>
+      </a:ln>
+    </cs:spPr>
+  </cs:leaderLine>
+  <cs:legend>
+    <cs:lnRef idx="0"/>
+    <cs:fillRef idx="0"/>
+    <cs:effectRef idx="0"/>
+    <cs:fontRef idx="minor">
+      <a:schemeClr val="tx1">
+        <a:lumMod val="65000"/>
+        <a:lumOff val="35000"/>
+      </a:schemeClr>
+    </cs:fontRef>
+    <cs:defRPr sz="900" kern="1200"/>
+  </cs:legend>
+  <cs:plotArea mods="allowNoFillOverride allowNoLineOverride">
+    <cs:lnRef idx="0"/>
+    <cs:fillRef idx="0"/>
+    <cs:effectRef idx="0"/>
+    <cs:fontRef idx="minor">
+      <a:schemeClr val="tx1"/>
+    </cs:fontRef>
+  </cs:plotArea>
+  <cs:plotArea3D mods="allowNoFillOverride allowNoLineOverride">
+    <cs:lnRef idx="0"/>
+    <cs:fillRef idx="0"/>
+    <cs:effectRef idx="0"/>
+    <cs:fontRef idx="minor">
+      <a:schemeClr val="tx1"/>
+    </cs:fontRef>
+  </cs:plotArea3D>
+  <cs:seriesAxis>
+    <cs:lnRef idx="0"/>
+    <cs:fillRef idx="0"/>
+    <cs:effectRef idx="0"/>
+    <cs:fontRef idx="minor">
+      <a:schemeClr val="tx1">
+        <a:lumMod val="65000"/>
+        <a:lumOff val="35000"/>
+      </a:schemeClr>
+    </cs:fontRef>
+    <cs:defRPr sz="900" kern="1200"/>
+  </cs:seriesAxis>
+  <cs:seriesLine>
+    <cs:lnRef idx="0"/>
+    <cs:fillRef idx="0"/>
+    <cs:effectRef idx="0"/>
+    <cs:fontRef idx="minor">
+      <a:schemeClr val="tx1"/>
+    </cs:fontRef>
+    <cs:spPr>
+      <a:ln w="9525" cap="flat" cmpd="sng" algn="ctr">
+        <a:solidFill>
+          <a:schemeClr val="tx1">
+            <a:lumMod val="35000"/>
+            <a:lumOff val="65000"/>
+          </a:schemeClr>
+        </a:solidFill>
+        <a:round/>
+      </a:ln>
+    </cs:spPr>
+  </cs:seriesLine>
+  <cs:title>
+    <cs:lnRef idx="0"/>
+    <cs:fillRef idx="0"/>
+    <cs:effectRef idx="0"/>
+    <cs:fontRef idx="minor">
+      <a:schemeClr val="tx1">
+        <a:lumMod val="65000"/>
+        <a:lumOff val="35000"/>
+      </a:schemeClr>
+    </cs:fontRef>
+    <cs:defRPr sz="1400" b="0" kern="1200" spc="0" baseline="0"/>
+  </cs:title>
+  <cs:trendline>
+    <cs:lnRef idx="0">
+      <cs:styleClr val="auto"/>
+    </cs:lnRef>
+    <cs:fillRef idx="0"/>
+    <cs:effectRef idx="0"/>
+    <cs:fontRef idx="minor">
+      <a:schemeClr val="tx1"/>
+    </cs:fontRef>
+    <cs:spPr>
+      <a:ln w="19050" cap="rnd">
+        <a:solidFill>
+          <a:schemeClr val="phClr"/>
+        </a:solidFill>
+        <a:prstDash val="sysDot"/>
+      </a:ln>
+    </cs:spPr>
+  </cs:trendline>
+  <cs:trendlineLabel>
+    <cs:lnRef idx="0"/>
+    <cs:fillRef idx="0"/>
+    <cs:effectRef idx="0"/>
+    <cs:fontRef idx="minor">
+      <a:schemeClr val="tx1">
+        <a:lumMod val="65000"/>
+        <a:lumOff val="35000"/>
+      </a:schemeClr>
+    </cs:fontRef>
+    <cs:defRPr sz="900" kern="1200"/>
+  </cs:trendlineLabel>
+  <cs:upBar>
+    <cs:lnRef idx="0"/>
+    <cs:fillRef idx="0"/>
+    <cs:effectRef idx="0"/>
+    <cs:fontRef idx="minor">
+      <a:schemeClr val="dk1"/>
+    </cs:fontRef>
+    <cs:spPr>
+      <a:solidFill>
+        <a:schemeClr val="lt1"/>
+      </a:solidFill>
+      <a:ln w="9525">
+        <a:solidFill>
+          <a:schemeClr val="tx1">
+            <a:lumMod val="15000"/>
+            <a:lumOff val="85000"/>
+          </a:schemeClr>
+        </a:solidFill>
+      </a:ln>
+    </cs:spPr>
+  </cs:upBar>
+  <cs:valueAxis>
+    <cs:lnRef idx="0"/>
+    <cs:fillRef idx="0"/>
+    <cs:effectRef idx="0"/>
+    <cs:fontRef idx="minor">
+      <a:schemeClr val="tx1">
+        <a:lumMod val="65000"/>
+        <a:lumOff val="35000"/>
+      </a:schemeClr>
+    </cs:fontRef>
+    <cs:defRPr sz="900" kern="1200"/>
+  </cs:valueAxis>
+  <cs:wall>
+    <cs:lnRef idx="0"/>
+    <cs:fillRef idx="0"/>
+    <cs:effectRef idx="0"/>
+    <cs:fontRef idx="minor">
+      <a:schemeClr val="tx1"/>
+    </cs:fontRef>
+    <cs:spPr>
+      <a:noFill/>
+      <a:ln>
+        <a:noFill/>
+      </a:ln>
+    </cs:spPr>
+  </cs:wall>
+</cs:chartStyle>
+</file>
+
+<file path=ppt/charts/style8.xml><?xml version="1.0" encoding="utf-8"?>
+<cs:chartStyle xmlns:cs="http://schemas.microsoft.com/office/drawing/2012/chartStyle" xmlns:a="http://schemas.openxmlformats.org/drawingml/2006/main" id="201">
+  <cs:axisTitle>
+    <cs:lnRef idx="0"/>
+    <cs:fillRef idx="0"/>
+    <cs:effectRef idx="0"/>
+    <cs:fontRef idx="minor">
+      <a:schemeClr val="tx1">
+        <a:lumMod val="65000"/>
+        <a:lumOff val="35000"/>
+      </a:schemeClr>
+    </cs:fontRef>
+    <cs:defRPr sz="1000" kern="1200"/>
+  </cs:axisTitle>
+  <cs:categoryAxis>
+    <cs:lnRef idx="0"/>
+    <cs:fillRef idx="0"/>
+    <cs:effectRef idx="0"/>
+    <cs:fontRef idx="minor">
+      <a:schemeClr val="tx1">
+        <a:lumMod val="65000"/>
+        <a:lumOff val="35000"/>
+      </a:schemeClr>
+    </cs:fontRef>
+    <cs:spPr>
+      <a:ln w="9525" cap="flat" cmpd="sng" algn="ctr">
+        <a:solidFill>
+          <a:schemeClr val="tx1">
+            <a:lumMod val="15000"/>
+            <a:lumOff val="85000"/>
+          </a:schemeClr>
+        </a:solidFill>
+        <a:round/>
+      </a:ln>
+    </cs:spPr>
+    <cs:defRPr sz="900" kern="1200"/>
+  </cs:categoryAxis>
+  <cs:chartArea mods="allowNoFillOverride allowNoLineOverride">
+    <cs:lnRef idx="0"/>
+    <cs:fillRef idx="0"/>
+    <cs:effectRef idx="0"/>
+    <cs:fontRef idx="minor">
+      <a:schemeClr val="tx1"/>
+    </cs:fontRef>
+    <cs:spPr>
+      <a:solidFill>
+        <a:schemeClr val="bg1"/>
+      </a:solidFill>
+      <a:ln w="9525" cap="flat" cmpd="sng" algn="ctr">
+        <a:solidFill>
+          <a:schemeClr val="tx1">
+            <a:lumMod val="15000"/>
+            <a:lumOff val="85000"/>
+          </a:schemeClr>
+        </a:solidFill>
+        <a:round/>
+      </a:ln>
+    </cs:spPr>
+    <cs:defRPr sz="1000" kern="1200"/>
+  </cs:chartArea>
+  <cs:dataLabel>
+    <cs:lnRef idx="0"/>
+    <cs:fillRef idx="0"/>
+    <cs:effectRef idx="0"/>
+    <cs:fontRef idx="minor">
+      <a:schemeClr val="tx1">
+        <a:lumMod val="75000"/>
+        <a:lumOff val="25000"/>
+      </a:schemeClr>
+    </cs:fontRef>
+    <cs:defRPr sz="900" kern="1200"/>
+  </cs:dataLabel>
+  <cs:dataLabelCallout>
+    <cs:lnRef idx="0"/>
+    <cs:fillRef idx="0"/>
+    <cs:effectRef idx="0"/>
+    <cs:fontRef idx="minor">
+      <a:schemeClr val="dk1">
+        <a:lumMod val="65000"/>
+        <a:lumOff val="35000"/>
+      </a:schemeClr>
+    </cs:fontRef>
+    <cs:spPr>
+      <a:solidFill>
+        <a:schemeClr val="lt1"/>
+      </a:solidFill>
+      <a:ln>
+        <a:solidFill>
+          <a:schemeClr val="dk1">
+            <a:lumMod val="25000"/>
+            <a:lumOff val="75000"/>
+          </a:schemeClr>
+        </a:solidFill>
+      </a:ln>
+    </cs:spPr>
+    <cs:defRPr sz="900" kern="1200"/>
+    <cs:bodyPr rot="0" spcFirstLastPara="1" vertOverflow="clip" horzOverflow="clip" vert="horz" wrap="square" lIns="36576" tIns="18288" rIns="36576" bIns="18288" anchor="ctr" anchorCtr="1">
+      <a:spAutoFit/>
+    </cs:bodyPr>
+  </cs:dataLabelCallout>
+  <cs:dataPoint>
+    <cs:lnRef idx="0"/>
+    <cs:fillRef idx="1">
+      <cs:styleClr val="auto"/>
+    </cs:fillRef>
+    <cs:effectRef idx="0"/>
+    <cs:fontRef idx="minor">
+      <a:schemeClr val="tx1"/>
+    </cs:fontRef>
+  </cs:dataPoint>
+  <cs:dataPoint3D>
+    <cs:lnRef idx="0"/>
+    <cs:fillRef idx="1">
+      <cs:styleClr val="auto"/>
+    </cs:fillRef>
+    <cs:effectRef idx="0"/>
+    <cs:fontRef idx="minor">
+      <a:schemeClr val="tx1"/>
+    </cs:fontRef>
+  </cs:dataPoint3D>
+  <cs:dataPointLine>
+    <cs:lnRef idx="0">
+      <cs:styleClr val="auto"/>
+    </cs:lnRef>
+    <cs:fillRef idx="1"/>
+    <cs:effectRef idx="0"/>
+    <cs:fontRef idx="minor">
+      <a:schemeClr val="tx1"/>
+    </cs:fontRef>
+    <cs:spPr>
+      <a:ln w="28575" cap="rnd">
+        <a:solidFill>
+          <a:schemeClr val="phClr"/>
+        </a:solidFill>
+        <a:round/>
+      </a:ln>
+    </cs:spPr>
+  </cs:dataPointLine>
+  <cs:dataPointMarker>
+    <cs:lnRef idx="0">
+      <cs:styleClr val="auto"/>
+    </cs:lnRef>
+    <cs:fillRef idx="1">
+      <cs:styleClr val="auto"/>
+    </cs:fillRef>
+    <cs:effectRef idx="0"/>
+    <cs:fontRef idx="minor">
+      <a:schemeClr val="tx1"/>
+    </cs:fontRef>
+    <cs:spPr>
+      <a:ln w="9525">
+        <a:solidFill>
+          <a:schemeClr val="phClr"/>
+        </a:solidFill>
+      </a:ln>
+    </cs:spPr>
+  </cs:dataPointMarker>
+  <cs:dataPointMarkerLayout symbol="circle" size="5"/>
+  <cs:dataPointWireframe>
+    <cs:lnRef idx="0">
+      <cs:styleClr val="auto"/>
+    </cs:lnRef>
+    <cs:fillRef idx="1"/>
+    <cs:effectRef idx="0"/>
+    <cs:fontRef idx="minor">
+      <a:schemeClr val="tx1"/>
+    </cs:fontRef>
+    <cs:spPr>
+      <a:ln w="9525" cap="rnd">
+        <a:solidFill>
+          <a:schemeClr val="phClr"/>
+        </a:solidFill>
+        <a:round/>
+      </a:ln>
+    </cs:spPr>
+  </cs:dataPointWireframe>
+  <cs:dataTable>
+    <cs:lnRef idx="0"/>
+    <cs:fillRef idx="0"/>
+    <cs:effectRef idx="0"/>
+    <cs:fontRef idx="minor">
+      <a:schemeClr val="tx1">
+        <a:lumMod val="65000"/>
+        <a:lumOff val="35000"/>
+      </a:schemeClr>
+    </cs:fontRef>
+    <cs:spPr>
+      <a:noFill/>
+      <a:ln w="9525" cap="flat" cmpd="sng" algn="ctr">
+        <a:solidFill>
+          <a:schemeClr val="tx1">
+            <a:lumMod val="15000"/>
+            <a:lumOff val="85000"/>
+          </a:schemeClr>
+        </a:solidFill>
+        <a:round/>
+      </a:ln>
+    </cs:spPr>
+    <cs:defRPr sz="900" kern="1200"/>
+  </cs:dataTable>
+  <cs:downBar>
+    <cs:lnRef idx="0"/>
+    <cs:fillRef idx="0"/>
+    <cs:effectRef idx="0"/>
+    <cs:fontRef idx="minor">
+      <a:schemeClr val="dk1"/>
+    </cs:fontRef>
+    <cs:spPr>
+      <a:solidFill>
+        <a:schemeClr val="dk1">
+          <a:lumMod val="65000"/>
+          <a:lumOff val="35000"/>
+        </a:schemeClr>
+      </a:solidFill>
+      <a:ln w="9525">
+        <a:solidFill>
+          <a:schemeClr val="tx1">
+            <a:lumMod val="65000"/>
+            <a:lumOff val="35000"/>
+          </a:schemeClr>
+        </a:solidFill>
+      </a:ln>
+    </cs:spPr>
+  </cs:downBar>
+  <cs:dropLine>
+    <cs:lnRef idx="0"/>
+    <cs:fillRef idx="0"/>
+    <cs:effectRef idx="0"/>
+    <cs:fontRef idx="minor">
+      <a:schemeClr val="tx1"/>
+    </cs:fontRef>
+    <cs:spPr>
+      <a:ln w="9525" cap="flat" cmpd="sng" algn="ctr">
+        <a:solidFill>
+          <a:schemeClr val="tx1">
+            <a:lumMod val="35000"/>
+            <a:lumOff val="65000"/>
+          </a:schemeClr>
+        </a:solidFill>
+        <a:round/>
+      </a:ln>
+    </cs:spPr>
+  </cs:dropLine>
+  <cs:errorBar>
+    <cs:lnRef idx="0"/>
+    <cs:fillRef idx="0"/>
+    <cs:effectRef idx="0"/>
+    <cs:fontRef idx="minor">
+      <a:schemeClr val="tx1"/>
+    </cs:fontRef>
+    <cs:spPr>
+      <a:ln w="9525" cap="flat" cmpd="sng" algn="ctr">
+        <a:solidFill>
+          <a:schemeClr val="tx1">
+            <a:lumMod val="65000"/>
+            <a:lumOff val="35000"/>
+          </a:schemeClr>
+        </a:solidFill>
+        <a:round/>
+      </a:ln>
+    </cs:spPr>
+  </cs:errorBar>
+  <cs:floor>
+    <cs:lnRef idx="0"/>
+    <cs:fillRef idx="0"/>
+    <cs:effectRef idx="0"/>
+    <cs:fontRef idx="minor">
+      <a:schemeClr val="tx1"/>
+    </cs:fontRef>
+    <cs:spPr>
+      <a:noFill/>
+      <a:ln>
+        <a:noFill/>
+      </a:ln>
+    </cs:spPr>
+  </cs:floor>
+  <cs:gridlineMajor>
+    <cs:lnRef idx="0"/>
+    <cs:fillRef idx="0"/>
+    <cs:effectRef idx="0"/>
+    <cs:fontRef idx="minor">
+      <a:schemeClr val="tx1"/>
+    </cs:fontRef>
+    <cs:spPr>
+      <a:ln w="9525" cap="flat" cmpd="sng" algn="ctr">
+        <a:solidFill>
+          <a:schemeClr val="tx1">
+            <a:lumMod val="15000"/>
+            <a:lumOff val="85000"/>
+          </a:schemeClr>
+        </a:solidFill>
+        <a:round/>
+      </a:ln>
+    </cs:spPr>
+  </cs:gridlineMajor>
+  <cs:gridlineMinor>
+    <cs:lnRef idx="0"/>
+    <cs:fillRef idx="0"/>
+    <cs:effectRef idx="0"/>
+    <cs:fontRef idx="minor">
+      <a:schemeClr val="tx1"/>
+    </cs:fontRef>
+    <cs:spPr>
+      <a:ln w="9525" cap="flat" cmpd="sng" algn="ctr">
+        <a:solidFill>
+          <a:schemeClr val="tx1">
+            <a:lumMod val="5000"/>
+            <a:lumOff val="95000"/>
+          </a:schemeClr>
+        </a:solidFill>
+        <a:round/>
+      </a:ln>
+    </cs:spPr>
+  </cs:gridlineMinor>
+  <cs:hiLoLine>
+    <cs:lnRef idx="0"/>
+    <cs:fillRef idx="0"/>
+    <cs:effectRef idx="0"/>
+    <cs:fontRef idx="minor">
+      <a:schemeClr val="tx1"/>
+    </cs:fontRef>
+    <cs:spPr>
+      <a:ln w="9525" cap="flat" cmpd="sng" algn="ctr">
+        <a:solidFill>
+          <a:schemeClr val="tx1">
+            <a:lumMod val="75000"/>
+            <a:lumOff val="25000"/>
+          </a:schemeClr>
+        </a:solidFill>
+        <a:round/>
+      </a:ln>
+    </cs:spPr>
+  </cs:hiLoLine>
+  <cs:leaderLine>
+    <cs:lnRef idx="0"/>
+    <cs:fillRef idx="0"/>
+    <cs:effectRef idx="0"/>
+    <cs:fontRef idx="minor">
+      <a:schemeClr val="tx1"/>
+    </cs:fontRef>
+    <cs:spPr>
+      <a:ln w="9525" cap="flat" cmpd="sng" algn="ctr">
+        <a:solidFill>
+          <a:schemeClr val="tx1">
+            <a:lumMod val="35000"/>
+            <a:lumOff val="65000"/>
+          </a:schemeClr>
+        </a:solidFill>
+        <a:round/>
+      </a:ln>
+    </cs:spPr>
+  </cs:leaderLine>
+  <cs:legend>
+    <cs:lnRef idx="0"/>
+    <cs:fillRef idx="0"/>
+    <cs:effectRef idx="0"/>
+    <cs:fontRef idx="minor">
+      <a:schemeClr val="tx1">
+        <a:lumMod val="65000"/>
+        <a:lumOff val="35000"/>
+      </a:schemeClr>
+    </cs:fontRef>
+    <cs:defRPr sz="900" kern="1200"/>
+  </cs:legend>
+  <cs:plotArea mods="allowNoFillOverride allowNoLineOverride">
+    <cs:lnRef idx="0"/>
+    <cs:fillRef idx="0"/>
+    <cs:effectRef idx="0"/>
+    <cs:fontRef idx="minor">
+      <a:schemeClr val="tx1"/>
+    </cs:fontRef>
+  </cs:plotArea>
+  <cs:plotArea3D mods="allowNoFillOverride allowNoLineOverride">
+    <cs:lnRef idx="0"/>
+    <cs:fillRef idx="0"/>
+    <cs:effectRef idx="0"/>
+    <cs:fontRef idx="minor">
+      <a:schemeClr val="tx1"/>
+    </cs:fontRef>
+  </cs:plotArea3D>
+  <cs:seriesAxis>
+    <cs:lnRef idx="0"/>
+    <cs:fillRef idx="0"/>
+    <cs:effectRef idx="0"/>
+    <cs:fontRef idx="minor">
+      <a:schemeClr val="tx1">
+        <a:lumMod val="65000"/>
+        <a:lumOff val="35000"/>
+      </a:schemeClr>
+    </cs:fontRef>
+    <cs:defRPr sz="900" kern="1200"/>
+  </cs:seriesAxis>
+  <cs:seriesLine>
+    <cs:lnRef idx="0"/>
+    <cs:fillRef idx="0"/>
+    <cs:effectRef idx="0"/>
+    <cs:fontRef idx="minor">
+      <a:schemeClr val="tx1"/>
+    </cs:fontRef>
+    <cs:spPr>
+      <a:ln w="9525" cap="flat" cmpd="sng" algn="ctr">
+        <a:solidFill>
+          <a:schemeClr val="tx1">
+            <a:lumMod val="35000"/>
+            <a:lumOff val="65000"/>
+          </a:schemeClr>
+        </a:solidFill>
+        <a:round/>
+      </a:ln>
+    </cs:spPr>
+  </cs:seriesLine>
+  <cs:title>
+    <cs:lnRef idx="0"/>
+    <cs:fillRef idx="0"/>
+    <cs:effectRef idx="0"/>
+    <cs:fontRef idx="minor">
+      <a:schemeClr val="tx1">
+        <a:lumMod val="65000"/>
+        <a:lumOff val="35000"/>
+      </a:schemeClr>
+    </cs:fontRef>
+    <cs:defRPr sz="1400" b="0" kern="1200" spc="0" baseline="0"/>
+  </cs:title>
+  <cs:trendline>
+    <cs:lnRef idx="0">
+      <cs:styleClr val="auto"/>
+    </cs:lnRef>
+    <cs:fillRef idx="0"/>
+    <cs:effectRef idx="0"/>
+    <cs:fontRef idx="minor">
+      <a:schemeClr val="tx1"/>
+    </cs:fontRef>
+    <cs:spPr>
+      <a:ln w="19050" cap="rnd">
+        <a:solidFill>
+          <a:schemeClr val="phClr"/>
+        </a:solidFill>
+        <a:prstDash val="sysDot"/>
+      </a:ln>
+    </cs:spPr>
+  </cs:trendline>
+  <cs:trendlineLabel>
+    <cs:lnRef idx="0"/>
+    <cs:fillRef idx="0"/>
+    <cs:effectRef idx="0"/>
+    <cs:fontRef idx="minor">
+      <a:schemeClr val="tx1">
+        <a:lumMod val="65000"/>
+        <a:lumOff val="35000"/>
+      </a:schemeClr>
+    </cs:fontRef>
+    <cs:defRPr sz="900" kern="1200"/>
+  </cs:trendlineLabel>
+  <cs:upBar>
+    <cs:lnRef idx="0"/>
+    <cs:fillRef idx="0"/>
+    <cs:effectRef idx="0"/>
+    <cs:fontRef idx="minor">
+      <a:schemeClr val="dk1"/>
+    </cs:fontRef>
+    <cs:spPr>
+      <a:solidFill>
+        <a:schemeClr val="lt1"/>
+      </a:solidFill>
+      <a:ln w="9525">
+        <a:solidFill>
+          <a:schemeClr val="tx1">
+            <a:lumMod val="15000"/>
+            <a:lumOff val="85000"/>
+          </a:schemeClr>
+        </a:solidFill>
+      </a:ln>
+    </cs:spPr>
+  </cs:upBar>
+  <cs:valueAxis>
+    <cs:lnRef idx="0"/>
+    <cs:fillRef idx="0"/>
+    <cs:effectRef idx="0"/>
+    <cs:fontRef idx="minor">
+      <a:schemeClr val="tx1">
+        <a:lumMod val="65000"/>
+        <a:lumOff val="35000"/>
+      </a:schemeClr>
+    </cs:fontRef>
+    <cs:defRPr sz="900" kern="1200"/>
+  </cs:valueAxis>
+  <cs:wall>
+    <cs:lnRef idx="0"/>
+    <cs:fillRef idx="0"/>
+    <cs:effectRef idx="0"/>
+    <cs:fontRef idx="minor">
+      <a:schemeClr val="tx1"/>
+    </cs:fontRef>
+    <cs:spPr>
+      <a:noFill/>
+      <a:ln>
+        <a:noFill/>
+      </a:ln>
+    </cs:spPr>
+  </cs:wall>
+</cs:chartStyle>
+</file>
+
+<file path=ppt/charts/style9.xml><?xml version="1.0" encoding="utf-8"?>
 <cs:chartStyle xmlns:cs="http://schemas.microsoft.com/office/drawing/2012/chartStyle" xmlns:a="http://schemas.openxmlformats.org/drawingml/2006/main" id="201">
   <cs:axisTitle>
     <cs:lnRef idx="0"/>
@@ -7364,7 +9358,7 @@
           <a:p>
             <a:fld id="{68796EA6-6F25-4F19-87BA-7ADCC16DAEFF}" type="datetimeFigureOut">
               <a:rPr lang="en-US" smtClean="0"/>
-              <a:t>12/30/2019</a:t>
+              <a:t>1/2/2020</a:t>
             </a:fld>
             <a:endParaRPr lang="en-US" dirty="0"/>
           </a:p>
@@ -7529,7 +9523,7 @@
           <a:p>
             <a:fld id="{C39C172E-A8B5-46F6-B05C-DFA3E2E0F207}" type="datetimeFigureOut">
               <a:rPr lang="en-US" smtClean="0"/>
-              <a:t>12/30/2019</a:t>
+              <a:t>1/2/2020</a:t>
             </a:fld>
             <a:endParaRPr lang="en-US" dirty="0"/>
           </a:p>
@@ -7880,6 +9874,498 @@
 </p:notes>
 </file>
 
+<file path=ppt/notesSlides/notesSlide10.xml><?xml version="1.0" encoding="utf-8"?>
+<p:notes xmlns:a="http://schemas.openxmlformats.org/drawingml/2006/main" xmlns:r="http://schemas.openxmlformats.org/officeDocument/2006/relationships" xmlns:p="http://schemas.openxmlformats.org/presentationml/2006/main">
+  <p:cSld>
+    <p:spTree>
+      <p:nvGrpSpPr>
+        <p:cNvPr id="1" name=""/>
+        <p:cNvGrpSpPr/>
+        <p:nvPr/>
+      </p:nvGrpSpPr>
+      <p:grpSpPr>
+        <a:xfrm>
+          <a:off x="0" y="0"/>
+          <a:ext cx="0" cy="0"/>
+          <a:chOff x="0" y="0"/>
+          <a:chExt cx="0" cy="0"/>
+        </a:xfrm>
+      </p:grpSpPr>
+      <p:sp>
+        <p:nvSpPr>
+          <p:cNvPr id="2" name="Slide Image Placeholder 1"/>
+          <p:cNvSpPr>
+            <a:spLocks noGrp="1" noRot="1" noChangeAspect="1"/>
+          </p:cNvSpPr>
+          <p:nvPr>
+            <p:ph type="sldImg"/>
+          </p:nvPr>
+        </p:nvSpPr>
+        <p:spPr/>
+      </p:sp>
+      <p:sp>
+        <p:nvSpPr>
+          <p:cNvPr id="3" name="Notes Placeholder 2"/>
+          <p:cNvSpPr>
+            <a:spLocks noGrp="1"/>
+          </p:cNvSpPr>
+          <p:nvPr>
+            <p:ph type="body" idx="1"/>
+          </p:nvPr>
+        </p:nvSpPr>
+        <p:spPr/>
+        <p:txBody>
+          <a:bodyPr/>
+          <a:lstStyle/>
+          <a:p>
+            <a:r>
+              <a:rPr lang="en-US" dirty="0"/>
+              <a:t>Looking at the top 10 counties for unemployment, we only see a correlation between 3 of the top 10 counties.</a:t>
+            </a:r>
+          </a:p>
+        </p:txBody>
+      </p:sp>
+      <p:sp>
+        <p:nvSpPr>
+          <p:cNvPr id="4" name="Slide Number Placeholder 3"/>
+          <p:cNvSpPr>
+            <a:spLocks noGrp="1"/>
+          </p:cNvSpPr>
+          <p:nvPr>
+            <p:ph type="sldNum" sz="quarter" idx="5"/>
+          </p:nvPr>
+        </p:nvSpPr>
+        <p:spPr/>
+        <p:txBody>
+          <a:bodyPr/>
+          <a:lstStyle/>
+          <a:p>
+            <a:fld id="{32674CE4-FBD8-4481-AEFB-CA53E599A745}" type="slidenum">
+              <a:rPr lang="en-US" smtClean="0"/>
+              <a:t>12</a:t>
+            </a:fld>
+            <a:endParaRPr lang="en-US" dirty="0"/>
+          </a:p>
+        </p:txBody>
+      </p:sp>
+    </p:spTree>
+    <p:extLst>
+      <p:ext uri="{BB962C8B-B14F-4D97-AF65-F5344CB8AC3E}">
+        <p14:creationId xmlns:p14="http://schemas.microsoft.com/office/powerpoint/2010/main" val="171435814"/>
+      </p:ext>
+    </p:extLst>
+  </p:cSld>
+  <p:clrMapOvr>
+    <a:masterClrMapping/>
+  </p:clrMapOvr>
+</p:notes>
+</file>
+
+<file path=ppt/notesSlides/notesSlide11.xml><?xml version="1.0" encoding="utf-8"?>
+<p:notes xmlns:a="http://schemas.openxmlformats.org/drawingml/2006/main" xmlns:r="http://schemas.openxmlformats.org/officeDocument/2006/relationships" xmlns:p="http://schemas.openxmlformats.org/presentationml/2006/main">
+  <p:cSld>
+    <p:spTree>
+      <p:nvGrpSpPr>
+        <p:cNvPr id="1" name=""/>
+        <p:cNvGrpSpPr/>
+        <p:nvPr/>
+      </p:nvGrpSpPr>
+      <p:grpSpPr>
+        <a:xfrm>
+          <a:off x="0" y="0"/>
+          <a:ext cx="0" cy="0"/>
+          <a:chOff x="0" y="0"/>
+          <a:chExt cx="0" cy="0"/>
+        </a:xfrm>
+      </p:grpSpPr>
+      <p:sp>
+        <p:nvSpPr>
+          <p:cNvPr id="2" name="Slide Image Placeholder 1"/>
+          <p:cNvSpPr>
+            <a:spLocks noGrp="1" noRot="1" noChangeAspect="1"/>
+          </p:cNvSpPr>
+          <p:nvPr>
+            <p:ph type="sldImg"/>
+          </p:nvPr>
+        </p:nvSpPr>
+        <p:spPr/>
+      </p:sp>
+      <p:sp>
+        <p:nvSpPr>
+          <p:cNvPr id="3" name="Notes Placeholder 2"/>
+          <p:cNvSpPr>
+            <a:spLocks noGrp="1"/>
+          </p:cNvSpPr>
+          <p:nvPr>
+            <p:ph type="body" idx="1"/>
+          </p:nvPr>
+        </p:nvSpPr>
+        <p:spPr/>
+        <p:txBody>
+          <a:bodyPr/>
+          <a:lstStyle/>
+          <a:p>
+            <a:r>
+              <a:rPr lang="en-US" sz="1200" b="0" i="0" kern="1200" dirty="0">
+                <a:solidFill>
+                  <a:schemeClr val="tx1"/>
+                </a:solidFill>
+                <a:effectLst/>
+                <a:latin typeface="+mn-lt"/>
+                <a:ea typeface="+mn-ea"/>
+                <a:cs typeface="+mn-cs"/>
+              </a:rPr>
+              <a:t>The County Health Rankings &amp; Roadmaps program lists for 2019 that </a:t>
+            </a:r>
+            <a:r>
+              <a:rPr lang="en-US" dirty="0"/>
+              <a:t>Hancock County ranks 95</a:t>
+            </a:r>
+            <a:r>
+              <a:rPr lang="en-US" baseline="30000" dirty="0"/>
+              <a:t>th</a:t>
+            </a:r>
+            <a:r>
+              <a:rPr lang="en-US" dirty="0"/>
+              <a:t> out of 95 Tennessee counties when it comes to social and economic factors.  Children in poverty is doubled the Tennessee percentage.</a:t>
+            </a:r>
+          </a:p>
+        </p:txBody>
+      </p:sp>
+      <p:sp>
+        <p:nvSpPr>
+          <p:cNvPr id="4" name="Slide Number Placeholder 3"/>
+          <p:cNvSpPr>
+            <a:spLocks noGrp="1"/>
+          </p:cNvSpPr>
+          <p:nvPr>
+            <p:ph type="sldNum" sz="quarter" idx="5"/>
+          </p:nvPr>
+        </p:nvSpPr>
+        <p:spPr/>
+        <p:txBody>
+          <a:bodyPr/>
+          <a:lstStyle/>
+          <a:p>
+            <a:fld id="{32674CE4-FBD8-4481-AEFB-CA53E599A745}" type="slidenum">
+              <a:rPr lang="en-US" smtClean="0"/>
+              <a:t>13</a:t>
+            </a:fld>
+            <a:endParaRPr lang="en-US" dirty="0"/>
+          </a:p>
+        </p:txBody>
+      </p:sp>
+    </p:spTree>
+    <p:extLst>
+      <p:ext uri="{BB962C8B-B14F-4D97-AF65-F5344CB8AC3E}">
+        <p14:creationId xmlns:p14="http://schemas.microsoft.com/office/powerpoint/2010/main" val="2958048595"/>
+      </p:ext>
+    </p:extLst>
+  </p:cSld>
+  <p:clrMapOvr>
+    <a:masterClrMapping/>
+  </p:clrMapOvr>
+</p:notes>
+</file>
+
+<file path=ppt/notesSlides/notesSlide12.xml><?xml version="1.0" encoding="utf-8"?>
+<p:notes xmlns:a="http://schemas.openxmlformats.org/drawingml/2006/main" xmlns:r="http://schemas.openxmlformats.org/officeDocument/2006/relationships" xmlns:p="http://schemas.openxmlformats.org/presentationml/2006/main">
+  <p:cSld>
+    <p:spTree>
+      <p:nvGrpSpPr>
+        <p:cNvPr id="1" name=""/>
+        <p:cNvGrpSpPr/>
+        <p:nvPr/>
+      </p:nvGrpSpPr>
+      <p:grpSpPr>
+        <a:xfrm>
+          <a:off x="0" y="0"/>
+          <a:ext cx="0" cy="0"/>
+          <a:chOff x="0" y="0"/>
+          <a:chExt cx="0" cy="0"/>
+        </a:xfrm>
+      </p:grpSpPr>
+      <p:sp>
+        <p:nvSpPr>
+          <p:cNvPr id="2" name="Slide Image Placeholder 1"/>
+          <p:cNvSpPr>
+            <a:spLocks noGrp="1" noRot="1" noChangeAspect="1"/>
+          </p:cNvSpPr>
+          <p:nvPr>
+            <p:ph type="sldImg"/>
+          </p:nvPr>
+        </p:nvSpPr>
+        <p:spPr/>
+      </p:sp>
+      <p:sp>
+        <p:nvSpPr>
+          <p:cNvPr id="3" name="Notes Placeholder 2"/>
+          <p:cNvSpPr>
+            <a:spLocks noGrp="1"/>
+          </p:cNvSpPr>
+          <p:nvPr>
+            <p:ph type="body" idx="1"/>
+          </p:nvPr>
+        </p:nvSpPr>
+        <p:spPr/>
+        <p:txBody>
+          <a:bodyPr/>
+          <a:lstStyle/>
+          <a:p>
+            <a:r>
+              <a:rPr lang="en-US" dirty="0"/>
+              <a:t>Grundy County ranks 85</a:t>
+            </a:r>
+            <a:r>
+              <a:rPr lang="en-US" baseline="30000" dirty="0"/>
+              <a:t>th</a:t>
+            </a:r>
+            <a:r>
+              <a:rPr lang="en-US" dirty="0"/>
+              <a:t> out of 95 Tennessee counties when it comes to social and economic factors and was named by 24/7 Wall Street as the worst place in TN to live. </a:t>
+            </a:r>
+            <a:r>
+              <a:rPr lang="en-US" sz="1200" b="0" i="0" kern="1200" dirty="0">
+                <a:solidFill>
+                  <a:schemeClr val="tx1"/>
+                </a:solidFill>
+                <a:effectLst/>
+                <a:latin typeface="+mn-lt"/>
+                <a:ea typeface="+mn-ea"/>
+                <a:cs typeface="+mn-cs"/>
+              </a:rPr>
+              <a:t>Grundy has no hospital, no college, no major retailers and no dentist.</a:t>
+            </a:r>
+            <a:endParaRPr lang="en-US" dirty="0"/>
+          </a:p>
+        </p:txBody>
+      </p:sp>
+      <p:sp>
+        <p:nvSpPr>
+          <p:cNvPr id="4" name="Slide Number Placeholder 3"/>
+          <p:cNvSpPr>
+            <a:spLocks noGrp="1"/>
+          </p:cNvSpPr>
+          <p:nvPr>
+            <p:ph type="sldNum" sz="quarter" idx="5"/>
+          </p:nvPr>
+        </p:nvSpPr>
+        <p:spPr/>
+        <p:txBody>
+          <a:bodyPr/>
+          <a:lstStyle/>
+          <a:p>
+            <a:fld id="{32674CE4-FBD8-4481-AEFB-CA53E599A745}" type="slidenum">
+              <a:rPr lang="en-US" smtClean="0"/>
+              <a:t>14</a:t>
+            </a:fld>
+            <a:endParaRPr lang="en-US" dirty="0"/>
+          </a:p>
+        </p:txBody>
+      </p:sp>
+    </p:spTree>
+    <p:extLst>
+      <p:ext uri="{BB962C8B-B14F-4D97-AF65-F5344CB8AC3E}">
+        <p14:creationId xmlns:p14="http://schemas.microsoft.com/office/powerpoint/2010/main" val="4172326258"/>
+      </p:ext>
+    </p:extLst>
+  </p:cSld>
+  <p:clrMapOvr>
+    <a:masterClrMapping/>
+  </p:clrMapOvr>
+</p:notes>
+</file>
+
+<file path=ppt/notesSlides/notesSlide13.xml><?xml version="1.0" encoding="utf-8"?>
+<p:notes xmlns:a="http://schemas.openxmlformats.org/drawingml/2006/main" xmlns:r="http://schemas.openxmlformats.org/officeDocument/2006/relationships" xmlns:p="http://schemas.openxmlformats.org/presentationml/2006/main">
+  <p:cSld>
+    <p:spTree>
+      <p:nvGrpSpPr>
+        <p:cNvPr id="1" name=""/>
+        <p:cNvGrpSpPr/>
+        <p:nvPr/>
+      </p:nvGrpSpPr>
+      <p:grpSpPr>
+        <a:xfrm>
+          <a:off x="0" y="0"/>
+          <a:ext cx="0" cy="0"/>
+          <a:chOff x="0" y="0"/>
+          <a:chExt cx="0" cy="0"/>
+        </a:xfrm>
+      </p:grpSpPr>
+      <p:sp>
+        <p:nvSpPr>
+          <p:cNvPr id="2" name="Slide Image Placeholder 1"/>
+          <p:cNvSpPr>
+            <a:spLocks noGrp="1" noRot="1" noChangeAspect="1"/>
+          </p:cNvSpPr>
+          <p:nvPr>
+            <p:ph type="sldImg"/>
+          </p:nvPr>
+        </p:nvSpPr>
+        <p:spPr/>
+      </p:sp>
+      <p:sp>
+        <p:nvSpPr>
+          <p:cNvPr id="3" name="Notes Placeholder 2"/>
+          <p:cNvSpPr>
+            <a:spLocks noGrp="1"/>
+          </p:cNvSpPr>
+          <p:nvPr>
+            <p:ph type="body" idx="1"/>
+          </p:nvPr>
+        </p:nvSpPr>
+        <p:spPr/>
+        <p:txBody>
+          <a:bodyPr/>
+          <a:lstStyle/>
+          <a:p>
+            <a:r>
+              <a:rPr lang="en-US" dirty="0"/>
+              <a:t>I created a Power BI dashboard that allows you to see view the annual Poverty, Birth, Unemployment and Enrollment numbers by region and by county</a:t>
+            </a:r>
+          </a:p>
+        </p:txBody>
+      </p:sp>
+      <p:sp>
+        <p:nvSpPr>
+          <p:cNvPr id="4" name="Slide Number Placeholder 3"/>
+          <p:cNvSpPr>
+            <a:spLocks noGrp="1"/>
+          </p:cNvSpPr>
+          <p:nvPr>
+            <p:ph type="sldNum" sz="quarter" idx="5"/>
+          </p:nvPr>
+        </p:nvSpPr>
+        <p:spPr/>
+        <p:txBody>
+          <a:bodyPr/>
+          <a:lstStyle/>
+          <a:p>
+            <a:fld id="{32674CE4-FBD8-4481-AEFB-CA53E599A745}" type="slidenum">
+              <a:rPr lang="en-US" smtClean="0"/>
+              <a:t>15</a:t>
+            </a:fld>
+            <a:endParaRPr lang="en-US" dirty="0"/>
+          </a:p>
+        </p:txBody>
+      </p:sp>
+    </p:spTree>
+    <p:extLst>
+      <p:ext uri="{BB962C8B-B14F-4D97-AF65-F5344CB8AC3E}">
+        <p14:creationId xmlns:p14="http://schemas.microsoft.com/office/powerpoint/2010/main" val="1954229621"/>
+      </p:ext>
+    </p:extLst>
+  </p:cSld>
+  <p:clrMapOvr>
+    <a:masterClrMapping/>
+  </p:clrMapOvr>
+</p:notes>
+</file>
+
+<file path=ppt/notesSlides/notesSlide14.xml><?xml version="1.0" encoding="utf-8"?>
+<p:notes xmlns:a="http://schemas.openxmlformats.org/drawingml/2006/main" xmlns:r="http://schemas.openxmlformats.org/officeDocument/2006/relationships" xmlns:p="http://schemas.openxmlformats.org/presentationml/2006/main">
+  <p:cSld>
+    <p:spTree>
+      <p:nvGrpSpPr>
+        <p:cNvPr id="1" name=""/>
+        <p:cNvGrpSpPr/>
+        <p:nvPr/>
+      </p:nvGrpSpPr>
+      <p:grpSpPr>
+        <a:xfrm>
+          <a:off x="0" y="0"/>
+          <a:ext cx="0" cy="0"/>
+          <a:chOff x="0" y="0"/>
+          <a:chExt cx="0" cy="0"/>
+        </a:xfrm>
+      </p:grpSpPr>
+      <p:sp>
+        <p:nvSpPr>
+          <p:cNvPr id="2" name="Slide Image Placeholder 1"/>
+          <p:cNvSpPr>
+            <a:spLocks noGrp="1" noRot="1" noChangeAspect="1"/>
+          </p:cNvSpPr>
+          <p:nvPr>
+            <p:ph type="sldImg"/>
+          </p:nvPr>
+        </p:nvSpPr>
+        <p:spPr/>
+      </p:sp>
+      <p:sp>
+        <p:nvSpPr>
+          <p:cNvPr id="3" name="Notes Placeholder 2"/>
+          <p:cNvSpPr>
+            <a:spLocks noGrp="1"/>
+          </p:cNvSpPr>
+          <p:nvPr>
+            <p:ph type="body" idx="1"/>
+          </p:nvPr>
+        </p:nvSpPr>
+        <p:spPr/>
+        <p:txBody>
+          <a:bodyPr/>
+          <a:lstStyle/>
+          <a:p>
+            <a:r>
+              <a:rPr lang="en-US" dirty="0"/>
+              <a:t>Based on these findings, it is determined that the poverty rate is the main contributing factor to </a:t>
+            </a:r>
+            <a:r>
+              <a:rPr lang="en-US" dirty="0" err="1"/>
+              <a:t>TennCare</a:t>
+            </a:r>
+            <a:r>
+              <a:rPr lang="en-US" dirty="0"/>
+              <a:t> enrollment and if those numbers could be improved upon, </a:t>
+            </a:r>
+            <a:r>
+              <a:rPr lang="en-US" dirty="0" err="1"/>
+              <a:t>TennCare</a:t>
+            </a:r>
+            <a:r>
+              <a:rPr lang="en-US" dirty="0"/>
+              <a:t> enrollment numbers should also improve.</a:t>
+            </a:r>
+          </a:p>
+        </p:txBody>
+      </p:sp>
+      <p:sp>
+        <p:nvSpPr>
+          <p:cNvPr id="4" name="Slide Number Placeholder 3"/>
+          <p:cNvSpPr>
+            <a:spLocks noGrp="1"/>
+          </p:cNvSpPr>
+          <p:nvPr>
+            <p:ph type="sldNum" sz="quarter" idx="5"/>
+          </p:nvPr>
+        </p:nvSpPr>
+        <p:spPr/>
+        <p:txBody>
+          <a:bodyPr/>
+          <a:lstStyle/>
+          <a:p>
+            <a:fld id="{32674CE4-FBD8-4481-AEFB-CA53E599A745}" type="slidenum">
+              <a:rPr lang="en-US" smtClean="0"/>
+              <a:t>16</a:t>
+            </a:fld>
+            <a:endParaRPr lang="en-US" dirty="0"/>
+          </a:p>
+        </p:txBody>
+      </p:sp>
+    </p:spTree>
+    <p:extLst>
+      <p:ext uri="{BB962C8B-B14F-4D97-AF65-F5344CB8AC3E}">
+        <p14:creationId xmlns:p14="http://schemas.microsoft.com/office/powerpoint/2010/main" val="361399619"/>
+      </p:ext>
+    </p:extLst>
+  </p:cSld>
+  <p:clrMapOvr>
+    <a:masterClrMapping/>
+  </p:clrMapOvr>
+</p:notes>
+</file>
+
 <file path=ppt/notesSlides/notesSlide2.xml><?xml version="1.0" encoding="utf-8"?>
 <p:notes xmlns:a="http://schemas.openxmlformats.org/drawingml/2006/main" xmlns:r="http://schemas.openxmlformats.org/officeDocument/2006/relationships" xmlns:p="http://schemas.openxmlformats.org/presentationml/2006/main">
   <p:cSld>
@@ -7926,11 +10412,8 @@
           <a:p>
             <a:r>
               <a:rPr lang="en-US" dirty="0"/>
-              <a:t>Lesson descriptions should be brief.</a:t>
+              <a:t>Medicaid is a federal program that began in the 80’s and is the largest source of medical/health-related services for those with low income.</a:t>
             </a:r>
-          </a:p>
-          <a:p>
-            <a:endParaRPr lang="en-US" dirty="0"/>
           </a:p>
         </p:txBody>
       </p:sp>
@@ -8019,19 +10502,18 @@
               <a:buChar char="•"/>
             </a:pPr>
             <a:r>
-              <a:rPr lang="en-US" dirty="0"/>
-              <a:t>How presentation will benefit audience: Adult learners are more interested in a subject if they know how or why it is important to them.</a:t>
+              <a:rPr lang="en-US" dirty="0" err="1"/>
+              <a:t>TennCare</a:t>
             </a:r>
-          </a:p>
-          <a:p>
-            <a:pPr marL="171450" indent="-171450">
-              <a:buFont typeface="Arial" panose="020B0604020202020204" pitchFamily="34" charset="0"/>
-              <a:buChar char="•"/>
-            </a:pPr>
             <a:r>
               <a:rPr lang="en-US" dirty="0"/>
-              <a:t>Presenter’s level of expertise in the subject: Briefly state your credentials in this area, or explain why participants should listen to you.</a:t>
+              <a:t> is Tennessee’s Medicaid program with about 1.4 million members and an annual budget of 12 billion.  As mentioned, it’s </a:t>
             </a:r>
+            <a:r>
+              <a:rPr lang="en-US" sz="1200" dirty="0"/>
+              <a:t>members are primarily low-income pregnant women, children and individuals who are elderly or have a disability</a:t>
+            </a:r>
+            <a:endParaRPr lang="en-US" dirty="0"/>
           </a:p>
         </p:txBody>
       </p:sp>
@@ -8116,48 +10598,16 @@
           <a:lstStyle/>
           <a:p>
             <a:r>
-              <a:rPr lang="en-US" b="1" dirty="0"/>
-              <a:t>Example objectives</a:t>
+              <a:rPr lang="en-US" dirty="0"/>
+              <a:t>Over the last 9 years, the number of </a:t>
             </a:r>
-          </a:p>
-          <a:p>
-            <a:pPr marL="0" indent="0">
-              <a:buFont typeface="Arial" panose="020B0604020202020204" pitchFamily="34" charset="0"/>
-              <a:buNone/>
-            </a:pPr>
+            <a:r>
+              <a:rPr lang="en-US" dirty="0" err="1"/>
+              <a:t>TennCare</a:t>
+            </a:r>
             <a:r>
               <a:rPr lang="en-US" dirty="0"/>
-              <a:t>At the end of this lesson, you will be able to:</a:t>
-            </a:r>
-          </a:p>
-          <a:p>
-            <a:pPr marL="171450" indent="-171450">
-              <a:buFont typeface="Arial" panose="020B0604020202020204" pitchFamily="34" charset="0"/>
-              <a:buChar char="•"/>
-            </a:pPr>
-            <a:r>
-              <a:rPr lang="en-US" dirty="0"/>
-              <a:t>Save files to the team Web server.</a:t>
-            </a:r>
-          </a:p>
-          <a:p>
-            <a:pPr marL="171450" indent="-171450">
-              <a:buFont typeface="Arial" panose="020B0604020202020204" pitchFamily="34" charset="0"/>
-              <a:buChar char="•"/>
-            </a:pPr>
-            <a:r>
-              <a:rPr lang="en-US" dirty="0"/>
-              <a:t>Move files to different locations on the team Web server.</a:t>
-            </a:r>
-          </a:p>
-          <a:p>
-            <a:pPr marL="171450" indent="-171450">
-              <a:buFont typeface="Arial" panose="020B0604020202020204" pitchFamily="34" charset="0"/>
-              <a:buChar char="•"/>
-            </a:pPr>
-            <a:r>
-              <a:rPr lang="en-US" dirty="0"/>
-              <a:t>Share files on the team Web server.</a:t>
+              <a:t> members has remained mostly constant with an increase starting in 2015.  Minimal changes from 2010 – 2014 and a decent spike in 2015 with the numbers starting to return to earlier rates in 2018</a:t>
             </a:r>
           </a:p>
           <a:p>
@@ -8185,7 +10635,7 @@
           <a:p>
             <a:fld id="{CF2FD335-6D8E-486A-8F5F-DFC7325903FF}" type="slidenum">
               <a:rPr lang="en-US" smtClean="0"/>
-              <a:t>4</a:t>
+              <a:t>6</a:t>
             </a:fld>
             <a:endParaRPr lang="en-US" dirty="0"/>
           </a:p>
@@ -8248,7 +10698,18 @@
           <a:bodyPr/>
           <a:lstStyle/>
           <a:p>
-            <a:endParaRPr lang="en-US" dirty="0"/>
+            <a:r>
+              <a:rPr lang="en-US" dirty="0"/>
+              <a:t>Birth rate changes mirrors enrollment changes some but not enough to list it as a primary factor.  Notice in 2015, </a:t>
+            </a:r>
+            <a:r>
+              <a:rPr lang="en-US" dirty="0" err="1"/>
+              <a:t>TennCare</a:t>
+            </a:r>
+            <a:r>
+              <a:rPr lang="en-US" dirty="0"/>
+              <a:t> enrollment spikes while the birth rates start to shrink.</a:t>
+            </a:r>
           </a:p>
         </p:txBody>
       </p:sp>
@@ -8259,7 +10720,7 @@
             <a:spLocks noGrp="1"/>
           </p:cNvSpPr>
           <p:nvPr>
-            <p:ph type="sldNum" sz="quarter" idx="10"/>
+            <p:ph type="sldNum" sz="quarter" idx="5"/>
           </p:nvPr>
         </p:nvSpPr>
         <p:spPr/>
@@ -8267,7 +10728,7 @@
           <a:bodyPr/>
           <a:lstStyle/>
           <a:p>
-            <a:fld id="{5800B302-F4DC-4547-9C74-CF794137D166}" type="slidenum">
+            <a:fld id="{32674CE4-FBD8-4481-AEFB-CA53E599A745}" type="slidenum">
               <a:rPr lang="en-US" smtClean="0"/>
               <a:t>7</a:t>
             </a:fld>
@@ -8278,7 +10739,7 @@
     </p:spTree>
     <p:extLst>
       <p:ext uri="{BB962C8B-B14F-4D97-AF65-F5344CB8AC3E}">
-        <p14:creationId xmlns:p14="http://schemas.microsoft.com/office/powerpoint/2010/main" val="908655586"/>
+        <p14:creationId xmlns:p14="http://schemas.microsoft.com/office/powerpoint/2010/main" val="1301534398"/>
       </p:ext>
     </p:extLst>
   </p:cSld>
@@ -8334,15 +10795,7 @@
           <a:p>
             <a:r>
               <a:rPr lang="en-US" dirty="0"/>
-              <a:t>Hancock County ranks 95</a:t>
-            </a:r>
-            <a:r>
-              <a:rPr lang="en-US" baseline="30000" dirty="0"/>
-              <a:t>th</a:t>
-            </a:r>
-            <a:r>
-              <a:rPr lang="en-US" dirty="0"/>
-              <a:t> out of 95 Tennessee counties when it comes to social and economic factors.  Children in poverty is doubled the Tennessee percentage.</a:t>
+              <a:t>Population rate changes shows no correlation </a:t>
             </a:r>
           </a:p>
         </p:txBody>
@@ -8364,7 +10817,7 @@
           <a:p>
             <a:fld id="{32674CE4-FBD8-4481-AEFB-CA53E599A745}" type="slidenum">
               <a:rPr lang="en-US" smtClean="0"/>
-              <a:t>10</a:t>
+              <a:t>8</a:t>
             </a:fld>
             <a:endParaRPr lang="en-US" dirty="0"/>
           </a:p>
@@ -8373,7 +10826,7 @@
     </p:spTree>
     <p:extLst>
       <p:ext uri="{BB962C8B-B14F-4D97-AF65-F5344CB8AC3E}">
-        <p14:creationId xmlns:p14="http://schemas.microsoft.com/office/powerpoint/2010/main" val="2958048595"/>
+        <p14:creationId xmlns:p14="http://schemas.microsoft.com/office/powerpoint/2010/main" val="45619320"/>
       </p:ext>
     </p:extLst>
   </p:cSld>
@@ -8429,29 +10882,95 @@
           <a:p>
             <a:r>
               <a:rPr lang="en-US" dirty="0"/>
-              <a:t>Grundy County ranks 85</a:t>
+              <a:t>Unemployment also shows no correlation outside of a couple years</a:t>
             </a:r>
-            <a:r>
-              <a:rPr lang="en-US" baseline="30000" dirty="0"/>
-              <a:t>th</a:t>
-            </a:r>
+          </a:p>
+        </p:txBody>
+      </p:sp>
+      <p:sp>
+        <p:nvSpPr>
+          <p:cNvPr id="4" name="Slide Number Placeholder 3"/>
+          <p:cNvSpPr>
+            <a:spLocks noGrp="1"/>
+          </p:cNvSpPr>
+          <p:nvPr>
+            <p:ph type="sldNum" sz="quarter" idx="10"/>
+          </p:nvPr>
+        </p:nvSpPr>
+        <p:spPr/>
+        <p:txBody>
+          <a:bodyPr/>
+          <a:lstStyle/>
+          <a:p>
+            <a:fld id="{5800B302-F4DC-4547-9C74-CF794137D166}" type="slidenum">
+              <a:rPr lang="en-US" smtClean="0"/>
+              <a:t>9</a:t>
+            </a:fld>
+            <a:endParaRPr lang="en-US" dirty="0"/>
+          </a:p>
+        </p:txBody>
+      </p:sp>
+    </p:spTree>
+    <p:extLst>
+      <p:ext uri="{BB962C8B-B14F-4D97-AF65-F5344CB8AC3E}">
+        <p14:creationId xmlns:p14="http://schemas.microsoft.com/office/powerpoint/2010/main" val="908655586"/>
+      </p:ext>
+    </p:extLst>
+  </p:cSld>
+  <p:clrMapOvr>
+    <a:masterClrMapping/>
+  </p:clrMapOvr>
+</p:notes>
+</file>
+
+<file path=ppt/notesSlides/notesSlide8.xml><?xml version="1.0" encoding="utf-8"?>
+<p:notes xmlns:a="http://schemas.openxmlformats.org/drawingml/2006/main" xmlns:r="http://schemas.openxmlformats.org/officeDocument/2006/relationships" xmlns:p="http://schemas.openxmlformats.org/presentationml/2006/main">
+  <p:cSld>
+    <p:spTree>
+      <p:nvGrpSpPr>
+        <p:cNvPr id="1" name=""/>
+        <p:cNvGrpSpPr/>
+        <p:nvPr/>
+      </p:nvGrpSpPr>
+      <p:grpSpPr>
+        <a:xfrm>
+          <a:off x="0" y="0"/>
+          <a:ext cx="0" cy="0"/>
+          <a:chOff x="0" y="0"/>
+          <a:chExt cx="0" cy="0"/>
+        </a:xfrm>
+      </p:grpSpPr>
+      <p:sp>
+        <p:nvSpPr>
+          <p:cNvPr id="2" name="Slide Image Placeholder 1"/>
+          <p:cNvSpPr>
+            <a:spLocks noGrp="1" noRot="1" noChangeAspect="1"/>
+          </p:cNvSpPr>
+          <p:nvPr>
+            <p:ph type="sldImg"/>
+          </p:nvPr>
+        </p:nvSpPr>
+        <p:spPr/>
+      </p:sp>
+      <p:sp>
+        <p:nvSpPr>
+          <p:cNvPr id="3" name="Notes Placeholder 2"/>
+          <p:cNvSpPr>
+            <a:spLocks noGrp="1"/>
+          </p:cNvSpPr>
+          <p:nvPr>
+            <p:ph type="body" idx="1"/>
+          </p:nvPr>
+        </p:nvSpPr>
+        <p:spPr/>
+        <p:txBody>
+          <a:bodyPr/>
+          <a:lstStyle/>
+          <a:p>
             <a:r>
               <a:rPr lang="en-US" dirty="0"/>
-              <a:t> out of 95 Tennessee counties when it comes to social and economic factors and was named by 24/7 Wall Street as the worst place in TN to live. </a:t>
+              <a:t>Poverty rate changes on the other hand mirror enrollment changes every year</a:t>
             </a:r>
-            <a:r>
-              <a:rPr lang="en-US" sz="1200" b="0" i="0" kern="1200" dirty="0">
-                <a:solidFill>
-                  <a:schemeClr val="tx1"/>
-                </a:solidFill>
-                <a:effectLst/>
-                <a:latin typeface="+mn-lt"/>
-                <a:ea typeface="+mn-ea"/>
-                <a:cs typeface="+mn-cs"/>
-              </a:rPr>
-              <a:t>Grundy has no hospital, no college, no major retailers and no dentist.</a:t>
-            </a:r>
-            <a:endParaRPr lang="en-US" dirty="0"/>
           </a:p>
         </p:txBody>
       </p:sp>
@@ -8472,7 +10991,7 @@
           <a:p>
             <a:fld id="{32674CE4-FBD8-4481-AEFB-CA53E599A745}" type="slidenum">
               <a:rPr lang="en-US" smtClean="0"/>
-              <a:t>11</a:t>
+              <a:t>10</a:t>
             </a:fld>
             <a:endParaRPr lang="en-US" dirty="0"/>
           </a:p>
@@ -8481,7 +11000,102 @@
     </p:spTree>
     <p:extLst>
       <p:ext uri="{BB962C8B-B14F-4D97-AF65-F5344CB8AC3E}">
-        <p14:creationId xmlns:p14="http://schemas.microsoft.com/office/powerpoint/2010/main" val="4172326258"/>
+        <p14:creationId xmlns:p14="http://schemas.microsoft.com/office/powerpoint/2010/main" val="358908155"/>
+      </p:ext>
+    </p:extLst>
+  </p:cSld>
+  <p:clrMapOvr>
+    <a:masterClrMapping/>
+  </p:clrMapOvr>
+</p:notes>
+</file>
+
+<file path=ppt/notesSlides/notesSlide9.xml><?xml version="1.0" encoding="utf-8"?>
+<p:notes xmlns:a="http://schemas.openxmlformats.org/drawingml/2006/main" xmlns:r="http://schemas.openxmlformats.org/officeDocument/2006/relationships" xmlns:p="http://schemas.openxmlformats.org/presentationml/2006/main">
+  <p:cSld>
+    <p:spTree>
+      <p:nvGrpSpPr>
+        <p:cNvPr id="1" name=""/>
+        <p:cNvGrpSpPr/>
+        <p:nvPr/>
+      </p:nvGrpSpPr>
+      <p:grpSpPr>
+        <a:xfrm>
+          <a:off x="0" y="0"/>
+          <a:ext cx="0" cy="0"/>
+          <a:chOff x="0" y="0"/>
+          <a:chExt cx="0" cy="0"/>
+        </a:xfrm>
+      </p:grpSpPr>
+      <p:sp>
+        <p:nvSpPr>
+          <p:cNvPr id="2" name="Slide Image Placeholder 1"/>
+          <p:cNvSpPr>
+            <a:spLocks noGrp="1" noRot="1" noChangeAspect="1"/>
+          </p:cNvSpPr>
+          <p:nvPr>
+            <p:ph type="sldImg"/>
+          </p:nvPr>
+        </p:nvSpPr>
+        <p:spPr/>
+      </p:sp>
+      <p:sp>
+        <p:nvSpPr>
+          <p:cNvPr id="3" name="Notes Placeholder 2"/>
+          <p:cNvSpPr>
+            <a:spLocks noGrp="1"/>
+          </p:cNvSpPr>
+          <p:nvPr>
+            <p:ph type="body" idx="1"/>
+          </p:nvPr>
+        </p:nvSpPr>
+        <p:spPr/>
+        <p:txBody>
+          <a:bodyPr/>
+          <a:lstStyle/>
+          <a:p>
+            <a:r>
+              <a:rPr lang="en-US" dirty="0"/>
+              <a:t>As we start comparing the top 10 counties for Poverty and Enrollment, we see that 7 of the top 10 counties with the highest rates of </a:t>
+            </a:r>
+            <a:r>
+              <a:rPr lang="en-US" dirty="0" err="1"/>
+              <a:t>TennCare</a:t>
+            </a:r>
+            <a:r>
+              <a:rPr lang="en-US" dirty="0"/>
+              <a:t> enrollment are also in the top 10 counties with the highest poverty rate.</a:t>
+            </a:r>
+          </a:p>
+        </p:txBody>
+      </p:sp>
+      <p:sp>
+        <p:nvSpPr>
+          <p:cNvPr id="4" name="Slide Number Placeholder 3"/>
+          <p:cNvSpPr>
+            <a:spLocks noGrp="1"/>
+          </p:cNvSpPr>
+          <p:nvPr>
+            <p:ph type="sldNum" sz="quarter" idx="5"/>
+          </p:nvPr>
+        </p:nvSpPr>
+        <p:spPr/>
+        <p:txBody>
+          <a:bodyPr/>
+          <a:lstStyle/>
+          <a:p>
+            <a:fld id="{32674CE4-FBD8-4481-AEFB-CA53E599A745}" type="slidenum">
+              <a:rPr lang="en-US" smtClean="0"/>
+              <a:t>11</a:t>
+            </a:fld>
+            <a:endParaRPr lang="en-US" dirty="0"/>
+          </a:p>
+        </p:txBody>
+      </p:sp>
+    </p:spTree>
+    <p:extLst>
+      <p:ext uri="{BB962C8B-B14F-4D97-AF65-F5344CB8AC3E}">
+        <p14:creationId xmlns:p14="http://schemas.microsoft.com/office/powerpoint/2010/main" val="1424384921"/>
       </p:ext>
     </p:extLst>
   </p:cSld>
@@ -8718,7 +11332,7 @@
             <a:fld id="{4E708F12-96AD-4ED4-8132-A78F5E42C1F5}" type="datetime1">
               <a:rPr lang="en-US" smtClean="0"/>
               <a:pPr/>
-              <a:t>12/30/2019</a:t>
+              <a:t>1/2/2020</a:t>
             </a:fld>
             <a:endParaRPr lang="en-US" dirty="0"/>
           </a:p>
@@ -8948,7 +11562,7 @@
             <a:fld id="{C20F09E4-6EA4-4BF3-9FC8-FF40373B88E6}" type="datetime1">
               <a:rPr lang="en-US" smtClean="0"/>
               <a:pPr/>
-              <a:t>12/30/2019</a:t>
+              <a:t>1/2/2020</a:t>
             </a:fld>
             <a:endParaRPr lang="en-US" dirty="0"/>
           </a:p>
@@ -9210,7 +11824,7 @@
             <a:fld id="{C20F09E4-6EA4-4BF3-9FC8-FF40373B88E6}" type="datetime1">
               <a:rPr lang="en-US" smtClean="0"/>
               <a:pPr/>
-              <a:t>12/30/2019</a:t>
+              <a:t>1/2/2020</a:t>
             </a:fld>
             <a:endParaRPr lang="en-US" dirty="0"/>
           </a:p>
@@ -9390,7 +12004,7 @@
             <a:fld id="{C20F09E4-6EA4-4BF3-9FC8-FF40373B88E6}" type="datetime1">
               <a:rPr lang="en-US" smtClean="0"/>
               <a:pPr/>
-              <a:t>12/30/2019</a:t>
+              <a:t>1/2/2020</a:t>
             </a:fld>
             <a:endParaRPr lang="en-US" dirty="0"/>
           </a:p>
@@ -9738,7 +12352,7 @@
           <a:p>
             <a:fld id="{0AAE819F-B7FD-4B29-8F66-9E318144BC2A}" type="datetime1">
               <a:rPr lang="en-US" smtClean="0"/>
-              <a:t>12/30/2019</a:t>
+              <a:t>1/2/2020</a:t>
             </a:fld>
             <a:endParaRPr lang="en-US" dirty="0"/>
           </a:p>
@@ -10030,7 +12644,7 @@
             <a:fld id="{C20F09E4-6EA4-4BF3-9FC8-FF40373B88E6}" type="datetime1">
               <a:rPr lang="en-US" smtClean="0"/>
               <a:pPr/>
-              <a:t>12/30/2019</a:t>
+              <a:t>1/2/2020</a:t>
             </a:fld>
             <a:endParaRPr lang="en-US" dirty="0"/>
           </a:p>
@@ -10415,7 +13029,7 @@
             <a:fld id="{C20F09E4-6EA4-4BF3-9FC8-FF40373B88E6}" type="datetime1">
               <a:rPr lang="en-US" smtClean="0"/>
               <a:pPr/>
-              <a:t>12/30/2019</a:t>
+              <a:t>1/2/2020</a:t>
             </a:fld>
             <a:endParaRPr lang="en-US" dirty="0"/>
           </a:p>
@@ -10538,7 +13152,7 @@
           <a:p>
             <a:fld id="{9FA4CAD8-0EA7-4615-B69B-B2F199EF3A93}" type="datetime1">
               <a:rPr lang="en-US" smtClean="0"/>
-              <a:t>12/30/2019</a:t>
+              <a:t>1/2/2020</a:t>
             </a:fld>
             <a:endParaRPr lang="en-US" dirty="0"/>
           </a:p>
@@ -10725,7 +13339,7 @@
           <a:p>
             <a:fld id="{B9234BD7-6953-492C-921B-E68B2D7F14C8}" type="datetime1">
               <a:rPr lang="en-US" smtClean="0"/>
-              <a:t>12/30/2019</a:t>
+              <a:t>1/2/2020</a:t>
             </a:fld>
             <a:endParaRPr lang="en-US" dirty="0"/>
           </a:p>
@@ -11101,7 +13715,7 @@
             <a:fld id="{C20F09E4-6EA4-4BF3-9FC8-FF40373B88E6}" type="datetime1">
               <a:rPr lang="en-US" smtClean="0"/>
               <a:pPr/>
-              <a:t>12/30/2019</a:t>
+              <a:t>1/2/2020</a:t>
             </a:fld>
             <a:endParaRPr lang="en-US" dirty="0"/>
           </a:p>
@@ -11488,7 +14102,7 @@
           <a:p>
             <a:fld id="{541F67C5-D04E-4576-B61C-12ABA14BBD6C}" type="datetime1">
               <a:rPr lang="en-US" smtClean="0"/>
-              <a:t>12/30/2019</a:t>
+              <a:t>1/2/2020</a:t>
             </a:fld>
             <a:endParaRPr lang="en-US" dirty="0"/>
           </a:p>
@@ -11792,7 +14406,7 @@
             <a:fld id="{C20F09E4-6EA4-4BF3-9FC8-FF40373B88E6}" type="datetime1">
               <a:rPr lang="en-US" smtClean="0"/>
               <a:pPr/>
-              <a:t>12/30/2019</a:t>
+              <a:t>1/2/2020</a:t>
             </a:fld>
             <a:endParaRPr lang="en-US" dirty="0"/>
           </a:p>
@@ -12438,6 +15052,459 @@
 </file>
 
 <file path=ppt/slides/slide10.xml><?xml version="1.0" encoding="utf-8"?>
+<p:sld xmlns:a="http://schemas.openxmlformats.org/drawingml/2006/main" xmlns:r="http://schemas.openxmlformats.org/officeDocument/2006/relationships" xmlns:p="http://schemas.openxmlformats.org/presentationml/2006/main">
+  <p:cSld>
+    <p:spTree>
+      <p:nvGrpSpPr>
+        <p:cNvPr id="1" name=""/>
+        <p:cNvGrpSpPr/>
+        <p:nvPr/>
+      </p:nvGrpSpPr>
+      <p:grpSpPr>
+        <a:xfrm>
+          <a:off x="0" y="0"/>
+          <a:ext cx="0" cy="0"/>
+          <a:chOff x="0" y="0"/>
+          <a:chExt cx="0" cy="0"/>
+        </a:xfrm>
+      </p:grpSpPr>
+      <p:sp>
+        <p:nvSpPr>
+          <p:cNvPr id="2" name="Title 1"/>
+          <p:cNvSpPr>
+            <a:spLocks noGrp="1"/>
+          </p:cNvSpPr>
+          <p:nvPr>
+            <p:ph type="title"/>
+          </p:nvPr>
+        </p:nvSpPr>
+        <p:spPr/>
+        <p:txBody>
+          <a:bodyPr>
+            <a:normAutofit/>
+          </a:bodyPr>
+          <a:lstStyle/>
+          <a:p>
+            <a:r>
+              <a:rPr lang="en-US" sz="4000" dirty="0"/>
+              <a:t>Enrollment Change vs Poverty Change</a:t>
+            </a:r>
+          </a:p>
+        </p:txBody>
+      </p:sp>
+      <p:graphicFrame>
+        <p:nvGraphicFramePr>
+          <p:cNvPr id="7" name="Content Placeholder 6">
+            <a:extLst>
+              <a:ext uri="{FF2B5EF4-FFF2-40B4-BE49-F238E27FC236}">
+                <a16:creationId xmlns:a16="http://schemas.microsoft.com/office/drawing/2014/main" id="{71B37A8A-AF70-4496-88F0-778FC1E9EA21}"/>
+              </a:ext>
+            </a:extLst>
+          </p:cNvPr>
+          <p:cNvGraphicFramePr>
+            <a:graphicFrameLocks noGrp="1"/>
+          </p:cNvGraphicFramePr>
+          <p:nvPr>
+            <p:ph sz="half" idx="1"/>
+            <p:extLst>
+              <p:ext uri="{D42A27DB-BD31-4B8C-83A1-F6EECF244321}">
+                <p14:modId xmlns:p14="http://schemas.microsoft.com/office/powerpoint/2010/main" val="671153402"/>
+              </p:ext>
+            </p:extLst>
+          </p:nvPr>
+        </p:nvGraphicFramePr>
+        <p:xfrm>
+          <a:off x="1096963" y="1846263"/>
+          <a:ext cx="10058400" cy="4022725"/>
+        </p:xfrm>
+        <a:graphic>
+          <a:graphicData uri="http://schemas.openxmlformats.org/drawingml/2006/chart">
+            <c:chart xmlns:c="http://schemas.openxmlformats.org/drawingml/2006/chart" xmlns:r="http://schemas.openxmlformats.org/officeDocument/2006/relationships" r:id="rId3"/>
+          </a:graphicData>
+        </a:graphic>
+      </p:graphicFrame>
+    </p:spTree>
+    <p:extLst>
+      <p:ext uri="{BB962C8B-B14F-4D97-AF65-F5344CB8AC3E}">
+        <p14:creationId xmlns:p14="http://schemas.microsoft.com/office/powerpoint/2010/main" val="411993636"/>
+      </p:ext>
+    </p:extLst>
+  </p:cSld>
+  <p:clrMapOvr>
+    <a:masterClrMapping/>
+  </p:clrMapOvr>
+  <mc:AlternateContent xmlns:mc="http://schemas.openxmlformats.org/markup-compatibility/2006" xmlns:p14="http://schemas.microsoft.com/office/powerpoint/2010/main">
+    <mc:Choice Requires="p14">
+      <p:transition spd="med" p14:dur="700">
+        <p:fade/>
+      </p:transition>
+    </mc:Choice>
+    <mc:Fallback xmlns="">
+      <p:transition spd="med">
+        <p:fade/>
+      </p:transition>
+    </mc:Fallback>
+  </mc:AlternateContent>
+</p:sld>
+</file>
+
+<file path=ppt/slides/slide11.xml><?xml version="1.0" encoding="utf-8"?>
+<p:sld xmlns:a="http://schemas.openxmlformats.org/drawingml/2006/main" xmlns:r="http://schemas.openxmlformats.org/officeDocument/2006/relationships" xmlns:p="http://schemas.openxmlformats.org/presentationml/2006/main">
+  <p:cSld>
+    <p:spTree>
+      <p:nvGrpSpPr>
+        <p:cNvPr id="1" name=""/>
+        <p:cNvGrpSpPr/>
+        <p:nvPr/>
+      </p:nvGrpSpPr>
+      <p:grpSpPr>
+        <a:xfrm>
+          <a:off x="0" y="0"/>
+          <a:ext cx="0" cy="0"/>
+          <a:chOff x="0" y="0"/>
+          <a:chExt cx="0" cy="0"/>
+        </a:xfrm>
+      </p:grpSpPr>
+      <p:sp>
+        <p:nvSpPr>
+          <p:cNvPr id="2" name="Title 1">
+            <a:extLst>
+              <a:ext uri="{FF2B5EF4-FFF2-40B4-BE49-F238E27FC236}">
+                <a16:creationId xmlns:a16="http://schemas.microsoft.com/office/drawing/2014/main" id="{E59A47DD-CB18-4496-83F1-D4D366FD0EB9}"/>
+              </a:ext>
+            </a:extLst>
+          </p:cNvPr>
+          <p:cNvSpPr>
+            <a:spLocks noGrp="1"/>
+          </p:cNvSpPr>
+          <p:nvPr>
+            <p:ph type="title"/>
+          </p:nvPr>
+        </p:nvSpPr>
+        <p:spPr/>
+        <p:txBody>
+          <a:bodyPr>
+            <a:normAutofit/>
+          </a:bodyPr>
+          <a:lstStyle/>
+          <a:p>
+            <a:r>
+              <a:rPr lang="en-US" sz="4000" dirty="0"/>
+              <a:t>County Comparison – Poverty vs Enrollment</a:t>
+            </a:r>
+          </a:p>
+        </p:txBody>
+      </p:sp>
+      <p:sp>
+        <p:nvSpPr>
+          <p:cNvPr id="3" name="Text Placeholder 2">
+            <a:extLst>
+              <a:ext uri="{FF2B5EF4-FFF2-40B4-BE49-F238E27FC236}">
+                <a16:creationId xmlns:a16="http://schemas.microsoft.com/office/drawing/2014/main" id="{158D7D6D-CACB-43AE-8734-CF49237CCAEA}"/>
+              </a:ext>
+            </a:extLst>
+          </p:cNvPr>
+          <p:cNvSpPr>
+            <a:spLocks noGrp="1"/>
+          </p:cNvSpPr>
+          <p:nvPr>
+            <p:ph type="body" idx="1"/>
+          </p:nvPr>
+        </p:nvSpPr>
+        <p:spPr/>
+        <p:txBody>
+          <a:bodyPr/>
+          <a:lstStyle/>
+          <a:p>
+            <a:r>
+              <a:rPr lang="en-US" dirty="0"/>
+              <a:t>Top 10 Counties by Poverty 2018</a:t>
+            </a:r>
+          </a:p>
+        </p:txBody>
+      </p:sp>
+      <p:sp>
+        <p:nvSpPr>
+          <p:cNvPr id="5" name="Text Placeholder 4">
+            <a:extLst>
+              <a:ext uri="{FF2B5EF4-FFF2-40B4-BE49-F238E27FC236}">
+                <a16:creationId xmlns:a16="http://schemas.microsoft.com/office/drawing/2014/main" id="{018C2A88-44CA-4DB7-AB4E-E3C4D6E96CB1}"/>
+              </a:ext>
+            </a:extLst>
+          </p:cNvPr>
+          <p:cNvSpPr>
+            <a:spLocks noGrp="1"/>
+          </p:cNvSpPr>
+          <p:nvPr>
+            <p:ph type="body" sz="quarter" idx="3"/>
+          </p:nvPr>
+        </p:nvSpPr>
+        <p:spPr/>
+        <p:txBody>
+          <a:bodyPr/>
+          <a:lstStyle/>
+          <a:p>
+            <a:r>
+              <a:rPr lang="en-US" dirty="0"/>
+              <a:t>Top 10 counties by enrollment 2018</a:t>
+            </a:r>
+          </a:p>
+        </p:txBody>
+      </p:sp>
+      <p:graphicFrame>
+        <p:nvGraphicFramePr>
+          <p:cNvPr id="9" name="Content Placeholder 8">
+            <a:extLst>
+              <a:ext uri="{FF2B5EF4-FFF2-40B4-BE49-F238E27FC236}">
+                <a16:creationId xmlns:a16="http://schemas.microsoft.com/office/drawing/2014/main" id="{DCE571B2-C905-48F3-B413-72822FFD2B13}"/>
+              </a:ext>
+            </a:extLst>
+          </p:cNvPr>
+          <p:cNvGraphicFramePr>
+            <a:graphicFrameLocks noGrp="1"/>
+          </p:cNvGraphicFramePr>
+          <p:nvPr>
+            <p:ph sz="half" idx="2"/>
+            <p:extLst>
+              <p:ext uri="{D42A27DB-BD31-4B8C-83A1-F6EECF244321}">
+                <p14:modId xmlns:p14="http://schemas.microsoft.com/office/powerpoint/2010/main" val="1388270833"/>
+              </p:ext>
+            </p:extLst>
+          </p:nvPr>
+        </p:nvGraphicFramePr>
+        <p:xfrm>
+          <a:off x="1096963" y="2582863"/>
+          <a:ext cx="4938712" cy="3378200"/>
+        </p:xfrm>
+        <a:graphic>
+          <a:graphicData uri="http://schemas.openxmlformats.org/drawingml/2006/chart">
+            <c:chart xmlns:c="http://schemas.openxmlformats.org/drawingml/2006/chart" xmlns:r="http://schemas.openxmlformats.org/officeDocument/2006/relationships" r:id="rId3"/>
+          </a:graphicData>
+        </a:graphic>
+      </p:graphicFrame>
+      <p:graphicFrame>
+        <p:nvGraphicFramePr>
+          <p:cNvPr id="10" name="Content Placeholder 9">
+            <a:extLst>
+              <a:ext uri="{FF2B5EF4-FFF2-40B4-BE49-F238E27FC236}">
+                <a16:creationId xmlns:a16="http://schemas.microsoft.com/office/drawing/2014/main" id="{736FAFDC-9811-4D9C-9188-D10C83D33518}"/>
+              </a:ext>
+            </a:extLst>
+          </p:cNvPr>
+          <p:cNvGraphicFramePr>
+            <a:graphicFrameLocks noGrp="1"/>
+          </p:cNvGraphicFramePr>
+          <p:nvPr>
+            <p:ph sz="quarter" idx="4"/>
+            <p:extLst>
+              <p:ext uri="{D42A27DB-BD31-4B8C-83A1-F6EECF244321}">
+                <p14:modId xmlns:p14="http://schemas.microsoft.com/office/powerpoint/2010/main" val="3313658816"/>
+              </p:ext>
+            </p:extLst>
+          </p:nvPr>
+        </p:nvGraphicFramePr>
+        <p:xfrm>
+          <a:off x="6218238" y="2582863"/>
+          <a:ext cx="4937125" cy="3378200"/>
+        </p:xfrm>
+        <a:graphic>
+          <a:graphicData uri="http://schemas.openxmlformats.org/drawingml/2006/chart">
+            <c:chart xmlns:c="http://schemas.openxmlformats.org/drawingml/2006/chart" xmlns:r="http://schemas.openxmlformats.org/officeDocument/2006/relationships" r:id="rId4"/>
+          </a:graphicData>
+        </a:graphic>
+      </p:graphicFrame>
+    </p:spTree>
+    <p:extLst>
+      <p:ext uri="{BB962C8B-B14F-4D97-AF65-F5344CB8AC3E}">
+        <p14:creationId xmlns:p14="http://schemas.microsoft.com/office/powerpoint/2010/main" val="2864556809"/>
+      </p:ext>
+    </p:extLst>
+  </p:cSld>
+  <p:clrMapOvr>
+    <a:masterClrMapping/>
+  </p:clrMapOvr>
+</p:sld>
+</file>
+
+<file path=ppt/slides/slide12.xml><?xml version="1.0" encoding="utf-8"?>
+<p:sld xmlns:a="http://schemas.openxmlformats.org/drawingml/2006/main" xmlns:r="http://schemas.openxmlformats.org/officeDocument/2006/relationships" xmlns:p="http://schemas.openxmlformats.org/presentationml/2006/main">
+  <p:cSld>
+    <p:spTree>
+      <p:nvGrpSpPr>
+        <p:cNvPr id="1" name=""/>
+        <p:cNvGrpSpPr/>
+        <p:nvPr/>
+      </p:nvGrpSpPr>
+      <p:grpSpPr>
+        <a:xfrm>
+          <a:off x="0" y="0"/>
+          <a:ext cx="0" cy="0"/>
+          <a:chOff x="0" y="0"/>
+          <a:chExt cx="0" cy="0"/>
+        </a:xfrm>
+      </p:grpSpPr>
+      <p:sp>
+        <p:nvSpPr>
+          <p:cNvPr id="2" name="Title 1">
+            <a:extLst>
+              <a:ext uri="{FF2B5EF4-FFF2-40B4-BE49-F238E27FC236}">
+                <a16:creationId xmlns:a16="http://schemas.microsoft.com/office/drawing/2014/main" id="{E59A47DD-CB18-4496-83F1-D4D366FD0EB9}"/>
+              </a:ext>
+            </a:extLst>
+          </p:cNvPr>
+          <p:cNvSpPr>
+            <a:spLocks noGrp="1"/>
+          </p:cNvSpPr>
+          <p:nvPr>
+            <p:ph type="title"/>
+          </p:nvPr>
+        </p:nvSpPr>
+        <p:spPr/>
+        <p:txBody>
+          <a:bodyPr>
+            <a:normAutofit/>
+          </a:bodyPr>
+          <a:lstStyle/>
+          <a:p>
+            <a:r>
+              <a:rPr lang="en-US" sz="4000" dirty="0"/>
+              <a:t>County Comparison – Unemployment vs Enrollment</a:t>
+            </a:r>
+          </a:p>
+        </p:txBody>
+      </p:sp>
+      <p:sp>
+        <p:nvSpPr>
+          <p:cNvPr id="3" name="Text Placeholder 2">
+            <a:extLst>
+              <a:ext uri="{FF2B5EF4-FFF2-40B4-BE49-F238E27FC236}">
+                <a16:creationId xmlns:a16="http://schemas.microsoft.com/office/drawing/2014/main" id="{158D7D6D-CACB-43AE-8734-CF49237CCAEA}"/>
+              </a:ext>
+            </a:extLst>
+          </p:cNvPr>
+          <p:cNvSpPr>
+            <a:spLocks noGrp="1"/>
+          </p:cNvSpPr>
+          <p:nvPr>
+            <p:ph type="body" idx="1"/>
+          </p:nvPr>
+        </p:nvSpPr>
+        <p:spPr/>
+        <p:txBody>
+          <a:bodyPr/>
+          <a:lstStyle/>
+          <a:p>
+            <a:r>
+              <a:rPr lang="en-US" dirty="0"/>
+              <a:t>Top 10 Counties by Unemployment 2018</a:t>
+            </a:r>
+          </a:p>
+        </p:txBody>
+      </p:sp>
+      <p:sp>
+        <p:nvSpPr>
+          <p:cNvPr id="5" name="Text Placeholder 4">
+            <a:extLst>
+              <a:ext uri="{FF2B5EF4-FFF2-40B4-BE49-F238E27FC236}">
+                <a16:creationId xmlns:a16="http://schemas.microsoft.com/office/drawing/2014/main" id="{018C2A88-44CA-4DB7-AB4E-E3C4D6E96CB1}"/>
+              </a:ext>
+            </a:extLst>
+          </p:cNvPr>
+          <p:cNvSpPr>
+            <a:spLocks noGrp="1"/>
+          </p:cNvSpPr>
+          <p:nvPr>
+            <p:ph type="body" sz="quarter" idx="3"/>
+          </p:nvPr>
+        </p:nvSpPr>
+        <p:spPr/>
+        <p:txBody>
+          <a:bodyPr/>
+          <a:lstStyle/>
+          <a:p>
+            <a:r>
+              <a:rPr lang="en-US" dirty="0"/>
+              <a:t>Top 10 counties by enrollment 2018</a:t>
+            </a:r>
+          </a:p>
+        </p:txBody>
+      </p:sp>
+      <p:graphicFrame>
+        <p:nvGraphicFramePr>
+          <p:cNvPr id="11" name="Content Placeholder 10">
+            <a:extLst>
+              <a:ext uri="{FF2B5EF4-FFF2-40B4-BE49-F238E27FC236}">
+                <a16:creationId xmlns:a16="http://schemas.microsoft.com/office/drawing/2014/main" id="{57C21F41-23AB-4B11-80E1-D8B400BBD8DF}"/>
+              </a:ext>
+            </a:extLst>
+          </p:cNvPr>
+          <p:cNvGraphicFramePr>
+            <a:graphicFrameLocks noGrp="1"/>
+          </p:cNvGraphicFramePr>
+          <p:nvPr>
+            <p:ph sz="half" idx="2"/>
+            <p:extLst>
+              <p:ext uri="{D42A27DB-BD31-4B8C-83A1-F6EECF244321}">
+                <p14:modId xmlns:p14="http://schemas.microsoft.com/office/powerpoint/2010/main" val="4182712921"/>
+              </p:ext>
+            </p:extLst>
+          </p:nvPr>
+        </p:nvGraphicFramePr>
+        <p:xfrm>
+          <a:off x="1096963" y="2582863"/>
+          <a:ext cx="4938712" cy="3378200"/>
+        </p:xfrm>
+        <a:graphic>
+          <a:graphicData uri="http://schemas.openxmlformats.org/drawingml/2006/chart">
+            <c:chart xmlns:c="http://schemas.openxmlformats.org/drawingml/2006/chart" xmlns:r="http://schemas.openxmlformats.org/officeDocument/2006/relationships" r:id="rId3"/>
+          </a:graphicData>
+        </a:graphic>
+      </p:graphicFrame>
+      <p:graphicFrame>
+        <p:nvGraphicFramePr>
+          <p:cNvPr id="12" name="Content Placeholder 11">
+            <a:extLst>
+              <a:ext uri="{FF2B5EF4-FFF2-40B4-BE49-F238E27FC236}">
+                <a16:creationId xmlns:a16="http://schemas.microsoft.com/office/drawing/2014/main" id="{02D5C36F-EB40-4BAE-8837-473247B90F7D}"/>
+              </a:ext>
+            </a:extLst>
+          </p:cNvPr>
+          <p:cNvGraphicFramePr>
+            <a:graphicFrameLocks noGrp="1"/>
+          </p:cNvGraphicFramePr>
+          <p:nvPr>
+            <p:ph sz="quarter" idx="4"/>
+            <p:extLst>
+              <p:ext uri="{D42A27DB-BD31-4B8C-83A1-F6EECF244321}">
+                <p14:modId xmlns:p14="http://schemas.microsoft.com/office/powerpoint/2010/main" val="3875927299"/>
+              </p:ext>
+            </p:extLst>
+          </p:nvPr>
+        </p:nvGraphicFramePr>
+        <p:xfrm>
+          <a:off x="6218238" y="2582863"/>
+          <a:ext cx="4937125" cy="3378200"/>
+        </p:xfrm>
+        <a:graphic>
+          <a:graphicData uri="http://schemas.openxmlformats.org/drawingml/2006/chart">
+            <c:chart xmlns:c="http://schemas.openxmlformats.org/drawingml/2006/chart" xmlns:r="http://schemas.openxmlformats.org/officeDocument/2006/relationships" r:id="rId4"/>
+          </a:graphicData>
+        </a:graphic>
+      </p:graphicFrame>
+    </p:spTree>
+    <p:extLst>
+      <p:ext uri="{BB962C8B-B14F-4D97-AF65-F5344CB8AC3E}">
+        <p14:creationId xmlns:p14="http://schemas.microsoft.com/office/powerpoint/2010/main" val="1066440138"/>
+      </p:ext>
+    </p:extLst>
+  </p:cSld>
+  <p:clrMapOvr>
+    <a:masterClrMapping/>
+  </p:clrMapOvr>
+</p:sld>
+</file>
+
+<file path=ppt/slides/slide13.xml><?xml version="1.0" encoding="utf-8"?>
 <p:sld xmlns:a="http://schemas.openxmlformats.org/drawingml/2006/main" xmlns:r="http://schemas.openxmlformats.org/officeDocument/2006/relationships" xmlns:p="http://schemas.openxmlformats.org/presentationml/2006/main">
   <p:cSld>
     <p:spTree>
@@ -13115,7 +16182,7 @@
 </p:sld>
 </file>
 
-<file path=ppt/slides/slide11.xml><?xml version="1.0" encoding="utf-8"?>
+<file path=ppt/slides/slide14.xml><?xml version="1.0" encoding="utf-8"?>
 <p:sld xmlns:a="http://schemas.openxmlformats.org/drawingml/2006/main" xmlns:r="http://schemas.openxmlformats.org/officeDocument/2006/relationships" xmlns:p="http://schemas.openxmlformats.org/presentationml/2006/main">
   <p:cSld>
     <p:spTree>
@@ -13793,7 +16860,79 @@
 </p:sld>
 </file>
 
-<file path=ppt/slides/slide12.xml><?xml version="1.0" encoding="utf-8"?>
+<file path=ppt/slides/slide15.xml><?xml version="1.0" encoding="utf-8"?>
+<p:sld xmlns:a="http://schemas.openxmlformats.org/drawingml/2006/main" xmlns:r="http://schemas.openxmlformats.org/officeDocument/2006/relationships" xmlns:p="http://schemas.openxmlformats.org/presentationml/2006/main">
+  <p:cSld>
+    <p:spTree>
+      <p:nvGrpSpPr>
+        <p:cNvPr id="1" name=""/>
+        <p:cNvGrpSpPr/>
+        <p:nvPr/>
+      </p:nvGrpSpPr>
+      <p:grpSpPr>
+        <a:xfrm>
+          <a:off x="0" y="0"/>
+          <a:ext cx="0" cy="0"/>
+          <a:chOff x="0" y="0"/>
+          <a:chExt cx="0" cy="0"/>
+        </a:xfrm>
+      </p:grpSpPr>
+      <p:pic>
+        <p:nvPicPr>
+          <p:cNvPr id="2" name="Picture 1">
+            <a:extLst>
+              <a:ext uri="{FF2B5EF4-FFF2-40B4-BE49-F238E27FC236}">
+                <a16:creationId xmlns:a16="http://schemas.microsoft.com/office/drawing/2014/main" id="{85D13E41-4445-4A0F-95D7-74771E0BA8E5}"/>
+              </a:ext>
+            </a:extLst>
+          </p:cNvPr>
+          <p:cNvPicPr>
+            <a:picLocks noChangeAspect="1"/>
+          </p:cNvPicPr>
+          <p:nvPr/>
+        </p:nvPicPr>
+        <p:blipFill>
+          <a:blip r:embed="rId3"/>
+          <a:stretch>
+            <a:fillRect/>
+          </a:stretch>
+        </p:blipFill>
+        <p:spPr>
+          <a:xfrm>
+            <a:off x="893619" y="345812"/>
+            <a:ext cx="10571018" cy="5884090"/>
+          </a:xfrm>
+          <a:prstGeom prst="rect">
+            <a:avLst/>
+          </a:prstGeom>
+        </p:spPr>
+      </p:pic>
+    </p:spTree>
+    <p:extLst>
+      <p:ext uri="{BB962C8B-B14F-4D97-AF65-F5344CB8AC3E}">
+        <p14:creationId xmlns:p14="http://schemas.microsoft.com/office/powerpoint/2010/main" val="2759976062"/>
+      </p:ext>
+    </p:extLst>
+  </p:cSld>
+  <p:clrMapOvr>
+    <a:masterClrMapping/>
+  </p:clrMapOvr>
+  <mc:AlternateContent xmlns:mc="http://schemas.openxmlformats.org/markup-compatibility/2006" xmlns:p14="http://schemas.microsoft.com/office/powerpoint/2010/main">
+    <mc:Choice Requires="p14">
+      <p:transition spd="med" p14:dur="700">
+        <p:fade/>
+      </p:transition>
+    </mc:Choice>
+    <mc:Fallback xmlns="">
+      <p:transition spd="med">
+        <p:fade/>
+      </p:transition>
+    </mc:Fallback>
+  </mc:AlternateContent>
+</p:sld>
+</file>
+
+<file path=ppt/slides/slide16.xml><?xml version="1.0" encoding="utf-8"?>
 <p:sld xmlns:a="http://schemas.openxmlformats.org/drawingml/2006/main" xmlns:r="http://schemas.openxmlformats.org/officeDocument/2006/relationships" xmlns:p="http://schemas.openxmlformats.org/presentationml/2006/main">
   <p:cSld>
     <p:spTree>
@@ -13853,7 +16992,7 @@
             </a:r>
             <a:r>
               <a:rPr lang="en-US" u="sng" dirty="0">
-                <a:hlinkClick r:id="rId2"/>
+                <a:hlinkClick r:id="rId3"/>
               </a:rPr>
               <a:t>https://www.tn.gov/health/health-program-areas/statistics/health-data/birth-statistics.html</a:t>
             </a:r>
@@ -13869,7 +17008,7 @@
             </a:r>
             <a:r>
               <a:rPr lang="en-US" u="sng" dirty="0">
-                <a:hlinkClick r:id="rId3"/>
+                <a:hlinkClick r:id="rId4"/>
               </a:rPr>
               <a:t>https://census.gov/data/datasets/2018/demo/saipe/2018-state-and-county.html</a:t>
             </a:r>
@@ -13885,7 +17024,7 @@
             </a:r>
             <a:r>
               <a:rPr lang="en-US" u="sng" dirty="0">
-                <a:hlinkClick r:id="rId4"/>
+                <a:hlinkClick r:id="rId5"/>
               </a:rPr>
               <a:t>https://data.bls.gov/lausmap/showMap.jsp</a:t>
             </a:r>
@@ -13901,7 +17040,7 @@
             </a:r>
             <a:r>
               <a:rPr lang="en-US" u="sng" dirty="0">
-                <a:hlinkClick r:id="rId5"/>
+                <a:hlinkClick r:id="rId6"/>
               </a:rPr>
               <a:t>https://www.tn.gov/tenncare/information-statistics/enrollment-data.html</a:t>
             </a:r>
@@ -13917,9 +17056,18 @@
             </a:r>
             <a:r>
               <a:rPr lang="en-US" u="sng" dirty="0">
-                <a:hlinkClick r:id="rId6"/>
+                <a:hlinkClick r:id="rId7"/>
               </a:rPr>
               <a:t>https://www.cubitplanning.com/</a:t>
+            </a:r>
+            <a:endParaRPr lang="en-US" u="sng" dirty="0"/>
+          </a:p>
+          <a:p>
+            <a:r>
+              <a:rPr lang="en-US" dirty="0">
+                <a:hlinkClick r:id="rId8"/>
+              </a:rPr>
+              <a:t>https://www.countyhealthrankings.org/app/tennessee/2019/rankings/hancock/county/outcomes/overall/snapshot</a:t>
             </a:r>
             <a:endParaRPr lang="en-US" dirty="0"/>
           </a:p>
@@ -14186,6 +17334,275 @@
       </p:grpSpPr>
       <p:sp>
         <p:nvSpPr>
+          <p:cNvPr id="2" name="Title 1">
+            <a:extLst>
+              <a:ext uri="{FF2B5EF4-FFF2-40B4-BE49-F238E27FC236}">
+                <a16:creationId xmlns:a16="http://schemas.microsoft.com/office/drawing/2014/main" id="{87FC8109-ED77-4A8A-A702-1EA4B3BBB9EB}"/>
+              </a:ext>
+            </a:extLst>
+          </p:cNvPr>
+          <p:cNvSpPr>
+            <a:spLocks noGrp="1"/>
+          </p:cNvSpPr>
+          <p:nvPr>
+            <p:ph type="title"/>
+          </p:nvPr>
+        </p:nvSpPr>
+        <p:spPr/>
+        <p:txBody>
+          <a:bodyPr/>
+          <a:lstStyle/>
+          <a:p>
+            <a:r>
+              <a:rPr lang="en-US" dirty="0" err="1"/>
+              <a:t>TennCare</a:t>
+            </a:r>
+            <a:r>
+              <a:rPr lang="en-US" dirty="0"/>
+              <a:t> Eligibility Groups</a:t>
+            </a:r>
+          </a:p>
+        </p:txBody>
+      </p:sp>
+      <p:sp>
+        <p:nvSpPr>
+          <p:cNvPr id="3" name="Content Placeholder 2">
+            <a:extLst>
+              <a:ext uri="{FF2B5EF4-FFF2-40B4-BE49-F238E27FC236}">
+                <a16:creationId xmlns:a16="http://schemas.microsoft.com/office/drawing/2014/main" id="{EA21C795-8978-4A46-BADD-01144B3A1044}"/>
+              </a:ext>
+            </a:extLst>
+          </p:cNvPr>
+          <p:cNvSpPr>
+            <a:spLocks noGrp="1"/>
+          </p:cNvSpPr>
+          <p:nvPr>
+            <p:ph idx="1"/>
+          </p:nvPr>
+        </p:nvSpPr>
+        <p:spPr/>
+        <p:txBody>
+          <a:bodyPr>
+            <a:normAutofit/>
+          </a:bodyPr>
+          <a:lstStyle/>
+          <a:p>
+            <a:pPr>
+              <a:buFont typeface="Arial" panose="020B0604020202020204" pitchFamily="34" charset="0"/>
+              <a:buChar char="•"/>
+            </a:pPr>
+            <a:r>
+              <a:rPr lang="en-US" sz="4000" dirty="0"/>
+              <a:t>Children</a:t>
+            </a:r>
+          </a:p>
+          <a:p>
+            <a:pPr>
+              <a:buFont typeface="Arial" panose="020B0604020202020204" pitchFamily="34" charset="0"/>
+              <a:buChar char="•"/>
+            </a:pPr>
+            <a:r>
+              <a:rPr lang="en-US" sz="4000" dirty="0"/>
+              <a:t>Pregnant Women</a:t>
+            </a:r>
+          </a:p>
+          <a:p>
+            <a:pPr>
+              <a:buFont typeface="Arial" panose="020B0604020202020204" pitchFamily="34" charset="0"/>
+              <a:buChar char="•"/>
+            </a:pPr>
+            <a:r>
+              <a:rPr lang="en-US" sz="4000" dirty="0"/>
+              <a:t>Parents and Caretaker Relatives</a:t>
+            </a:r>
+          </a:p>
+          <a:p>
+            <a:pPr>
+              <a:buFont typeface="Arial" panose="020B0604020202020204" pitchFamily="34" charset="0"/>
+              <a:buChar char="•"/>
+            </a:pPr>
+            <a:r>
+              <a:rPr lang="en-US" sz="4000" dirty="0"/>
+              <a:t>Individuals with disabilities</a:t>
+            </a:r>
+          </a:p>
+          <a:p>
+            <a:pPr>
+              <a:buFont typeface="Arial" panose="020B0604020202020204" pitchFamily="34" charset="0"/>
+              <a:buChar char="•"/>
+            </a:pPr>
+            <a:r>
+              <a:rPr lang="en-US" sz="4000" dirty="0"/>
+              <a:t>Individuals needing nursing home care</a:t>
+            </a:r>
+          </a:p>
+        </p:txBody>
+      </p:sp>
+    </p:spTree>
+    <p:extLst>
+      <p:ext uri="{BB962C8B-B14F-4D97-AF65-F5344CB8AC3E}">
+        <p14:creationId xmlns:p14="http://schemas.microsoft.com/office/powerpoint/2010/main" val="2767399842"/>
+      </p:ext>
+    </p:extLst>
+  </p:cSld>
+  <p:clrMapOvr>
+    <a:masterClrMapping/>
+  </p:clrMapOvr>
+</p:sld>
+</file>
+
+<file path=ppt/slides/slide5.xml><?xml version="1.0" encoding="utf-8"?>
+<p:sld xmlns:a="http://schemas.openxmlformats.org/drawingml/2006/main" xmlns:r="http://schemas.openxmlformats.org/officeDocument/2006/relationships" xmlns:p="http://schemas.openxmlformats.org/presentationml/2006/main">
+  <p:cSld>
+    <p:spTree>
+      <p:nvGrpSpPr>
+        <p:cNvPr id="1" name=""/>
+        <p:cNvGrpSpPr/>
+        <p:nvPr/>
+      </p:nvGrpSpPr>
+      <p:grpSpPr>
+        <a:xfrm>
+          <a:off x="0" y="0"/>
+          <a:ext cx="0" cy="0"/>
+          <a:chOff x="0" y="0"/>
+          <a:chExt cx="0" cy="0"/>
+        </a:xfrm>
+      </p:grpSpPr>
+      <p:sp>
+        <p:nvSpPr>
+          <p:cNvPr id="2" name="Title 1">
+            <a:extLst>
+              <a:ext uri="{FF2B5EF4-FFF2-40B4-BE49-F238E27FC236}">
+                <a16:creationId xmlns:a16="http://schemas.microsoft.com/office/drawing/2014/main" id="{79EA9865-9A86-479E-83D5-35B0FB7D500E}"/>
+              </a:ext>
+            </a:extLst>
+          </p:cNvPr>
+          <p:cNvSpPr>
+            <a:spLocks noGrp="1"/>
+          </p:cNvSpPr>
+          <p:nvPr>
+            <p:ph type="title"/>
+          </p:nvPr>
+        </p:nvSpPr>
+        <p:spPr>
+          <a:xfrm>
+            <a:off x="1097280" y="286603"/>
+            <a:ext cx="10058400" cy="1355161"/>
+          </a:xfrm>
+        </p:spPr>
+        <p:txBody>
+          <a:bodyPr/>
+          <a:lstStyle/>
+          <a:p>
+            <a:r>
+              <a:rPr lang="en-US" dirty="0"/>
+              <a:t>Possible Contributing Factors</a:t>
+            </a:r>
+          </a:p>
+        </p:txBody>
+      </p:sp>
+      <p:sp>
+        <p:nvSpPr>
+          <p:cNvPr id="3" name="Content Placeholder 2">
+            <a:extLst>
+              <a:ext uri="{FF2B5EF4-FFF2-40B4-BE49-F238E27FC236}">
+                <a16:creationId xmlns:a16="http://schemas.microsoft.com/office/drawing/2014/main" id="{B53AC226-61FF-42FE-A467-4CE4D6EBF317}"/>
+              </a:ext>
+            </a:extLst>
+          </p:cNvPr>
+          <p:cNvSpPr>
+            <a:spLocks noGrp="1"/>
+          </p:cNvSpPr>
+          <p:nvPr>
+            <p:ph idx="1"/>
+          </p:nvPr>
+        </p:nvSpPr>
+        <p:spPr>
+          <a:xfrm>
+            <a:off x="1097280" y="2389908"/>
+            <a:ext cx="10058400" cy="3479185"/>
+          </a:xfrm>
+        </p:spPr>
+        <p:txBody>
+          <a:bodyPr/>
+          <a:lstStyle/>
+          <a:p>
+            <a:pPr>
+              <a:buFont typeface="Arial" panose="020B0604020202020204" pitchFamily="34" charset="0"/>
+              <a:buChar char="•"/>
+            </a:pPr>
+            <a:r>
+              <a:rPr lang="en-US" sz="4000" dirty="0"/>
+              <a:t>Poverty Rates</a:t>
+            </a:r>
+          </a:p>
+          <a:p>
+            <a:pPr>
+              <a:buFont typeface="Arial" panose="020B0604020202020204" pitchFamily="34" charset="0"/>
+              <a:buChar char="•"/>
+            </a:pPr>
+            <a:r>
+              <a:rPr lang="en-US" sz="4000" dirty="0"/>
+              <a:t>Birth Rates</a:t>
+            </a:r>
+          </a:p>
+          <a:p>
+            <a:pPr>
+              <a:buFont typeface="Arial" panose="020B0604020202020204" pitchFamily="34" charset="0"/>
+              <a:buChar char="•"/>
+            </a:pPr>
+            <a:r>
+              <a:rPr lang="en-US" sz="4000" dirty="0"/>
+              <a:t>Unemployment Rates</a:t>
+            </a:r>
+          </a:p>
+          <a:p>
+            <a:pPr>
+              <a:buFont typeface="Arial" panose="020B0604020202020204" pitchFamily="34" charset="0"/>
+              <a:buChar char="•"/>
+            </a:pPr>
+            <a:r>
+              <a:rPr lang="en-US" sz="4000" dirty="0"/>
+              <a:t>Population Rates</a:t>
+            </a:r>
+          </a:p>
+          <a:p>
+            <a:endParaRPr lang="en-US" dirty="0"/>
+          </a:p>
+        </p:txBody>
+      </p:sp>
+    </p:spTree>
+    <p:extLst>
+      <p:ext uri="{BB962C8B-B14F-4D97-AF65-F5344CB8AC3E}">
+        <p14:creationId xmlns:p14="http://schemas.microsoft.com/office/powerpoint/2010/main" val="4037900416"/>
+      </p:ext>
+    </p:extLst>
+  </p:cSld>
+  <p:clrMapOvr>
+    <a:masterClrMapping/>
+  </p:clrMapOvr>
+</p:sld>
+</file>
+
+<file path=ppt/slides/slide6.xml><?xml version="1.0" encoding="utf-8"?>
+<p:sld xmlns:a="http://schemas.openxmlformats.org/drawingml/2006/main" xmlns:r="http://schemas.openxmlformats.org/officeDocument/2006/relationships" xmlns:p="http://schemas.openxmlformats.org/presentationml/2006/main">
+  <p:cSld>
+    <p:spTree>
+      <p:nvGrpSpPr>
+        <p:cNvPr id="1" name=""/>
+        <p:cNvGrpSpPr/>
+        <p:nvPr/>
+      </p:nvGrpSpPr>
+      <p:grpSpPr>
+        <a:xfrm>
+          <a:off x="0" y="0"/>
+          <a:ext cx="0" cy="0"/>
+          <a:chOff x="0" y="0"/>
+          <a:chExt cx="0" cy="0"/>
+        </a:xfrm>
+      </p:grpSpPr>
+      <p:sp>
+        <p:nvSpPr>
           <p:cNvPr id="11" name="Title 1">
             <a:extLst>
               <a:ext uri="{FF2B5EF4-FFF2-40B4-BE49-F238E27FC236}">
@@ -14281,7 +17698,7 @@
 </p:sld>
 </file>
 
-<file path=ppt/slides/slide5.xml><?xml version="1.0" encoding="utf-8"?>
+<file path=ppt/slides/slide7.xml><?xml version="1.0" encoding="utf-8"?>
 <p:sld xmlns:a="http://schemas.openxmlformats.org/drawingml/2006/main" xmlns:r="http://schemas.openxmlformats.org/officeDocument/2006/relationships" xmlns:p="http://schemas.openxmlformats.org/presentationml/2006/main">
   <p:cSld>
     <p:spTree>
@@ -14347,7 +17764,7 @@
         </p:xfrm>
         <a:graphic>
           <a:graphicData uri="http://schemas.openxmlformats.org/drawingml/2006/chart">
-            <c:chart xmlns:c="http://schemas.openxmlformats.org/drawingml/2006/chart" xmlns:r="http://schemas.openxmlformats.org/officeDocument/2006/relationships" r:id="rId2"/>
+            <c:chart xmlns:c="http://schemas.openxmlformats.org/drawingml/2006/chart" xmlns:r="http://schemas.openxmlformats.org/officeDocument/2006/relationships" r:id="rId3"/>
           </a:graphicData>
         </a:graphic>
       </p:graphicFrame>
@@ -14376,7 +17793,7 @@
 </p:sld>
 </file>
 
-<file path=ppt/slides/slide6.xml><?xml version="1.0" encoding="utf-8"?>
+<file path=ppt/slides/slide8.xml><?xml version="1.0" encoding="utf-8"?>
 <p:sld xmlns:a="http://schemas.openxmlformats.org/drawingml/2006/main" xmlns:r="http://schemas.openxmlformats.org/officeDocument/2006/relationships" xmlns:p="http://schemas.openxmlformats.org/presentationml/2006/main">
   <p:cSld>
     <p:spTree>
@@ -14442,7 +17859,7 @@
         </p:xfrm>
         <a:graphic>
           <a:graphicData uri="http://schemas.openxmlformats.org/drawingml/2006/chart">
-            <c:chart xmlns:c="http://schemas.openxmlformats.org/drawingml/2006/chart" xmlns:r="http://schemas.openxmlformats.org/officeDocument/2006/relationships" r:id="rId2"/>
+            <c:chart xmlns:c="http://schemas.openxmlformats.org/drawingml/2006/chart" xmlns:r="http://schemas.openxmlformats.org/officeDocument/2006/relationships" r:id="rId3"/>
           </a:graphicData>
         </a:graphic>
       </p:graphicFrame>
@@ -14471,7 +17888,7 @@
 </p:sld>
 </file>
 
-<file path=ppt/slides/slide7.xml><?xml version="1.0" encoding="utf-8"?>
+<file path=ppt/slides/slide9.xml><?xml version="1.0" encoding="utf-8"?>
 <p:sld xmlns:a="http://schemas.openxmlformats.org/drawingml/2006/main" xmlns:r="http://schemas.openxmlformats.org/officeDocument/2006/relationships" xmlns:p="http://schemas.openxmlformats.org/presentationml/2006/main">
   <p:cSld>
     <p:spTree>
@@ -14565,281 +17982,6 @@
       </p:transition>
     </mc:Fallback>
   </mc:AlternateContent>
-</p:sld>
-</file>
-
-<file path=ppt/slides/slide8.xml><?xml version="1.0" encoding="utf-8"?>
-<p:sld xmlns:a="http://schemas.openxmlformats.org/drawingml/2006/main" xmlns:r="http://schemas.openxmlformats.org/officeDocument/2006/relationships" xmlns:p="http://schemas.openxmlformats.org/presentationml/2006/main">
-  <p:cSld>
-    <p:spTree>
-      <p:nvGrpSpPr>
-        <p:cNvPr id="1" name=""/>
-        <p:cNvGrpSpPr/>
-        <p:nvPr/>
-      </p:nvGrpSpPr>
-      <p:grpSpPr>
-        <a:xfrm>
-          <a:off x="0" y="0"/>
-          <a:ext cx="0" cy="0"/>
-          <a:chOff x="0" y="0"/>
-          <a:chExt cx="0" cy="0"/>
-        </a:xfrm>
-      </p:grpSpPr>
-      <p:sp>
-        <p:nvSpPr>
-          <p:cNvPr id="2" name="Title 1"/>
-          <p:cNvSpPr>
-            <a:spLocks noGrp="1"/>
-          </p:cNvSpPr>
-          <p:nvPr>
-            <p:ph type="title"/>
-          </p:nvPr>
-        </p:nvSpPr>
-        <p:spPr/>
-        <p:txBody>
-          <a:bodyPr>
-            <a:normAutofit/>
-          </a:bodyPr>
-          <a:lstStyle/>
-          <a:p>
-            <a:r>
-              <a:rPr lang="en-US" sz="4000" dirty="0"/>
-              <a:t>Enrollment Change vs Poverty Change</a:t>
-            </a:r>
-          </a:p>
-        </p:txBody>
-      </p:sp>
-      <p:graphicFrame>
-        <p:nvGraphicFramePr>
-          <p:cNvPr id="7" name="Content Placeholder 6">
-            <a:extLst>
-              <a:ext uri="{FF2B5EF4-FFF2-40B4-BE49-F238E27FC236}">
-                <a16:creationId xmlns:a16="http://schemas.microsoft.com/office/drawing/2014/main" id="{71B37A8A-AF70-4496-88F0-778FC1E9EA21}"/>
-              </a:ext>
-            </a:extLst>
-          </p:cNvPr>
-          <p:cNvGraphicFramePr>
-            <a:graphicFrameLocks noGrp="1"/>
-          </p:cNvGraphicFramePr>
-          <p:nvPr>
-            <p:ph sz="half" idx="1"/>
-            <p:extLst>
-              <p:ext uri="{D42A27DB-BD31-4B8C-83A1-F6EECF244321}">
-                <p14:modId xmlns:p14="http://schemas.microsoft.com/office/powerpoint/2010/main" val="671153402"/>
-              </p:ext>
-            </p:extLst>
-          </p:nvPr>
-        </p:nvGraphicFramePr>
-        <p:xfrm>
-          <a:off x="1096963" y="1846263"/>
-          <a:ext cx="10058400" cy="4022725"/>
-        </p:xfrm>
-        <a:graphic>
-          <a:graphicData uri="http://schemas.openxmlformats.org/drawingml/2006/chart">
-            <c:chart xmlns:c="http://schemas.openxmlformats.org/drawingml/2006/chart" xmlns:r="http://schemas.openxmlformats.org/officeDocument/2006/relationships" r:id="rId2"/>
-          </a:graphicData>
-        </a:graphic>
-      </p:graphicFrame>
-    </p:spTree>
-    <p:extLst>
-      <p:ext uri="{BB962C8B-B14F-4D97-AF65-F5344CB8AC3E}">
-        <p14:creationId xmlns:p14="http://schemas.microsoft.com/office/powerpoint/2010/main" val="411993636"/>
-      </p:ext>
-    </p:extLst>
-  </p:cSld>
-  <p:clrMapOvr>
-    <a:masterClrMapping/>
-  </p:clrMapOvr>
-  <mc:AlternateContent xmlns:mc="http://schemas.openxmlformats.org/markup-compatibility/2006" xmlns:p14="http://schemas.microsoft.com/office/powerpoint/2010/main">
-    <mc:Choice Requires="p14">
-      <p:transition spd="med" p14:dur="700">
-        <p:fade/>
-      </p:transition>
-    </mc:Choice>
-    <mc:Fallback xmlns="">
-      <p:transition spd="med">
-        <p:fade/>
-      </p:transition>
-    </mc:Fallback>
-  </mc:AlternateContent>
-</p:sld>
-</file>
-
-<file path=ppt/slides/slide9.xml><?xml version="1.0" encoding="utf-8"?>
-<p:sld xmlns:a="http://schemas.openxmlformats.org/drawingml/2006/main" xmlns:r="http://schemas.openxmlformats.org/officeDocument/2006/relationships" xmlns:p="http://schemas.openxmlformats.org/presentationml/2006/main">
-  <p:cSld>
-    <p:spTree>
-      <p:nvGrpSpPr>
-        <p:cNvPr id="1" name=""/>
-        <p:cNvGrpSpPr/>
-        <p:nvPr/>
-      </p:nvGrpSpPr>
-      <p:grpSpPr>
-        <a:xfrm>
-          <a:off x="0" y="0"/>
-          <a:ext cx="0" cy="0"/>
-          <a:chOff x="0" y="0"/>
-          <a:chExt cx="0" cy="0"/>
-        </a:xfrm>
-      </p:grpSpPr>
-      <p:sp>
-        <p:nvSpPr>
-          <p:cNvPr id="2" name="Title 1">
-            <a:extLst>
-              <a:ext uri="{FF2B5EF4-FFF2-40B4-BE49-F238E27FC236}">
-                <a16:creationId xmlns:a16="http://schemas.microsoft.com/office/drawing/2014/main" id="{E59A47DD-CB18-4496-83F1-D4D366FD0EB9}"/>
-              </a:ext>
-            </a:extLst>
-          </p:cNvPr>
-          <p:cNvSpPr>
-            <a:spLocks noGrp="1"/>
-          </p:cNvSpPr>
-          <p:nvPr>
-            <p:ph type="title"/>
-          </p:nvPr>
-        </p:nvSpPr>
-        <p:spPr/>
-        <p:txBody>
-          <a:bodyPr>
-            <a:normAutofit/>
-          </a:bodyPr>
-          <a:lstStyle/>
-          <a:p>
-            <a:r>
-              <a:rPr lang="en-US" sz="4000" dirty="0"/>
-              <a:t>County Comparison – Poverty vs Enrollment</a:t>
-            </a:r>
-          </a:p>
-        </p:txBody>
-      </p:sp>
-      <p:sp>
-        <p:nvSpPr>
-          <p:cNvPr id="3" name="Text Placeholder 2">
-            <a:extLst>
-              <a:ext uri="{FF2B5EF4-FFF2-40B4-BE49-F238E27FC236}">
-                <a16:creationId xmlns:a16="http://schemas.microsoft.com/office/drawing/2014/main" id="{158D7D6D-CACB-43AE-8734-CF49237CCAEA}"/>
-              </a:ext>
-            </a:extLst>
-          </p:cNvPr>
-          <p:cNvSpPr>
-            <a:spLocks noGrp="1"/>
-          </p:cNvSpPr>
-          <p:nvPr>
-            <p:ph type="body" idx="1"/>
-          </p:nvPr>
-        </p:nvSpPr>
-        <p:spPr/>
-        <p:txBody>
-          <a:bodyPr/>
-          <a:lstStyle/>
-          <a:p>
-            <a:r>
-              <a:rPr lang="en-US" dirty="0"/>
-              <a:t>Top 10 Counties by Poverty 2018</a:t>
-            </a:r>
-          </a:p>
-        </p:txBody>
-      </p:sp>
-      <p:sp>
-        <p:nvSpPr>
-          <p:cNvPr id="5" name="Text Placeholder 4">
-            <a:extLst>
-              <a:ext uri="{FF2B5EF4-FFF2-40B4-BE49-F238E27FC236}">
-                <a16:creationId xmlns:a16="http://schemas.microsoft.com/office/drawing/2014/main" id="{018C2A88-44CA-4DB7-AB4E-E3C4D6E96CB1}"/>
-              </a:ext>
-            </a:extLst>
-          </p:cNvPr>
-          <p:cNvSpPr>
-            <a:spLocks noGrp="1"/>
-          </p:cNvSpPr>
-          <p:nvPr>
-            <p:ph type="body" sz="quarter" idx="3"/>
-          </p:nvPr>
-        </p:nvSpPr>
-        <p:spPr/>
-        <p:txBody>
-          <a:bodyPr/>
-          <a:lstStyle/>
-          <a:p>
-            <a:r>
-              <a:rPr lang="en-US" dirty="0"/>
-              <a:t>Top 10 counties by enrollment 2018</a:t>
-            </a:r>
-          </a:p>
-        </p:txBody>
-      </p:sp>
-      <p:graphicFrame>
-        <p:nvGraphicFramePr>
-          <p:cNvPr id="9" name="Content Placeholder 8">
-            <a:extLst>
-              <a:ext uri="{FF2B5EF4-FFF2-40B4-BE49-F238E27FC236}">
-                <a16:creationId xmlns:a16="http://schemas.microsoft.com/office/drawing/2014/main" id="{DCE571B2-C905-48F3-B413-72822FFD2B13}"/>
-              </a:ext>
-            </a:extLst>
-          </p:cNvPr>
-          <p:cNvGraphicFramePr>
-            <a:graphicFrameLocks noGrp="1"/>
-          </p:cNvGraphicFramePr>
-          <p:nvPr>
-            <p:ph sz="half" idx="2"/>
-            <p:extLst>
-              <p:ext uri="{D42A27DB-BD31-4B8C-83A1-F6EECF244321}">
-                <p14:modId xmlns:p14="http://schemas.microsoft.com/office/powerpoint/2010/main" val="1388270833"/>
-              </p:ext>
-            </p:extLst>
-          </p:nvPr>
-        </p:nvGraphicFramePr>
-        <p:xfrm>
-          <a:off x="1096963" y="2582863"/>
-          <a:ext cx="4938712" cy="3378200"/>
-        </p:xfrm>
-        <a:graphic>
-          <a:graphicData uri="http://schemas.openxmlformats.org/drawingml/2006/chart">
-            <c:chart xmlns:c="http://schemas.openxmlformats.org/drawingml/2006/chart" xmlns:r="http://schemas.openxmlformats.org/officeDocument/2006/relationships" r:id="rId2"/>
-          </a:graphicData>
-        </a:graphic>
-      </p:graphicFrame>
-      <p:graphicFrame>
-        <p:nvGraphicFramePr>
-          <p:cNvPr id="10" name="Content Placeholder 9">
-            <a:extLst>
-              <a:ext uri="{FF2B5EF4-FFF2-40B4-BE49-F238E27FC236}">
-                <a16:creationId xmlns:a16="http://schemas.microsoft.com/office/drawing/2014/main" id="{736FAFDC-9811-4D9C-9188-D10C83D33518}"/>
-              </a:ext>
-            </a:extLst>
-          </p:cNvPr>
-          <p:cNvGraphicFramePr>
-            <a:graphicFrameLocks noGrp="1"/>
-          </p:cNvGraphicFramePr>
-          <p:nvPr>
-            <p:ph sz="quarter" idx="4"/>
-            <p:extLst>
-              <p:ext uri="{D42A27DB-BD31-4B8C-83A1-F6EECF244321}">
-                <p14:modId xmlns:p14="http://schemas.microsoft.com/office/powerpoint/2010/main" val="3313658816"/>
-              </p:ext>
-            </p:extLst>
-          </p:nvPr>
-        </p:nvGraphicFramePr>
-        <p:xfrm>
-          <a:off x="6218238" y="2582863"/>
-          <a:ext cx="4937125" cy="3378200"/>
-        </p:xfrm>
-        <a:graphic>
-          <a:graphicData uri="http://schemas.openxmlformats.org/drawingml/2006/chart">
-            <c:chart xmlns:c="http://schemas.openxmlformats.org/drawingml/2006/chart" xmlns:r="http://schemas.openxmlformats.org/officeDocument/2006/relationships" r:id="rId3"/>
-          </a:graphicData>
-        </a:graphic>
-      </p:graphicFrame>
-    </p:spTree>
-    <p:extLst>
-      <p:ext uri="{BB962C8B-B14F-4D97-AF65-F5344CB8AC3E}">
-        <p14:creationId xmlns:p14="http://schemas.microsoft.com/office/powerpoint/2010/main" val="2864556809"/>
-      </p:ext>
-    </p:extLst>
-  </p:cSld>
-  <p:clrMapOvr>
-    <a:masterClrMapping/>
-  </p:clrMapOvr>
 </p:sld>
 </file>
 

--- a/Impacts to TennCare.pptx
+++ b/Impacts to TennCare.pptx
@@ -9358,7 +9358,7 @@
           <a:p>
             <a:fld id="{68796EA6-6F25-4F19-87BA-7ADCC16DAEFF}" type="datetimeFigureOut">
               <a:rPr lang="en-US" smtClean="0"/>
-              <a:t>1/2/2020</a:t>
+              <a:t>1/4/2020</a:t>
             </a:fld>
             <a:endParaRPr lang="en-US" dirty="0"/>
           </a:p>
@@ -9523,7 +9523,7 @@
           <a:p>
             <a:fld id="{C39C172E-A8B5-46F6-B05C-DFA3E2E0F207}" type="datetimeFigureOut">
               <a:rPr lang="en-US" smtClean="0"/>
-              <a:t>1/2/2020</a:t>
+              <a:t>1/4/2020</a:t>
             </a:fld>
             <a:endParaRPr lang="en-US" dirty="0"/>
           </a:p>
@@ -11332,7 +11332,7 @@
             <a:fld id="{4E708F12-96AD-4ED4-8132-A78F5E42C1F5}" type="datetime1">
               <a:rPr lang="en-US" smtClean="0"/>
               <a:pPr/>
-              <a:t>1/2/2020</a:t>
+              <a:t>1/4/2020</a:t>
             </a:fld>
             <a:endParaRPr lang="en-US" dirty="0"/>
           </a:p>
@@ -11562,7 +11562,7 @@
             <a:fld id="{C20F09E4-6EA4-4BF3-9FC8-FF40373B88E6}" type="datetime1">
               <a:rPr lang="en-US" smtClean="0"/>
               <a:pPr/>
-              <a:t>1/2/2020</a:t>
+              <a:t>1/4/2020</a:t>
             </a:fld>
             <a:endParaRPr lang="en-US" dirty="0"/>
           </a:p>
@@ -11824,7 +11824,7 @@
             <a:fld id="{C20F09E4-6EA4-4BF3-9FC8-FF40373B88E6}" type="datetime1">
               <a:rPr lang="en-US" smtClean="0"/>
               <a:pPr/>
-              <a:t>1/2/2020</a:t>
+              <a:t>1/4/2020</a:t>
             </a:fld>
             <a:endParaRPr lang="en-US" dirty="0"/>
           </a:p>
@@ -12004,7 +12004,7 @@
             <a:fld id="{C20F09E4-6EA4-4BF3-9FC8-FF40373B88E6}" type="datetime1">
               <a:rPr lang="en-US" smtClean="0"/>
               <a:pPr/>
-              <a:t>1/2/2020</a:t>
+              <a:t>1/4/2020</a:t>
             </a:fld>
             <a:endParaRPr lang="en-US" dirty="0"/>
           </a:p>
@@ -12352,7 +12352,7 @@
           <a:p>
             <a:fld id="{0AAE819F-B7FD-4B29-8F66-9E318144BC2A}" type="datetime1">
               <a:rPr lang="en-US" smtClean="0"/>
-              <a:t>1/2/2020</a:t>
+              <a:t>1/4/2020</a:t>
             </a:fld>
             <a:endParaRPr lang="en-US" dirty="0"/>
           </a:p>
@@ -12644,7 +12644,7 @@
             <a:fld id="{C20F09E4-6EA4-4BF3-9FC8-FF40373B88E6}" type="datetime1">
               <a:rPr lang="en-US" smtClean="0"/>
               <a:pPr/>
-              <a:t>1/2/2020</a:t>
+              <a:t>1/4/2020</a:t>
             </a:fld>
             <a:endParaRPr lang="en-US" dirty="0"/>
           </a:p>
@@ -13029,7 +13029,7 @@
             <a:fld id="{C20F09E4-6EA4-4BF3-9FC8-FF40373B88E6}" type="datetime1">
               <a:rPr lang="en-US" smtClean="0"/>
               <a:pPr/>
-              <a:t>1/2/2020</a:t>
+              <a:t>1/4/2020</a:t>
             </a:fld>
             <a:endParaRPr lang="en-US" dirty="0"/>
           </a:p>
@@ -13152,7 +13152,7 @@
           <a:p>
             <a:fld id="{9FA4CAD8-0EA7-4615-B69B-B2F199EF3A93}" type="datetime1">
               <a:rPr lang="en-US" smtClean="0"/>
-              <a:t>1/2/2020</a:t>
+              <a:t>1/4/2020</a:t>
             </a:fld>
             <a:endParaRPr lang="en-US" dirty="0"/>
           </a:p>
@@ -13339,7 +13339,7 @@
           <a:p>
             <a:fld id="{B9234BD7-6953-492C-921B-E68B2D7F14C8}" type="datetime1">
               <a:rPr lang="en-US" smtClean="0"/>
-              <a:t>1/2/2020</a:t>
+              <a:t>1/4/2020</a:t>
             </a:fld>
             <a:endParaRPr lang="en-US" dirty="0"/>
           </a:p>
@@ -13715,7 +13715,7 @@
             <a:fld id="{C20F09E4-6EA4-4BF3-9FC8-FF40373B88E6}" type="datetime1">
               <a:rPr lang="en-US" smtClean="0"/>
               <a:pPr/>
-              <a:t>1/2/2020</a:t>
+              <a:t>1/4/2020</a:t>
             </a:fld>
             <a:endParaRPr lang="en-US" dirty="0"/>
           </a:p>
@@ -14102,7 +14102,7 @@
           <a:p>
             <a:fld id="{541F67C5-D04E-4576-B61C-12ABA14BBD6C}" type="datetime1">
               <a:rPr lang="en-US" smtClean="0"/>
-              <a:t>1/2/2020</a:t>
+              <a:t>1/4/2020</a:t>
             </a:fld>
             <a:endParaRPr lang="en-US" dirty="0"/>
           </a:p>
@@ -14406,7 +14406,7 @@
             <a:fld id="{C20F09E4-6EA4-4BF3-9FC8-FF40373B88E6}" type="datetime1">
               <a:rPr lang="en-US" smtClean="0"/>
               <a:pPr/>
-              <a:t>1/2/2020</a:t>
+              <a:t>1/4/2020</a:t>
             </a:fld>
             <a:endParaRPr lang="en-US" dirty="0"/>
           </a:p>
@@ -17629,7 +17629,7 @@
           <a:p>
             <a:r>
               <a:rPr lang="en-US" sz="4000" dirty="0"/>
-              <a:t>Yearly </a:t>
+              <a:t>Annual </a:t>
             </a:r>
             <a:r>
               <a:rPr lang="en-US" sz="4000" dirty="0" err="1"/>

--- a/Impacts to TennCare.pptx
+++ b/Impacts to TennCare.pptx
@@ -2016,28 +2016,28 @@
                 <c:formatCode>0.00%</c:formatCode>
                 <c:ptCount val="8"/>
                 <c:pt idx="0">
-                  <c:v>1.6578015353769852E-2</c:v>
+                  <c:v>7.7434867772684336E-3</c:v>
                 </c:pt>
                 <c:pt idx="1">
-                  <c:v>-8.0025885957435757E-3</c:v>
+                  <c:v>-1.2317263890703659E-2</c:v>
                 </c:pt>
                 <c:pt idx="2">
-                  <c:v>-1.8379164067679664E-2</c:v>
+                  <c:v>-1.8068259879243646E-2</c:v>
                 </c:pt>
                 <c:pt idx="3">
-                  <c:v>-8.3564369298880451E-3</c:v>
+                  <c:v>7.3627183773818897E-2</c:v>
                 </c:pt>
                 <c:pt idx="4">
-                  <c:v>0.14674855570215256</c:v>
+                  <c:v>0.12021587040293315</c:v>
                 </c:pt>
                 <c:pt idx="5">
-                  <c:v>9.8420084763078633E-2</c:v>
+                  <c:v>7.2822822822822819E-2</c:v>
                 </c:pt>
                 <c:pt idx="6">
-                  <c:v>2.8484352674716853E-2</c:v>
+                  <c:v>-5.4706850224821336E-2</c:v>
                 </c:pt>
                 <c:pt idx="7">
-                  <c:v>-4.290845819587271E-2</c:v>
+                  <c:v>-4.3943935633969311E-2</c:v>
                 </c:pt>
               </c:numCache>
             </c:numRef>
@@ -2045,7 +2045,7 @@
           <c:smooth val="0"/>
           <c:extLst>
             <c:ext xmlns:c16="http://schemas.microsoft.com/office/drawing/2014/chart" uri="{C3380CC4-5D6E-409C-BE32-E72D297353CC}">
-              <c16:uniqueId val="{00000000-8DD6-4851-BF3E-94F84356C4F2}"/>
+              <c16:uniqueId val="{00000000-9098-4312-B3F5-104DD07B8D8F}"/>
             </c:ext>
           </c:extLst>
         </c:ser>
@@ -2156,7 +2156,7 @@
           <c:smooth val="0"/>
           <c:extLst>
             <c:ext xmlns:c16="http://schemas.microsoft.com/office/drawing/2014/chart" uri="{C3380CC4-5D6E-409C-BE32-E72D297353CC}">
-              <c16:uniqueId val="{00000001-8DD6-4851-BF3E-94F84356C4F2}"/>
+              <c16:uniqueId val="{00000001-9098-4312-B3F5-104DD07B8D8F}"/>
             </c:ext>
           </c:extLst>
         </c:ser>
@@ -2337,7 +2337,6 @@
   <c:externalData r:id="rId3">
     <c:autoUpdate val="0"/>
   </c:externalData>
-  <c:userShapes r:id="rId4"/>
 </c:chartSpace>
 </file>
 
@@ -15407,7 +15406,7 @@
 <dgm:dataModel xmlns:dgm="http://schemas.openxmlformats.org/drawingml/2006/diagram" xmlns:a="http://schemas.openxmlformats.org/drawingml/2006/main">
   <dgm:ptLst>
     <dgm:pt modelId="{0C754B7E-E035-4E16-B457-DD8A8A97A682}" type="doc">
-      <dgm:prSet loTypeId="urn:microsoft.com/office/officeart/2005/8/layout/hierarchy1" loCatId="hierarchy" qsTypeId="urn:microsoft.com/office/officeart/2005/8/quickstyle/simple1" qsCatId="simple" csTypeId="urn:microsoft.com/office/officeart/2005/8/colors/colorful1" csCatId="colorful"/>
+      <dgm:prSet loTypeId="urn:microsoft.com/office/officeart/2005/8/layout/hierarchy1" loCatId="hierarchy" qsTypeId="urn:microsoft.com/office/officeart/2005/8/quickstyle/simple1" qsCatId="simple" csTypeId="urn:microsoft.com/office/officeart/2005/8/colors/colorful1" csCatId="colorful" phldr="1"/>
       <dgm:spPr/>
       <dgm:t>
         <a:bodyPr/>
@@ -15462,7 +15461,7 @@
         <a:p>
           <a:r>
             <a:rPr lang="en-US" dirty="0"/>
-            <a:t>For the last 7 years, TennCare changes mirrors poverty levels every year</a:t>
+            <a:t>For the last 7 years, TennCare changes mirrors poverty levels almost every year</a:t>
           </a:r>
         </a:p>
       </dgm:t>
@@ -17869,12 +17868,12 @@
         <a:fontRef idx="minor"/>
       </dsp:style>
       <dsp:txBody>
-        <a:bodyPr spcFirstLastPara="0" vert="horz" wrap="square" lIns="144780" tIns="144780" rIns="144780" bIns="144780" numCol="1" spcCol="1270" anchor="ctr" anchorCtr="0">
+        <a:bodyPr spcFirstLastPara="0" vert="horz" wrap="square" lIns="129540" tIns="129540" rIns="129540" bIns="129540" numCol="1" spcCol="1270" anchor="ctr" anchorCtr="0">
           <a:noAutofit/>
         </a:bodyPr>
         <a:lstStyle/>
         <a:p>
-          <a:pPr marL="0" lvl="0" indent="0" algn="ctr" defTabSz="1689100">
+          <a:pPr marL="0" lvl="0" indent="0" algn="ctr" defTabSz="1511300">
             <a:lnSpc>
               <a:spcPct val="90000"/>
             </a:lnSpc>
@@ -17887,7 +17886,7 @@
             <a:buNone/>
           </a:pPr>
           <a:r>
-            <a:rPr lang="en-US" sz="3800" kern="1200" dirty="0"/>
+            <a:rPr lang="en-US" sz="3400" kern="1200" dirty="0"/>
             <a:t>Each TennCare eligibility group is impacted by poverty levels</a:t>
           </a:r>
         </a:p>
@@ -17998,12 +17997,12 @@
         <a:fontRef idx="minor"/>
       </dsp:style>
       <dsp:txBody>
-        <a:bodyPr spcFirstLastPara="0" vert="horz" wrap="square" lIns="144780" tIns="144780" rIns="144780" bIns="144780" numCol="1" spcCol="1270" anchor="ctr" anchorCtr="0">
+        <a:bodyPr spcFirstLastPara="0" vert="horz" wrap="square" lIns="129540" tIns="129540" rIns="129540" bIns="129540" numCol="1" spcCol="1270" anchor="ctr" anchorCtr="0">
           <a:noAutofit/>
         </a:bodyPr>
         <a:lstStyle/>
         <a:p>
-          <a:pPr marL="0" lvl="0" indent="0" algn="ctr" defTabSz="1689100">
+          <a:pPr marL="0" lvl="0" indent="0" algn="ctr" defTabSz="1511300">
             <a:lnSpc>
               <a:spcPct val="90000"/>
             </a:lnSpc>
@@ -18016,8 +18015,8 @@
             <a:buNone/>
           </a:pPr>
           <a:r>
-            <a:rPr lang="en-US" sz="3800" kern="1200" dirty="0"/>
-            <a:t>For the last 7 years, TennCare changes mirrors poverty levels every year</a:t>
+            <a:rPr lang="en-US" sz="3400" kern="1200" dirty="0"/>
+            <a:t>For the last 7 years, TennCare changes mirrors poverty levels almost every year</a:t>
           </a:r>
         </a:p>
       </dsp:txBody>
@@ -24747,50 +24746,6 @@
 </c:userShapes>
 </file>
 
-<file path=ppt/drawings/drawing2.xml><?xml version="1.0" encoding="utf-8"?>
-<c:userShapes xmlns:c="http://schemas.openxmlformats.org/drawingml/2006/chart">
-  <cdr:relSizeAnchor xmlns:cdr="http://schemas.openxmlformats.org/drawingml/2006/chartDrawing">
-    <cdr:from>
-      <cdr:x>0.86313</cdr:x>
-      <cdr:y>0.03209</cdr:y>
-    </cdr:from>
-    <cdr:to>
-      <cdr:x>0.994</cdr:x>
-      <cdr:y>0.31342</cdr:y>
-    </cdr:to>
-    <cdr:pic>
-      <cdr:nvPicPr>
-        <cdr:cNvPr id="2" name="chart">
-          <a:extLst xmlns:a="http://schemas.openxmlformats.org/drawingml/2006/main">
-            <a:ext uri="{FF2B5EF4-FFF2-40B4-BE49-F238E27FC236}">
-              <a16:creationId xmlns:a16="http://schemas.microsoft.com/office/drawing/2014/main" id="{00A7FD0F-569C-4474-8BEE-C1FD1016C08E}"/>
-            </a:ext>
-          </a:extLst>
-        </cdr:cNvPr>
-        <cdr:cNvPicPr>
-          <a:picLocks xmlns:a="http://schemas.openxmlformats.org/drawingml/2006/main" noChangeAspect="1"/>
-        </cdr:cNvPicPr>
-      </cdr:nvPicPr>
-      <cdr:blipFill>
-        <a:blip xmlns:a="http://schemas.openxmlformats.org/drawingml/2006/main" xmlns:r="http://schemas.openxmlformats.org/officeDocument/2006/relationships" r:embed="rId1"/>
-        <a:stretch xmlns:a="http://schemas.openxmlformats.org/drawingml/2006/main">
-          <a:fillRect/>
-        </a:stretch>
-      </cdr:blipFill>
-      <cdr:spPr>
-        <a:xfrm xmlns:a="http://schemas.openxmlformats.org/drawingml/2006/main">
-          <a:off x="8681738" y="129093"/>
-          <a:ext cx="1316336" cy="1131728"/>
-        </a:xfrm>
-        <a:prstGeom xmlns:a="http://schemas.openxmlformats.org/drawingml/2006/main" prst="rect">
-          <a:avLst/>
-        </a:prstGeom>
-      </cdr:spPr>
-    </cdr:pic>
-  </cdr:relSizeAnchor>
-</c:userShapes>
-</file>
-
 <file path=ppt/handoutMasters/handoutMaster1.xml><?xml version="1.0" encoding="utf-8"?>
 <p:handoutMaster xmlns:a="http://schemas.openxmlformats.org/drawingml/2006/main" xmlns:r="http://schemas.openxmlformats.org/officeDocument/2006/relationships" xmlns:p="http://schemas.openxmlformats.org/presentationml/2006/main">
   <p:cSld>
@@ -24873,7 +24828,7 @@
           <a:p>
             <a:fld id="{68796EA6-6F25-4F19-87BA-7ADCC16DAEFF}" type="datetimeFigureOut">
               <a:rPr lang="en-US" smtClean="0"/>
-              <a:t>1/4/2020</a:t>
+              <a:t>1/6/2020</a:t>
             </a:fld>
             <a:endParaRPr lang="en-US" dirty="0"/>
           </a:p>
@@ -25038,7 +24993,7 @@
           <a:p>
             <a:fld id="{C39C172E-A8B5-46F6-B05C-DFA3E2E0F207}" type="datetimeFigureOut">
               <a:rPr lang="en-US" smtClean="0"/>
-              <a:t>1/4/2020</a:t>
+              <a:t>1/6/2020</a:t>
             </a:fld>
             <a:endParaRPr lang="en-US" dirty="0"/>
           </a:p>
@@ -25522,7 +25477,7 @@
           <a:p>
             <a:r>
               <a:rPr lang="en-US" dirty="0"/>
-              <a:t>Poverty rate changes on the other hand mirror enrollment changes every year</a:t>
+              <a:t>Poverty rate changes on the other hand mirror enrollment changes 6 out of 7 years</a:t>
             </a:r>
           </a:p>
         </p:txBody>
@@ -25998,7 +25953,7 @@
           <a:p>
             <a:r>
               <a:rPr lang="en-US" dirty="0"/>
-              <a:t>Based on this data, the main contributing factor to TennCare enrollment numbers is poverty.  The poverty changes over the last 7 years matches enrollment numbers every year and each eligibility group is impacted by poverty.</a:t>
+              <a:t>Based on this data, the main contributing factor to TennCare enrollment numbers is poverty.  The poverty changes over the last 7 years matches enrollment numbers every year but one and each eligibility group is impacted by poverty.</a:t>
             </a:r>
           </a:p>
         </p:txBody>
@@ -27148,7 +27103,7 @@
             <a:fld id="{4E708F12-96AD-4ED4-8132-A78F5E42C1F5}" type="datetime1">
               <a:rPr lang="en-US" smtClean="0"/>
               <a:pPr/>
-              <a:t>1/4/2020</a:t>
+              <a:t>1/6/2020</a:t>
             </a:fld>
             <a:endParaRPr lang="en-US" dirty="0"/>
           </a:p>
@@ -27377,7 +27332,7 @@
             <a:fld id="{C20F09E4-6EA4-4BF3-9FC8-FF40373B88E6}" type="datetime1">
               <a:rPr lang="en-US" smtClean="0"/>
               <a:pPr/>
-              <a:t>1/4/2020</a:t>
+              <a:t>1/6/2020</a:t>
             </a:fld>
             <a:endParaRPr lang="en-US" dirty="0"/>
           </a:p>
@@ -27638,7 +27593,7 @@
             <a:fld id="{C20F09E4-6EA4-4BF3-9FC8-FF40373B88E6}" type="datetime1">
               <a:rPr lang="en-US" smtClean="0"/>
               <a:pPr/>
-              <a:t>1/4/2020</a:t>
+              <a:t>1/6/2020</a:t>
             </a:fld>
             <a:endParaRPr lang="en-US" dirty="0"/>
           </a:p>
@@ -27817,7 +27772,7 @@
             <a:fld id="{C20F09E4-6EA4-4BF3-9FC8-FF40373B88E6}" type="datetime1">
               <a:rPr lang="en-US" smtClean="0"/>
               <a:pPr/>
-              <a:t>1/4/2020</a:t>
+              <a:t>1/6/2020</a:t>
             </a:fld>
             <a:endParaRPr lang="en-US" dirty="0"/>
           </a:p>
@@ -28164,7 +28119,7 @@
           <a:p>
             <a:fld id="{0AAE819F-B7FD-4B29-8F66-9E318144BC2A}" type="datetime1">
               <a:rPr lang="en-US" smtClean="0"/>
-              <a:t>1/4/2020</a:t>
+              <a:t>1/6/2020</a:t>
             </a:fld>
             <a:endParaRPr lang="en-US" dirty="0"/>
           </a:p>
@@ -28455,7 +28410,7 @@
             <a:fld id="{C20F09E4-6EA4-4BF3-9FC8-FF40373B88E6}" type="datetime1">
               <a:rPr lang="en-US" smtClean="0"/>
               <a:pPr/>
-              <a:t>1/4/2020</a:t>
+              <a:t>1/6/2020</a:t>
             </a:fld>
             <a:endParaRPr lang="en-US" dirty="0"/>
           </a:p>
@@ -28839,7 +28794,7 @@
             <a:fld id="{C20F09E4-6EA4-4BF3-9FC8-FF40373B88E6}" type="datetime1">
               <a:rPr lang="en-US" smtClean="0"/>
               <a:pPr/>
-              <a:t>1/4/2020</a:t>
+              <a:t>1/6/2020</a:t>
             </a:fld>
             <a:endParaRPr lang="en-US" dirty="0"/>
           </a:p>
@@ -28961,7 +28916,7 @@
           <a:p>
             <a:fld id="{9FA4CAD8-0EA7-4615-B69B-B2F199EF3A93}" type="datetime1">
               <a:rPr lang="en-US" smtClean="0"/>
-              <a:t>1/4/2020</a:t>
+              <a:t>1/6/2020</a:t>
             </a:fld>
             <a:endParaRPr lang="en-US" dirty="0"/>
           </a:p>
@@ -29147,7 +29102,7 @@
           <a:p>
             <a:fld id="{B9234BD7-6953-492C-921B-E68B2D7F14C8}" type="datetime1">
               <a:rPr lang="en-US" smtClean="0"/>
-              <a:t>1/4/2020</a:t>
+              <a:t>1/6/2020</a:t>
             </a:fld>
             <a:endParaRPr lang="en-US" dirty="0"/>
           </a:p>
@@ -29522,7 +29477,7 @@
             <a:fld id="{C20F09E4-6EA4-4BF3-9FC8-FF40373B88E6}" type="datetime1">
               <a:rPr lang="en-US" smtClean="0"/>
               <a:pPr/>
-              <a:t>1/4/2020</a:t>
+              <a:t>1/6/2020</a:t>
             </a:fld>
             <a:endParaRPr lang="en-US" dirty="0"/>
           </a:p>
@@ -29907,7 +29862,7 @@
           <a:p>
             <a:fld id="{541F67C5-D04E-4576-B61C-12ABA14BBD6C}" type="datetime1">
               <a:rPr lang="en-US" smtClean="0"/>
-              <a:t>1/4/2020</a:t>
+              <a:t>1/6/2020</a:t>
             </a:fld>
             <a:endParaRPr lang="en-US" dirty="0"/>
           </a:p>
@@ -30210,7 +30165,7 @@
             <a:fld id="{C20F09E4-6EA4-4BF3-9FC8-FF40373B88E6}" type="datetime1">
               <a:rPr lang="en-US" smtClean="0"/>
               <a:pPr/>
-              <a:t>1/4/2020</a:t>
+              <a:t>1/6/2020</a:t>
             </a:fld>
             <a:endParaRPr lang="en-US" dirty="0"/>
           </a:p>
@@ -30996,7 +30951,7 @@
       </p:sp>
       <p:graphicFrame>
         <p:nvGraphicFramePr>
-          <p:cNvPr id="7" name="Content Placeholder 6">
+          <p:cNvPr id="5" name="Content Placeholder 4">
             <a:extLst>
               <a:ext uri="{FF2B5EF4-FFF2-40B4-BE49-F238E27FC236}">
                 <a16:creationId xmlns:a16="http://schemas.microsoft.com/office/drawing/2014/main" id="{71B37A8A-AF70-4496-88F0-778FC1E9EA21}"/>
@@ -31010,7 +30965,7 @@
             <p:ph sz="half" idx="1"/>
             <p:extLst>
               <p:ext uri="{D42A27DB-BD31-4B8C-83A1-F6EECF244321}">
-                <p14:modId xmlns:p14="http://schemas.microsoft.com/office/powerpoint/2010/main" val="3779447394"/>
+                <p14:modId xmlns:p14="http://schemas.microsoft.com/office/powerpoint/2010/main" val="389771012"/>
               </p:ext>
             </p:extLst>
           </p:nvPr>
@@ -31025,6 +30980,36 @@
           </a:graphicData>
         </a:graphic>
       </p:graphicFrame>
+      <p:pic>
+        <p:nvPicPr>
+          <p:cNvPr id="4" name="Picture 3">
+            <a:extLst>
+              <a:ext uri="{FF2B5EF4-FFF2-40B4-BE49-F238E27FC236}">
+                <a16:creationId xmlns:a16="http://schemas.microsoft.com/office/drawing/2014/main" id="{D04CB278-A5FA-4A2A-8D9E-9D4185E15680}"/>
+              </a:ext>
+            </a:extLst>
+          </p:cNvPr>
+          <p:cNvPicPr>
+            <a:picLocks noChangeAspect="1"/>
+          </p:cNvPicPr>
+          <p:nvPr/>
+        </p:nvPicPr>
+        <p:blipFill>
+          <a:blip r:embed="rId4"/>
+          <a:stretch>
+            <a:fillRect/>
+          </a:stretch>
+        </p:blipFill>
+        <p:spPr>
+          <a:xfrm>
+            <a:off x="9957618" y="1926851"/>
+            <a:ext cx="1137419" cy="988471"/>
+          </a:xfrm>
+          <a:prstGeom prst="rect">
+            <a:avLst/>
+          </a:prstGeom>
+        </p:spPr>
+      </p:pic>
     </p:spTree>
     <p:extLst>
       <p:ext uri="{BB962C8B-B14F-4D97-AF65-F5344CB8AC3E}">
@@ -33065,7 +33050,7 @@
             <p:ph idx="1"/>
             <p:extLst>
               <p:ext uri="{D42A27DB-BD31-4B8C-83A1-F6EECF244321}">
-                <p14:modId xmlns:p14="http://schemas.microsoft.com/office/powerpoint/2010/main" val="1286791718"/>
+                <p14:modId xmlns:p14="http://schemas.microsoft.com/office/powerpoint/2010/main" val="1775874320"/>
               </p:ext>
             </p:extLst>
           </p:nvPr>
@@ -33428,7 +33413,7 @@
         </p:nvSpPr>
         <p:spPr>
           <a:xfrm>
-            <a:off x="1065197" y="5120640"/>
+            <a:off x="1065227" y="5487944"/>
             <a:ext cx="10058400" cy="822960"/>
           </a:xfrm>
         </p:spPr>
@@ -33438,8 +33423,9 @@
           </a:bodyPr>
           <a:lstStyle/>
           <a:p>
+            <a:pPr algn="ctr"/>
             <a:r>
-              <a:rPr lang="en-US" sz="3600" dirty="0">
+              <a:rPr lang="en-US" dirty="0">
                 <a:solidFill>
                   <a:srgbClr val="FFFFFF"/>
                 </a:solidFill>
@@ -33805,7 +33791,7 @@
         </p:spPr>
         <p:txBody>
           <a:bodyPr anchor="ctr">
-            <a:normAutofit fontScale="92500" lnSpcReduction="10000"/>
+            <a:normAutofit fontScale="92500" lnSpcReduction="20000"/>
           </a:bodyPr>
           <a:lstStyle/>
           <a:p>
@@ -33878,6 +33864,19 @@
               <a:rPr lang="en-US" b="1" dirty="0"/>
               <a:t>Poverty Data </a:t>
             </a:r>
+          </a:p>
+          <a:p>
+            <a:pPr>
+              <a:lnSpc>
+                <a:spcPct val="110000"/>
+              </a:lnSpc>
+              <a:spcBef>
+                <a:spcPts val="0"/>
+              </a:spcBef>
+              <a:spcAft>
+                <a:spcPts val="0"/>
+              </a:spcAft>
+            </a:pPr>
             <a:r>
               <a:rPr lang="en-US" u="sng" dirty="0">
                 <a:hlinkClick r:id="rId4"/>
@@ -35296,7 +35295,7 @@
         </p:nvSpPr>
         <p:spPr>
           <a:xfrm>
-            <a:off x="1065197" y="5120640"/>
+            <a:off x="1065196" y="5463160"/>
             <a:ext cx="10058400" cy="822960"/>
           </a:xfrm>
         </p:spPr>
@@ -35306,8 +35305,9 @@
           </a:bodyPr>
           <a:lstStyle/>
           <a:p>
+            <a:pPr algn="ctr"/>
             <a:r>
-              <a:rPr lang="en-US" sz="3600" dirty="0">
+              <a:rPr lang="en-US" dirty="0">
                 <a:solidFill>
                   <a:srgbClr val="FFFFFF"/>
                 </a:solidFill>
@@ -35317,38 +35317,6 @@
           </a:p>
         </p:txBody>
       </p:sp>
-      <p:pic>
-        <p:nvPicPr>
-          <p:cNvPr id="5" name="Content Placeholder 4">
-            <a:extLst>
-              <a:ext uri="{FF2B5EF4-FFF2-40B4-BE49-F238E27FC236}">
-                <a16:creationId xmlns:a16="http://schemas.microsoft.com/office/drawing/2014/main" id="{BF52794A-7777-424B-8F00-0A715A40D0FA}"/>
-              </a:ext>
-            </a:extLst>
-          </p:cNvPr>
-          <p:cNvPicPr>
-            <a:picLocks noGrp="1" noChangeAspect="1"/>
-          </p:cNvPicPr>
-          <p:nvPr>
-            <p:ph idx="1"/>
-          </p:nvPr>
-        </p:nvPicPr>
-        <p:blipFill>
-          <a:blip r:embed="rId3"/>
-          <a:stretch>
-            <a:fillRect/>
-          </a:stretch>
-        </p:blipFill>
-        <p:spPr>
-          <a:xfrm>
-            <a:off x="2216075" y="0"/>
-            <a:ext cx="8229600" cy="4839691"/>
-          </a:xfrm>
-          <a:prstGeom prst="rect">
-            <a:avLst/>
-          </a:prstGeom>
-        </p:spPr>
-      </p:pic>
       <p:sp>
         <p:nvSpPr>
           <p:cNvPr id="20" name="Rectangle 19">
@@ -35404,6 +35372,38 @@
           </a:fontRef>
         </p:style>
       </p:sp>
+      <p:pic>
+        <p:nvPicPr>
+          <p:cNvPr id="7" name="Content Placeholder 6">
+            <a:extLst>
+              <a:ext uri="{FF2B5EF4-FFF2-40B4-BE49-F238E27FC236}">
+                <a16:creationId xmlns:a16="http://schemas.microsoft.com/office/drawing/2014/main" id="{9110749D-AB58-45D3-B13A-5FADAF531BA0}"/>
+              </a:ext>
+            </a:extLst>
+          </p:cNvPr>
+          <p:cNvPicPr>
+            <a:picLocks noGrp="1" noChangeAspect="1"/>
+          </p:cNvPicPr>
+          <p:nvPr>
+            <p:ph idx="1"/>
+          </p:nvPr>
+        </p:nvPicPr>
+        <p:blipFill>
+          <a:blip r:embed="rId3"/>
+          <a:stretch>
+            <a:fillRect/>
+          </a:stretch>
+        </p:blipFill>
+        <p:spPr>
+          <a:xfrm>
+            <a:off x="2388388" y="0"/>
+            <a:ext cx="7412017" cy="4839690"/>
+          </a:xfrm>
+          <a:prstGeom prst="rect">
+            <a:avLst/>
+          </a:prstGeom>
+        </p:spPr>
+      </p:pic>
     </p:spTree>
     <p:extLst>
       <p:ext uri="{BB962C8B-B14F-4D97-AF65-F5344CB8AC3E}">
